--- a/PRIMERA ENTREGA DEL PROYECTO FINAL - PRESENTANCION GERENCIAL.pptx
+++ b/PRIMERA ENTREGA DEL PROYECTO FINAL - PRESENTANCION GERENCIAL.pptx
@@ -1,42 +1,42 @@
 
 <file path=ppt/presentation.xml><?xml version="1.0" encoding="utf-8"?>
-<p:presentation xmlns:a="http://schemas.openxmlformats.org/drawingml/2006/main" xmlns:r="http://schemas.openxmlformats.org/officeDocument/2006/relationships" xmlns:mc="http://schemas.openxmlformats.org/markup-compatibility/2006" xmlns:mv="urn:schemas-microsoft-com:mac:vml" xmlns:p="http://schemas.openxmlformats.org/presentationml/2006/main" xmlns:c="http://schemas.openxmlformats.org/drawingml/2006/chart" xmlns:dgm="http://schemas.openxmlformats.org/drawingml/2006/diagram" xmlns:o="urn:schemas-microsoft-com:office:office" xmlns:v="urn:schemas-microsoft-com:vml" xmlns:pvml="urn:schemas-microsoft-com:office:powerpoint" xmlns:com="http://schemas.openxmlformats.org/drawingml/2006/compatibility" xmlns:p14="http://schemas.microsoft.com/office/powerpoint/2010/main" xmlns:p15="http://schemas.microsoft.com/office/powerpoint/2012/main" xmlns:ahyp="http://schemas.microsoft.com/office/drawing/2018/hyperlinkcolor" autoCompressPictures="0" embedTrueTypeFonts="1" strictFirstAndLastChars="0" saveSubsetFonts="1">
+<p:presentation xmlns:a="http://schemas.openxmlformats.org/drawingml/2006/main" xmlns:r="http://schemas.openxmlformats.org/officeDocument/2006/relationships" xmlns:p="http://schemas.openxmlformats.org/presentationml/2006/main" strictFirstAndLastChars="0" embedTrueTypeFonts="1" saveSubsetFonts="1" autoCompressPictures="0">
   <p:sldMasterIdLst>
-    <p:sldMasterId id="2147483659" r:id="rId4"/>
+    <p:sldMasterId id="2147483659" r:id="rId1"/>
   </p:sldMasterIdLst>
   <p:notesMasterIdLst>
-    <p:notesMasterId r:id="rId5"/>
+    <p:notesMasterId r:id="rId17"/>
   </p:notesMasterIdLst>
   <p:sldIdLst>
-    <p:sldId id="256" r:id="rId6"/>
-    <p:sldId id="257" r:id="rId7"/>
-    <p:sldId id="258" r:id="rId8"/>
-    <p:sldId id="259" r:id="rId9"/>
-    <p:sldId id="260" r:id="rId10"/>
-    <p:sldId id="261" r:id="rId11"/>
-    <p:sldId id="262" r:id="rId12"/>
-    <p:sldId id="263" r:id="rId13"/>
-    <p:sldId id="264" r:id="rId14"/>
-    <p:sldId id="265" r:id="rId15"/>
-    <p:sldId id="266" r:id="rId16"/>
-    <p:sldId id="267" r:id="rId17"/>
-    <p:sldId id="268" r:id="rId18"/>
-    <p:sldId id="269" r:id="rId19"/>
-    <p:sldId id="270" r:id="rId20"/>
+    <p:sldId id="256" r:id="rId2"/>
+    <p:sldId id="257" r:id="rId3"/>
+    <p:sldId id="258" r:id="rId4"/>
+    <p:sldId id="259" r:id="rId5"/>
+    <p:sldId id="260" r:id="rId6"/>
+    <p:sldId id="261" r:id="rId7"/>
+    <p:sldId id="262" r:id="rId8"/>
+    <p:sldId id="263" r:id="rId9"/>
+    <p:sldId id="264" r:id="rId10"/>
+    <p:sldId id="265" r:id="rId11"/>
+    <p:sldId id="266" r:id="rId12"/>
+    <p:sldId id="267" r:id="rId13"/>
+    <p:sldId id="268" r:id="rId14"/>
+    <p:sldId id="269" r:id="rId15"/>
+    <p:sldId id="270" r:id="rId16"/>
   </p:sldIdLst>
-  <p:sldSz cy="5143500" cx="9144000"/>
+  <p:sldSz cx="9144000" cy="5143500" type="screen16x9"/>
   <p:notesSz cx="6858000" cy="9144000"/>
   <p:embeddedFontLst>
     <p:embeddedFont>
-      <p:font typeface="Roboto"/>
-      <p:regular r:id="rId21"/>
-      <p:bold r:id="rId22"/>
-      <p:italic r:id="rId23"/>
-      <p:boldItalic r:id="rId24"/>
+      <p:font typeface="Roboto" panose="02000000000000000000" pitchFamily="2" charset="0"/>
+      <p:regular r:id="rId18"/>
+      <p:bold r:id="rId19"/>
+      <p:italic r:id="rId20"/>
+      <p:boldItalic r:id="rId21"/>
     </p:embeddedFont>
   </p:embeddedFontLst>
   <p:defaultTextStyle>
-    <a:defPPr lvl="0" marR="0" rtl="0" algn="l">
+    <a:defPPr marR="0" lvl="0" algn="l" rtl="0">
       <a:lnSpc>
         <a:spcPct val="100000"/>
       </a:lnSpc>
@@ -47,7 +47,7 @@
         <a:spcPts val="0"/>
       </a:spcAft>
     </a:defPPr>
-    <a:lvl1pPr lvl="0" marR="0" rtl="0" algn="l">
+    <a:lvl1pPr marR="0" lvl="0" algn="l" rtl="0">
       <a:lnSpc>
         <a:spcPct val="100000"/>
       </a:lnSpc>
@@ -61,7 +61,7 @@
         <a:srgbClr val="000000"/>
       </a:buClr>
       <a:buFont typeface="Arial"/>
-      <a:defRPr b="0" i="0" sz="1400" u="none" cap="none" strike="noStrike">
+      <a:defRPr sz="1400" b="0" i="0" u="none" strike="noStrike" cap="none">
         <a:solidFill>
           <a:srgbClr val="000000"/>
         </a:solidFill>
@@ -71,7 +71,7 @@
         <a:sym typeface="Arial"/>
       </a:defRPr>
     </a:lvl1pPr>
-    <a:lvl2pPr lvl="1" marR="0" rtl="0" algn="l">
+    <a:lvl2pPr marR="0" lvl="1" algn="l" rtl="0">
       <a:lnSpc>
         <a:spcPct val="100000"/>
       </a:lnSpc>
@@ -85,7 +85,7 @@
         <a:srgbClr val="000000"/>
       </a:buClr>
       <a:buFont typeface="Arial"/>
-      <a:defRPr b="0" i="0" sz="1400" u="none" cap="none" strike="noStrike">
+      <a:defRPr sz="1400" b="0" i="0" u="none" strike="noStrike" cap="none">
         <a:solidFill>
           <a:srgbClr val="000000"/>
         </a:solidFill>
@@ -95,7 +95,7 @@
         <a:sym typeface="Arial"/>
       </a:defRPr>
     </a:lvl2pPr>
-    <a:lvl3pPr lvl="2" marR="0" rtl="0" algn="l">
+    <a:lvl3pPr marR="0" lvl="2" algn="l" rtl="0">
       <a:lnSpc>
         <a:spcPct val="100000"/>
       </a:lnSpc>
@@ -109,7 +109,7 @@
         <a:srgbClr val="000000"/>
       </a:buClr>
       <a:buFont typeface="Arial"/>
-      <a:defRPr b="0" i="0" sz="1400" u="none" cap="none" strike="noStrike">
+      <a:defRPr sz="1400" b="0" i="0" u="none" strike="noStrike" cap="none">
         <a:solidFill>
           <a:srgbClr val="000000"/>
         </a:solidFill>
@@ -119,7 +119,7 @@
         <a:sym typeface="Arial"/>
       </a:defRPr>
     </a:lvl3pPr>
-    <a:lvl4pPr lvl="3" marR="0" rtl="0" algn="l">
+    <a:lvl4pPr marR="0" lvl="3" algn="l" rtl="0">
       <a:lnSpc>
         <a:spcPct val="100000"/>
       </a:lnSpc>
@@ -133,7 +133,7 @@
         <a:srgbClr val="000000"/>
       </a:buClr>
       <a:buFont typeface="Arial"/>
-      <a:defRPr b="0" i="0" sz="1400" u="none" cap="none" strike="noStrike">
+      <a:defRPr sz="1400" b="0" i="0" u="none" strike="noStrike" cap="none">
         <a:solidFill>
           <a:srgbClr val="000000"/>
         </a:solidFill>
@@ -143,7 +143,7 @@
         <a:sym typeface="Arial"/>
       </a:defRPr>
     </a:lvl4pPr>
-    <a:lvl5pPr lvl="4" marR="0" rtl="0" algn="l">
+    <a:lvl5pPr marR="0" lvl="4" algn="l" rtl="0">
       <a:lnSpc>
         <a:spcPct val="100000"/>
       </a:lnSpc>
@@ -157,7 +157,7 @@
         <a:srgbClr val="000000"/>
       </a:buClr>
       <a:buFont typeface="Arial"/>
-      <a:defRPr b="0" i="0" sz="1400" u="none" cap="none" strike="noStrike">
+      <a:defRPr sz="1400" b="0" i="0" u="none" strike="noStrike" cap="none">
         <a:solidFill>
           <a:srgbClr val="000000"/>
         </a:solidFill>
@@ -167,7 +167,7 @@
         <a:sym typeface="Arial"/>
       </a:defRPr>
     </a:lvl5pPr>
-    <a:lvl6pPr lvl="5" marR="0" rtl="0" algn="l">
+    <a:lvl6pPr marR="0" lvl="5" algn="l" rtl="0">
       <a:lnSpc>
         <a:spcPct val="100000"/>
       </a:lnSpc>
@@ -181,7 +181,7 @@
         <a:srgbClr val="000000"/>
       </a:buClr>
       <a:buFont typeface="Arial"/>
-      <a:defRPr b="0" i="0" sz="1400" u="none" cap="none" strike="noStrike">
+      <a:defRPr sz="1400" b="0" i="0" u="none" strike="noStrike" cap="none">
         <a:solidFill>
           <a:srgbClr val="000000"/>
         </a:solidFill>
@@ -191,7 +191,7 @@
         <a:sym typeface="Arial"/>
       </a:defRPr>
     </a:lvl6pPr>
-    <a:lvl7pPr lvl="6" marR="0" rtl="0" algn="l">
+    <a:lvl7pPr marR="0" lvl="6" algn="l" rtl="0">
       <a:lnSpc>
         <a:spcPct val="100000"/>
       </a:lnSpc>
@@ -205,7 +205,7 @@
         <a:srgbClr val="000000"/>
       </a:buClr>
       <a:buFont typeface="Arial"/>
-      <a:defRPr b="0" i="0" sz="1400" u="none" cap="none" strike="noStrike">
+      <a:defRPr sz="1400" b="0" i="0" u="none" strike="noStrike" cap="none">
         <a:solidFill>
           <a:srgbClr val="000000"/>
         </a:solidFill>
@@ -215,7 +215,7 @@
         <a:sym typeface="Arial"/>
       </a:defRPr>
     </a:lvl7pPr>
-    <a:lvl8pPr lvl="7" marR="0" rtl="0" algn="l">
+    <a:lvl8pPr marR="0" lvl="7" algn="l" rtl="0">
       <a:lnSpc>
         <a:spcPct val="100000"/>
       </a:lnSpc>
@@ -229,7 +229,7 @@
         <a:srgbClr val="000000"/>
       </a:buClr>
       <a:buFont typeface="Arial"/>
-      <a:defRPr b="0" i="0" sz="1400" u="none" cap="none" strike="noStrike">
+      <a:defRPr sz="1400" b="0" i="0" u="none" strike="noStrike" cap="none">
         <a:solidFill>
           <a:srgbClr val="000000"/>
         </a:solidFill>
@@ -239,7 +239,7 @@
         <a:sym typeface="Arial"/>
       </a:defRPr>
     </a:lvl8pPr>
-    <a:lvl9pPr lvl="8" marR="0" rtl="0" algn="l">
+    <a:lvl9pPr marR="0" lvl="8" algn="l" rtl="0">
       <a:lnSpc>
         <a:spcPct val="100000"/>
       </a:lnSpc>
@@ -253,7 +253,7 @@
         <a:srgbClr val="000000"/>
       </a:buClr>
       <a:buFont typeface="Arial"/>
-      <a:defRPr b="0" i="0" sz="1400" u="none" cap="none" strike="noStrike">
+      <a:defRPr sz="1400" b="0" i="0" u="none" strike="noStrike" cap="none">
         <a:solidFill>
           <a:srgbClr val="000000"/>
         </a:solidFill>
@@ -266,7 +266,7 @@
   </p:defaultTextStyle>
   <p:extLst>
     <p:ext uri="{EFAFB233-063F-42B5-8137-9DF3F51BA10A}">
-      <p15:sldGuideLst>
+      <p15:sldGuideLst xmlns:p15="http://schemas.microsoft.com/office/powerpoint/2012/main">
         <p15:guide id="1" orient="horz" pos="1620">
           <p15:clr>
             <a:srgbClr val="A4A3A4"/>
@@ -284,11 +284,16 @@
 </file>
 
 <file path=ppt/notesMasters/notesMaster1.xml><?xml version="1.0" encoding="utf-8"?>
-<p:notesMaster xmlns:a="http://schemas.openxmlformats.org/drawingml/2006/main" xmlns:r="http://schemas.openxmlformats.org/officeDocument/2006/relationships" xmlns:mc="http://schemas.openxmlformats.org/markup-compatibility/2006" xmlns:mv="urn:schemas-microsoft-com:mac:vml" xmlns:p="http://schemas.openxmlformats.org/presentationml/2006/main" xmlns:c="http://schemas.openxmlformats.org/drawingml/2006/chart" xmlns:dgm="http://schemas.openxmlformats.org/drawingml/2006/diagram" xmlns:o="urn:schemas-microsoft-com:office:office" xmlns:v="urn:schemas-microsoft-com:vml" xmlns:pvml="urn:schemas-microsoft-com:office:powerpoint" xmlns:com="http://schemas.openxmlformats.org/drawingml/2006/compatibility" xmlns:p14="http://schemas.microsoft.com/office/powerpoint/2010/main" xmlns:p15="http://schemas.microsoft.com/office/powerpoint/2012/main" xmlns:ahyp="http://schemas.microsoft.com/office/drawing/2018/hyperlinkcolor">
+<p:notesMaster xmlns:a="http://schemas.openxmlformats.org/drawingml/2006/main" xmlns:r="http://schemas.openxmlformats.org/officeDocument/2006/relationships" xmlns:p="http://schemas.openxmlformats.org/presentationml/2006/main">
   <p:cSld>
+    <p:bg>
+      <p:bgRef idx="1001">
+        <a:schemeClr val="bg1"/>
+      </p:bgRef>
+    </p:bg>
     <p:spTree>
       <p:nvGrpSpPr>
-        <p:cNvPr id="2" name="Shape 2"/>
+        <p:cNvPr id="1" name="Shape 2"/>
         <p:cNvGrpSpPr/>
         <p:nvPr/>
       </p:nvGrpSpPr>
@@ -303,9 +308,11 @@
       <p:sp>
         <p:nvSpPr>
           <p:cNvPr id="3" name="Google Shape;3;n"/>
-          <p:cNvSpPr/>
+          <p:cNvSpPr>
+            <a:spLocks noGrp="1" noRot="1" noChangeAspect="1"/>
+          </p:cNvSpPr>
           <p:nvPr>
-            <p:ph idx="2" type="sldImg"/>
+            <p:ph type="sldImg" idx="2"/>
           </p:nvPr>
         </p:nvSpPr>
         <p:spPr>
@@ -314,9 +321,13 @@
             <a:ext cx="6096075" cy="3429000"/>
           </a:xfrm>
           <a:custGeom>
-            <a:rect b="b" l="l" r="r" t="t"/>
+            <a:avLst/>
+            <a:gdLst/>
+            <a:ahLst/>
+            <a:cxnLst/>
+            <a:rect l="l" t="t" r="r" b="b"/>
             <a:pathLst>
-              <a:path extrusionOk="0" h="120000" w="120000">
+              <a:path w="120000" h="120000" extrusionOk="0">
                 <a:moveTo>
                   <a:pt x="0" y="0"/>
                 </a:moveTo>
@@ -334,23 +345,25 @@
             </a:pathLst>
           </a:custGeom>
           <a:noFill/>
-          <a:ln cap="flat" cmpd="sng" w="9525">
+          <a:ln w="9525" cap="flat" cmpd="sng">
             <a:solidFill>
               <a:srgbClr val="000000"/>
             </a:solidFill>
             <a:prstDash val="solid"/>
             <a:round/>
-            <a:headEnd len="sm" w="sm" type="none"/>
-            <a:tailEnd len="sm" w="sm" type="none"/>
+            <a:headEnd type="none" w="sm" len="sm"/>
+            <a:tailEnd type="none" w="sm" len="sm"/>
           </a:ln>
         </p:spPr>
       </p:sp>
       <p:sp>
         <p:nvSpPr>
           <p:cNvPr id="4" name="Google Shape;4;n"/>
-          <p:cNvSpPr txBox="1"/>
+          <p:cNvSpPr txBox="1">
+            <a:spLocks noGrp="1"/>
+          </p:cNvSpPr>
           <p:nvPr>
-            <p:ph idx="1" type="body"/>
+            <p:ph type="body" idx="1"/>
           </p:nvPr>
         </p:nvSpPr>
         <p:spPr>
@@ -367,11 +380,11 @@
           </a:ln>
         </p:spPr>
         <p:txBody>
-          <a:bodyPr anchorCtr="0" anchor="t" bIns="91425" lIns="91425" spcFirstLastPara="1" rIns="91425" wrap="square" tIns="91425">
+          <a:bodyPr spcFirstLastPara="1" wrap="square" lIns="91425" tIns="91425" rIns="91425" bIns="91425" anchor="t" anchorCtr="0">
             <a:noAutofit/>
           </a:bodyPr>
           <a:lstStyle>
-            <a:lvl1pPr indent="-298450" lvl="0" marL="457200">
+            <a:lvl1pPr marL="457200" lvl="0" indent="-298450">
               <a:spcBef>
                 <a:spcPts val="0"/>
               </a:spcBef>
@@ -382,7 +395,7 @@
               <a:buChar char="●"/>
               <a:defRPr sz="1100"/>
             </a:lvl1pPr>
-            <a:lvl2pPr indent="-298450" lvl="1" marL="914400">
+            <a:lvl2pPr marL="914400" lvl="1" indent="-298450">
               <a:spcBef>
                 <a:spcPts val="0"/>
               </a:spcBef>
@@ -393,7 +406,7 @@
               <a:buChar char="○"/>
               <a:defRPr sz="1100"/>
             </a:lvl2pPr>
-            <a:lvl3pPr indent="-298450" lvl="2" marL="1371600">
+            <a:lvl3pPr marL="1371600" lvl="2" indent="-298450">
               <a:spcBef>
                 <a:spcPts val="0"/>
               </a:spcBef>
@@ -404,7 +417,7 @@
               <a:buChar char="■"/>
               <a:defRPr sz="1100"/>
             </a:lvl3pPr>
-            <a:lvl4pPr indent="-298450" lvl="3" marL="1828800">
+            <a:lvl4pPr marL="1828800" lvl="3" indent="-298450">
               <a:spcBef>
                 <a:spcPts val="0"/>
               </a:spcBef>
@@ -415,7 +428,7 @@
               <a:buChar char="●"/>
               <a:defRPr sz="1100"/>
             </a:lvl4pPr>
-            <a:lvl5pPr indent="-298450" lvl="4" marL="2286000">
+            <a:lvl5pPr marL="2286000" lvl="4" indent="-298450">
               <a:spcBef>
                 <a:spcPts val="0"/>
               </a:spcBef>
@@ -426,7 +439,7 @@
               <a:buChar char="○"/>
               <a:defRPr sz="1100"/>
             </a:lvl5pPr>
-            <a:lvl6pPr indent="-298450" lvl="5" marL="2743200">
+            <a:lvl6pPr marL="2743200" lvl="5" indent="-298450">
               <a:spcBef>
                 <a:spcPts val="0"/>
               </a:spcBef>
@@ -437,7 +450,7 @@
               <a:buChar char="■"/>
               <a:defRPr sz="1100"/>
             </a:lvl6pPr>
-            <a:lvl7pPr indent="-298450" lvl="6" marL="3200400">
+            <a:lvl7pPr marL="3200400" lvl="6" indent="-298450">
               <a:spcBef>
                 <a:spcPts val="0"/>
               </a:spcBef>
@@ -448,7 +461,7 @@
               <a:buChar char="●"/>
               <a:defRPr sz="1100"/>
             </a:lvl7pPr>
-            <a:lvl8pPr indent="-298450" lvl="7" marL="3657600">
+            <a:lvl8pPr marL="3657600" lvl="7" indent="-298450">
               <a:spcBef>
                 <a:spcPts val="0"/>
               </a:spcBef>
@@ -459,7 +472,7 @@
               <a:buChar char="○"/>
               <a:defRPr sz="1100"/>
             </a:lvl8pPr>
-            <a:lvl9pPr indent="-298450" lvl="8" marL="4114800">
+            <a:lvl9pPr marL="4114800" lvl="8" indent="-298450">
               <a:spcBef>
                 <a:spcPts val="0"/>
               </a:spcBef>
@@ -471,14 +484,16 @@
               <a:defRPr sz="1100"/>
             </a:lvl9pPr>
           </a:lstStyle>
-          <a:p/>
+          <a:p>
+            <a:endParaRPr/>
+          </a:p>
         </p:txBody>
       </p:sp>
     </p:spTree>
   </p:cSld>
-  <p:clrMap accent1="accent1" accent2="accent2" accent3="accent3" accent4="accent4" accent5="accent5" accent6="accent6" bg1="lt1" bg2="dk2" tx1="dk1" tx2="lt2" folHlink="folHlink" hlink="hlink"/>
+  <p:clrMap bg1="lt1" tx1="dk1" bg2="dk2" tx2="lt2" accent1="accent1" accent2="accent2" accent3="accent3" accent4="accent4" accent5="accent5" accent6="accent6" hlink="hlink" folHlink="folHlink"/>
   <p:notesStyle>
-    <a:defPPr lvl="0" marR="0" rtl="0" algn="l">
+    <a:defPPr marR="0" lvl="0" algn="l" rtl="0">
       <a:lnSpc>
         <a:spcPct val="100000"/>
       </a:lnSpc>
@@ -489,7 +504,7 @@
         <a:spcPts val="0"/>
       </a:spcAft>
     </a:defPPr>
-    <a:lvl1pPr lvl="0" marR="0" rtl="0" algn="l">
+    <a:lvl1pPr marR="0" lvl="0" algn="l" rtl="0">
       <a:lnSpc>
         <a:spcPct val="100000"/>
       </a:lnSpc>
@@ -503,7 +518,7 @@
         <a:srgbClr val="000000"/>
       </a:buClr>
       <a:buFont typeface="Arial"/>
-      <a:defRPr b="0" i="0" sz="1400" u="none" cap="none" strike="noStrike">
+      <a:defRPr sz="1400" b="0" i="0" u="none" strike="noStrike" cap="none">
         <a:solidFill>
           <a:srgbClr val="000000"/>
         </a:solidFill>
@@ -513,7 +528,7 @@
         <a:sym typeface="Arial"/>
       </a:defRPr>
     </a:lvl1pPr>
-    <a:lvl2pPr lvl="1" marR="0" rtl="0" algn="l">
+    <a:lvl2pPr marR="0" lvl="1" algn="l" rtl="0">
       <a:lnSpc>
         <a:spcPct val="100000"/>
       </a:lnSpc>
@@ -527,7 +542,7 @@
         <a:srgbClr val="000000"/>
       </a:buClr>
       <a:buFont typeface="Arial"/>
-      <a:defRPr b="0" i="0" sz="1400" u="none" cap="none" strike="noStrike">
+      <a:defRPr sz="1400" b="0" i="0" u="none" strike="noStrike" cap="none">
         <a:solidFill>
           <a:srgbClr val="000000"/>
         </a:solidFill>
@@ -537,7 +552,7 @@
         <a:sym typeface="Arial"/>
       </a:defRPr>
     </a:lvl2pPr>
-    <a:lvl3pPr lvl="2" marR="0" rtl="0" algn="l">
+    <a:lvl3pPr marR="0" lvl="2" algn="l" rtl="0">
       <a:lnSpc>
         <a:spcPct val="100000"/>
       </a:lnSpc>
@@ -551,7 +566,7 @@
         <a:srgbClr val="000000"/>
       </a:buClr>
       <a:buFont typeface="Arial"/>
-      <a:defRPr b="0" i="0" sz="1400" u="none" cap="none" strike="noStrike">
+      <a:defRPr sz="1400" b="0" i="0" u="none" strike="noStrike" cap="none">
         <a:solidFill>
           <a:srgbClr val="000000"/>
         </a:solidFill>
@@ -561,7 +576,7 @@
         <a:sym typeface="Arial"/>
       </a:defRPr>
     </a:lvl3pPr>
-    <a:lvl4pPr lvl="3" marR="0" rtl="0" algn="l">
+    <a:lvl4pPr marR="0" lvl="3" algn="l" rtl="0">
       <a:lnSpc>
         <a:spcPct val="100000"/>
       </a:lnSpc>
@@ -575,7 +590,7 @@
         <a:srgbClr val="000000"/>
       </a:buClr>
       <a:buFont typeface="Arial"/>
-      <a:defRPr b="0" i="0" sz="1400" u="none" cap="none" strike="noStrike">
+      <a:defRPr sz="1400" b="0" i="0" u="none" strike="noStrike" cap="none">
         <a:solidFill>
           <a:srgbClr val="000000"/>
         </a:solidFill>
@@ -585,7 +600,7 @@
         <a:sym typeface="Arial"/>
       </a:defRPr>
     </a:lvl4pPr>
-    <a:lvl5pPr lvl="4" marR="0" rtl="0" algn="l">
+    <a:lvl5pPr marR="0" lvl="4" algn="l" rtl="0">
       <a:lnSpc>
         <a:spcPct val="100000"/>
       </a:lnSpc>
@@ -599,7 +614,7 @@
         <a:srgbClr val="000000"/>
       </a:buClr>
       <a:buFont typeface="Arial"/>
-      <a:defRPr b="0" i="0" sz="1400" u="none" cap="none" strike="noStrike">
+      <a:defRPr sz="1400" b="0" i="0" u="none" strike="noStrike" cap="none">
         <a:solidFill>
           <a:srgbClr val="000000"/>
         </a:solidFill>
@@ -609,7 +624,7 @@
         <a:sym typeface="Arial"/>
       </a:defRPr>
     </a:lvl5pPr>
-    <a:lvl6pPr lvl="5" marR="0" rtl="0" algn="l">
+    <a:lvl6pPr marR="0" lvl="5" algn="l" rtl="0">
       <a:lnSpc>
         <a:spcPct val="100000"/>
       </a:lnSpc>
@@ -623,7 +638,7 @@
         <a:srgbClr val="000000"/>
       </a:buClr>
       <a:buFont typeface="Arial"/>
-      <a:defRPr b="0" i="0" sz="1400" u="none" cap="none" strike="noStrike">
+      <a:defRPr sz="1400" b="0" i="0" u="none" strike="noStrike" cap="none">
         <a:solidFill>
           <a:srgbClr val="000000"/>
         </a:solidFill>
@@ -633,7 +648,7 @@
         <a:sym typeface="Arial"/>
       </a:defRPr>
     </a:lvl6pPr>
-    <a:lvl7pPr lvl="6" marR="0" rtl="0" algn="l">
+    <a:lvl7pPr marR="0" lvl="6" algn="l" rtl="0">
       <a:lnSpc>
         <a:spcPct val="100000"/>
       </a:lnSpc>
@@ -647,7 +662,7 @@
         <a:srgbClr val="000000"/>
       </a:buClr>
       <a:buFont typeface="Arial"/>
-      <a:defRPr b="0" i="0" sz="1400" u="none" cap="none" strike="noStrike">
+      <a:defRPr sz="1400" b="0" i="0" u="none" strike="noStrike" cap="none">
         <a:solidFill>
           <a:srgbClr val="000000"/>
         </a:solidFill>
@@ -657,7 +672,7 @@
         <a:sym typeface="Arial"/>
       </a:defRPr>
     </a:lvl7pPr>
-    <a:lvl8pPr lvl="7" marR="0" rtl="0" algn="l">
+    <a:lvl8pPr marR="0" lvl="7" algn="l" rtl="0">
       <a:lnSpc>
         <a:spcPct val="100000"/>
       </a:lnSpc>
@@ -671,7 +686,7 @@
         <a:srgbClr val="000000"/>
       </a:buClr>
       <a:buFont typeface="Arial"/>
-      <a:defRPr b="0" i="0" sz="1400" u="none" cap="none" strike="noStrike">
+      <a:defRPr sz="1400" b="0" i="0" u="none" strike="noStrike" cap="none">
         <a:solidFill>
           <a:srgbClr val="000000"/>
         </a:solidFill>
@@ -681,7 +696,7 @@
         <a:sym typeface="Arial"/>
       </a:defRPr>
     </a:lvl8pPr>
-    <a:lvl9pPr lvl="8" marR="0" rtl="0" algn="l">
+    <a:lvl9pPr marR="0" lvl="8" algn="l" rtl="0">
       <a:lnSpc>
         <a:spcPct val="100000"/>
       </a:lnSpc>
@@ -695,7 +710,7 @@
         <a:srgbClr val="000000"/>
       </a:buClr>
       <a:buFont typeface="Arial"/>
-      <a:defRPr b="0" i="0" sz="1400" u="none" cap="none" strike="noStrike">
+      <a:defRPr sz="1400" b="0" i="0" u="none" strike="noStrike" cap="none">
         <a:solidFill>
           <a:srgbClr val="000000"/>
         </a:solidFill>
@@ -710,11 +725,11 @@
 </file>
 
 <file path=ppt/notesSlides/notesSlide1.xml><?xml version="1.0" encoding="utf-8"?>
-<p:notes xmlns:a="http://schemas.openxmlformats.org/drawingml/2006/main" xmlns:r="http://schemas.openxmlformats.org/officeDocument/2006/relationships" xmlns:mc="http://schemas.openxmlformats.org/markup-compatibility/2006" xmlns:mv="urn:schemas-microsoft-com:mac:vml" xmlns:p="http://schemas.openxmlformats.org/presentationml/2006/main" xmlns:c="http://schemas.openxmlformats.org/drawingml/2006/chart" xmlns:dgm="http://schemas.openxmlformats.org/drawingml/2006/diagram" xmlns:o="urn:schemas-microsoft-com:office:office" xmlns:v="urn:schemas-microsoft-com:vml" xmlns:pvml="urn:schemas-microsoft-com:office:powerpoint" xmlns:com="http://schemas.openxmlformats.org/drawingml/2006/compatibility" xmlns:p14="http://schemas.microsoft.com/office/powerpoint/2010/main" xmlns:p15="http://schemas.microsoft.com/office/powerpoint/2012/main" xmlns:ahyp="http://schemas.microsoft.com/office/drawing/2018/hyperlinkcolor" showMasterPhAnim="0" showMasterSp="0">
+<p:notes xmlns:a="http://schemas.openxmlformats.org/drawingml/2006/main" xmlns:r="http://schemas.openxmlformats.org/officeDocument/2006/relationships" xmlns:p="http://schemas.openxmlformats.org/presentationml/2006/main" showMasterSp="0" showMasterPhAnim="0">
   <p:cSld>
     <p:spTree>
       <p:nvGrpSpPr>
-        <p:cNvPr id="50" name="Shape 50"/>
+        <p:cNvPr id="1" name="Shape 50"/>
         <p:cNvGrpSpPr/>
         <p:nvPr/>
       </p:nvGrpSpPr>
@@ -729,9 +744,11 @@
       <p:sp>
         <p:nvSpPr>
           <p:cNvPr id="51" name="Google Shape;51;p:notes"/>
-          <p:cNvSpPr/>
+          <p:cNvSpPr>
+            <a:spLocks noGrp="1" noRot="1" noChangeAspect="1"/>
+          </p:cNvSpPr>
           <p:nvPr>
-            <p:ph idx="2" type="sldImg"/>
+            <p:ph type="sldImg" idx="2"/>
           </p:nvPr>
         </p:nvSpPr>
         <p:spPr>
@@ -740,9 +757,13 @@
             <a:ext cx="6096075" cy="3429000"/>
           </a:xfrm>
           <a:custGeom>
-            <a:rect b="b" l="l" r="r" t="t"/>
+            <a:avLst/>
+            <a:gdLst/>
+            <a:ahLst/>
+            <a:cxnLst/>
+            <a:rect l="l" t="t" r="r" b="b"/>
             <a:pathLst>
-              <a:path extrusionOk="0" h="120000" w="120000">
+              <a:path w="120000" h="120000" extrusionOk="0">
                 <a:moveTo>
                   <a:pt x="0" y="0"/>
                 </a:moveTo>
@@ -764,9 +785,11 @@
       <p:sp>
         <p:nvSpPr>
           <p:cNvPr id="52" name="Google Shape;52;p:notes"/>
-          <p:cNvSpPr txBox="1"/>
+          <p:cNvSpPr txBox="1">
+            <a:spLocks noGrp="1"/>
+          </p:cNvSpPr>
           <p:nvPr>
-            <p:ph idx="1" type="body"/>
+            <p:ph type="body" idx="1"/>
           </p:nvPr>
         </p:nvSpPr>
         <p:spPr>
@@ -779,12 +802,12 @@
           </a:prstGeom>
         </p:spPr>
         <p:txBody>
-          <a:bodyPr anchorCtr="0" anchor="t" bIns="91425" lIns="91425" spcFirstLastPara="1" rIns="91425" wrap="square" tIns="91425">
+          <a:bodyPr spcFirstLastPara="1" wrap="square" lIns="91425" tIns="91425" rIns="91425" bIns="91425" anchor="t" anchorCtr="0">
             <a:noAutofit/>
           </a:bodyPr>
           <a:lstStyle/>
           <a:p>
-            <a:pPr indent="0" lvl="0" marL="0" rtl="0" algn="l">
+            <a:pPr marL="0" lvl="0" indent="0" algn="l" rtl="0">
               <a:spcBef>
                 <a:spcPts val="0"/>
               </a:spcBef>
@@ -793,9 +816,6 @@
               </a:spcAft>
               <a:buNone/>
             </a:pPr>
-            <a:r>
-              <a:t/>
-            </a:r>
             <a:endParaRPr/>
           </a:p>
         </p:txBody>
@@ -809,11 +829,11 @@
 </file>
 
 <file path=ppt/notesSlides/notesSlide10.xml><?xml version="1.0" encoding="utf-8"?>
-<p:notes xmlns:a="http://schemas.openxmlformats.org/drawingml/2006/main" xmlns:r="http://schemas.openxmlformats.org/officeDocument/2006/relationships" xmlns:mc="http://schemas.openxmlformats.org/markup-compatibility/2006" xmlns:mv="urn:schemas-microsoft-com:mac:vml" xmlns:p="http://schemas.openxmlformats.org/presentationml/2006/main" xmlns:c="http://schemas.openxmlformats.org/drawingml/2006/chart" xmlns:dgm="http://schemas.openxmlformats.org/drawingml/2006/diagram" xmlns:o="urn:schemas-microsoft-com:office:office" xmlns:v="urn:schemas-microsoft-com:vml" xmlns:pvml="urn:schemas-microsoft-com:office:powerpoint" xmlns:com="http://schemas.openxmlformats.org/drawingml/2006/compatibility" xmlns:p14="http://schemas.microsoft.com/office/powerpoint/2010/main" xmlns:p15="http://schemas.microsoft.com/office/powerpoint/2012/main" xmlns:ahyp="http://schemas.microsoft.com/office/drawing/2018/hyperlinkcolor" showMasterPhAnim="0" showMasterSp="0">
+<p:notes xmlns:a="http://schemas.openxmlformats.org/drawingml/2006/main" xmlns:r="http://schemas.openxmlformats.org/officeDocument/2006/relationships" xmlns:p="http://schemas.openxmlformats.org/presentationml/2006/main" showMasterSp="0" showMasterPhAnim="0">
   <p:cSld>
     <p:spTree>
       <p:nvGrpSpPr>
-        <p:cNvPr id="128" name="Shape 128"/>
+        <p:cNvPr id="1" name="Shape 128"/>
         <p:cNvGrpSpPr/>
         <p:nvPr/>
       </p:nvGrpSpPr>
@@ -828,9 +848,11 @@
       <p:sp>
         <p:nvSpPr>
           <p:cNvPr id="129" name="Google Shape;129;gf12c283abd_0_120:notes"/>
-          <p:cNvSpPr/>
+          <p:cNvSpPr>
+            <a:spLocks noGrp="1" noRot="1" noChangeAspect="1"/>
+          </p:cNvSpPr>
           <p:nvPr>
-            <p:ph idx="2" type="sldImg"/>
+            <p:ph type="sldImg" idx="2"/>
           </p:nvPr>
         </p:nvSpPr>
         <p:spPr>
@@ -839,9 +861,13 @@
             <a:ext cx="6096000" cy="3429000"/>
           </a:xfrm>
           <a:custGeom>
-            <a:rect b="b" l="l" r="r" t="t"/>
+            <a:avLst/>
+            <a:gdLst/>
+            <a:ahLst/>
+            <a:cxnLst/>
+            <a:rect l="l" t="t" r="r" b="b"/>
             <a:pathLst>
-              <a:path extrusionOk="0" h="120000" w="120000">
+              <a:path w="120000" h="120000" extrusionOk="0">
                 <a:moveTo>
                   <a:pt x="0" y="0"/>
                 </a:moveTo>
@@ -863,9 +889,11 @@
       <p:sp>
         <p:nvSpPr>
           <p:cNvPr id="130" name="Google Shape;130;gf12c283abd_0_120:notes"/>
-          <p:cNvSpPr txBox="1"/>
+          <p:cNvSpPr txBox="1">
+            <a:spLocks noGrp="1"/>
+          </p:cNvSpPr>
           <p:nvPr>
-            <p:ph idx="1" type="body"/>
+            <p:ph type="body" idx="1"/>
           </p:nvPr>
         </p:nvSpPr>
         <p:spPr>
@@ -878,12 +906,12 @@
           </a:prstGeom>
         </p:spPr>
         <p:txBody>
-          <a:bodyPr anchorCtr="0" anchor="t" bIns="91425" lIns="91425" spcFirstLastPara="1" rIns="91425" wrap="square" tIns="91425">
+          <a:bodyPr spcFirstLastPara="1" wrap="square" lIns="91425" tIns="91425" rIns="91425" bIns="91425" anchor="t" anchorCtr="0">
             <a:noAutofit/>
           </a:bodyPr>
           <a:lstStyle/>
           <a:p>
-            <a:pPr indent="0" lvl="0" marL="0" rtl="0" algn="l">
+            <a:pPr marL="0" lvl="0" indent="0" algn="l" rtl="0">
               <a:spcBef>
                 <a:spcPts val="0"/>
               </a:spcBef>
@@ -892,9 +920,6 @@
               </a:spcAft>
               <a:buNone/>
             </a:pPr>
-            <a:r>
-              <a:t/>
-            </a:r>
             <a:endParaRPr/>
           </a:p>
         </p:txBody>
@@ -908,11 +933,11 @@
 </file>
 
 <file path=ppt/notesSlides/notesSlide11.xml><?xml version="1.0" encoding="utf-8"?>
-<p:notes xmlns:a="http://schemas.openxmlformats.org/drawingml/2006/main" xmlns:r="http://schemas.openxmlformats.org/officeDocument/2006/relationships" xmlns:mc="http://schemas.openxmlformats.org/markup-compatibility/2006" xmlns:mv="urn:schemas-microsoft-com:mac:vml" xmlns:p="http://schemas.openxmlformats.org/presentationml/2006/main" xmlns:c="http://schemas.openxmlformats.org/drawingml/2006/chart" xmlns:dgm="http://schemas.openxmlformats.org/drawingml/2006/diagram" xmlns:o="urn:schemas-microsoft-com:office:office" xmlns:v="urn:schemas-microsoft-com:vml" xmlns:pvml="urn:schemas-microsoft-com:office:powerpoint" xmlns:com="http://schemas.openxmlformats.org/drawingml/2006/compatibility" xmlns:p14="http://schemas.microsoft.com/office/powerpoint/2010/main" xmlns:p15="http://schemas.microsoft.com/office/powerpoint/2012/main" xmlns:ahyp="http://schemas.microsoft.com/office/drawing/2018/hyperlinkcolor" showMasterPhAnim="0" showMasterSp="0">
+<p:notes xmlns:a="http://schemas.openxmlformats.org/drawingml/2006/main" xmlns:r="http://schemas.openxmlformats.org/officeDocument/2006/relationships" xmlns:p="http://schemas.openxmlformats.org/presentationml/2006/main" showMasterSp="0" showMasterPhAnim="0">
   <p:cSld>
     <p:spTree>
       <p:nvGrpSpPr>
-        <p:cNvPr id="136" name="Shape 136"/>
+        <p:cNvPr id="1" name="Shape 136"/>
         <p:cNvGrpSpPr/>
         <p:nvPr/>
       </p:nvGrpSpPr>
@@ -927,9 +952,11 @@
       <p:sp>
         <p:nvSpPr>
           <p:cNvPr id="137" name="Google Shape;137;gf12c283abd_0_130:notes"/>
-          <p:cNvSpPr/>
+          <p:cNvSpPr>
+            <a:spLocks noGrp="1" noRot="1" noChangeAspect="1"/>
+          </p:cNvSpPr>
           <p:nvPr>
-            <p:ph idx="2" type="sldImg"/>
+            <p:ph type="sldImg" idx="2"/>
           </p:nvPr>
         </p:nvSpPr>
         <p:spPr>
@@ -938,9 +965,13 @@
             <a:ext cx="6096000" cy="3429000"/>
           </a:xfrm>
           <a:custGeom>
-            <a:rect b="b" l="l" r="r" t="t"/>
+            <a:avLst/>
+            <a:gdLst/>
+            <a:ahLst/>
+            <a:cxnLst/>
+            <a:rect l="l" t="t" r="r" b="b"/>
             <a:pathLst>
-              <a:path extrusionOk="0" h="120000" w="120000">
+              <a:path w="120000" h="120000" extrusionOk="0">
                 <a:moveTo>
                   <a:pt x="0" y="0"/>
                 </a:moveTo>
@@ -962,9 +993,11 @@
       <p:sp>
         <p:nvSpPr>
           <p:cNvPr id="138" name="Google Shape;138;gf12c283abd_0_130:notes"/>
-          <p:cNvSpPr txBox="1"/>
+          <p:cNvSpPr txBox="1">
+            <a:spLocks noGrp="1"/>
+          </p:cNvSpPr>
           <p:nvPr>
-            <p:ph idx="1" type="body"/>
+            <p:ph type="body" idx="1"/>
           </p:nvPr>
         </p:nvSpPr>
         <p:spPr>
@@ -977,12 +1010,12 @@
           </a:prstGeom>
         </p:spPr>
         <p:txBody>
-          <a:bodyPr anchorCtr="0" anchor="t" bIns="91425" lIns="91425" spcFirstLastPara="1" rIns="91425" wrap="square" tIns="91425">
+          <a:bodyPr spcFirstLastPara="1" wrap="square" lIns="91425" tIns="91425" rIns="91425" bIns="91425" anchor="t" anchorCtr="0">
             <a:noAutofit/>
           </a:bodyPr>
           <a:lstStyle/>
           <a:p>
-            <a:pPr indent="0" lvl="0" marL="0" rtl="0" algn="l">
+            <a:pPr marL="0" lvl="0" indent="0" algn="l" rtl="0">
               <a:spcBef>
                 <a:spcPts val="0"/>
               </a:spcBef>
@@ -991,9 +1024,6 @@
               </a:spcAft>
               <a:buNone/>
             </a:pPr>
-            <a:r>
-              <a:t/>
-            </a:r>
             <a:endParaRPr/>
           </a:p>
         </p:txBody>
@@ -1007,11 +1037,11 @@
 </file>
 
 <file path=ppt/notesSlides/notesSlide12.xml><?xml version="1.0" encoding="utf-8"?>
-<p:notes xmlns:a="http://schemas.openxmlformats.org/drawingml/2006/main" xmlns:r="http://schemas.openxmlformats.org/officeDocument/2006/relationships" xmlns:mc="http://schemas.openxmlformats.org/markup-compatibility/2006" xmlns:mv="urn:schemas-microsoft-com:mac:vml" xmlns:p="http://schemas.openxmlformats.org/presentationml/2006/main" xmlns:c="http://schemas.openxmlformats.org/drawingml/2006/chart" xmlns:dgm="http://schemas.openxmlformats.org/drawingml/2006/diagram" xmlns:o="urn:schemas-microsoft-com:office:office" xmlns:v="urn:schemas-microsoft-com:vml" xmlns:pvml="urn:schemas-microsoft-com:office:powerpoint" xmlns:com="http://schemas.openxmlformats.org/drawingml/2006/compatibility" xmlns:p14="http://schemas.microsoft.com/office/powerpoint/2010/main" xmlns:p15="http://schemas.microsoft.com/office/powerpoint/2012/main" xmlns:ahyp="http://schemas.microsoft.com/office/drawing/2018/hyperlinkcolor" showMasterPhAnim="0" showMasterSp="0">
+<p:notes xmlns:a="http://schemas.openxmlformats.org/drawingml/2006/main" xmlns:r="http://schemas.openxmlformats.org/officeDocument/2006/relationships" xmlns:p="http://schemas.openxmlformats.org/presentationml/2006/main" showMasterSp="0" showMasterPhAnim="0">
   <p:cSld>
     <p:spTree>
       <p:nvGrpSpPr>
-        <p:cNvPr id="145" name="Shape 145"/>
+        <p:cNvPr id="1" name="Shape 145"/>
         <p:cNvGrpSpPr/>
         <p:nvPr/>
       </p:nvGrpSpPr>
@@ -1026,9 +1056,11 @@
       <p:sp>
         <p:nvSpPr>
           <p:cNvPr id="146" name="Google Shape;146;gf12c283abd_0_75:notes"/>
-          <p:cNvSpPr/>
+          <p:cNvSpPr>
+            <a:spLocks noGrp="1" noRot="1" noChangeAspect="1"/>
+          </p:cNvSpPr>
           <p:nvPr>
-            <p:ph idx="2" type="sldImg"/>
+            <p:ph type="sldImg" idx="2"/>
           </p:nvPr>
         </p:nvSpPr>
         <p:spPr>
@@ -1037,9 +1069,13 @@
             <a:ext cx="6096000" cy="3429000"/>
           </a:xfrm>
           <a:custGeom>
-            <a:rect b="b" l="l" r="r" t="t"/>
+            <a:avLst/>
+            <a:gdLst/>
+            <a:ahLst/>
+            <a:cxnLst/>
+            <a:rect l="l" t="t" r="r" b="b"/>
             <a:pathLst>
-              <a:path extrusionOk="0" h="120000" w="120000">
+              <a:path w="120000" h="120000" extrusionOk="0">
                 <a:moveTo>
                   <a:pt x="0" y="0"/>
                 </a:moveTo>
@@ -1061,9 +1097,11 @@
       <p:sp>
         <p:nvSpPr>
           <p:cNvPr id="147" name="Google Shape;147;gf12c283abd_0_75:notes"/>
-          <p:cNvSpPr txBox="1"/>
+          <p:cNvSpPr txBox="1">
+            <a:spLocks noGrp="1"/>
+          </p:cNvSpPr>
           <p:nvPr>
-            <p:ph idx="1" type="body"/>
+            <p:ph type="body" idx="1"/>
           </p:nvPr>
         </p:nvSpPr>
         <p:spPr>
@@ -1076,12 +1114,12 @@
           </a:prstGeom>
         </p:spPr>
         <p:txBody>
-          <a:bodyPr anchorCtr="0" anchor="t" bIns="91425" lIns="91425" spcFirstLastPara="1" rIns="91425" wrap="square" tIns="91425">
+          <a:bodyPr spcFirstLastPara="1" wrap="square" lIns="91425" tIns="91425" rIns="91425" bIns="91425" anchor="t" anchorCtr="0">
             <a:noAutofit/>
           </a:bodyPr>
           <a:lstStyle/>
           <a:p>
-            <a:pPr indent="0" lvl="0" marL="0" rtl="0" algn="l">
+            <a:pPr marL="0" lvl="0" indent="0" algn="l" rtl="0">
               <a:spcBef>
                 <a:spcPts val="0"/>
               </a:spcBef>
@@ -1090,9 +1128,6 @@
               </a:spcAft>
               <a:buNone/>
             </a:pPr>
-            <a:r>
-              <a:t/>
-            </a:r>
             <a:endParaRPr/>
           </a:p>
         </p:txBody>
@@ -1106,11 +1141,11 @@
 </file>
 
 <file path=ppt/notesSlides/notesSlide13.xml><?xml version="1.0" encoding="utf-8"?>
-<p:notes xmlns:a="http://schemas.openxmlformats.org/drawingml/2006/main" xmlns:r="http://schemas.openxmlformats.org/officeDocument/2006/relationships" xmlns:mc="http://schemas.openxmlformats.org/markup-compatibility/2006" xmlns:mv="urn:schemas-microsoft-com:mac:vml" xmlns:p="http://schemas.openxmlformats.org/presentationml/2006/main" xmlns:c="http://schemas.openxmlformats.org/drawingml/2006/chart" xmlns:dgm="http://schemas.openxmlformats.org/drawingml/2006/diagram" xmlns:o="urn:schemas-microsoft-com:office:office" xmlns:v="urn:schemas-microsoft-com:vml" xmlns:pvml="urn:schemas-microsoft-com:office:powerpoint" xmlns:com="http://schemas.openxmlformats.org/drawingml/2006/compatibility" xmlns:p14="http://schemas.microsoft.com/office/powerpoint/2010/main" xmlns:p15="http://schemas.microsoft.com/office/powerpoint/2012/main" xmlns:ahyp="http://schemas.microsoft.com/office/drawing/2018/hyperlinkcolor" showMasterPhAnim="0" showMasterSp="0">
+<p:notes xmlns:a="http://schemas.openxmlformats.org/drawingml/2006/main" xmlns:r="http://schemas.openxmlformats.org/officeDocument/2006/relationships" xmlns:p="http://schemas.openxmlformats.org/presentationml/2006/main" showMasterSp="0" showMasterPhAnim="0">
   <p:cSld>
     <p:spTree>
       <p:nvGrpSpPr>
-        <p:cNvPr id="153" name="Shape 153"/>
+        <p:cNvPr id="1" name="Shape 153"/>
         <p:cNvGrpSpPr/>
         <p:nvPr/>
       </p:nvGrpSpPr>
@@ -1125,20 +1160,26 @@
       <p:sp>
         <p:nvSpPr>
           <p:cNvPr id="154" name="Google Shape;154;gf12c283abd_0_82:notes"/>
-          <p:cNvSpPr/>
+          <p:cNvSpPr>
+            <a:spLocks noGrp="1" noRot="1" noChangeAspect="1"/>
+          </p:cNvSpPr>
           <p:nvPr>
-            <p:ph idx="2" type="sldImg"/>
+            <p:ph type="sldImg" idx="2"/>
           </p:nvPr>
         </p:nvSpPr>
         <p:spPr>
           <a:xfrm>
-            <a:off x="381300" y="685800"/>
+            <a:off x="381000" y="685800"/>
             <a:ext cx="6096000" cy="3429000"/>
           </a:xfrm>
           <a:custGeom>
-            <a:rect b="b" l="l" r="r" t="t"/>
+            <a:avLst/>
+            <a:gdLst/>
+            <a:ahLst/>
+            <a:cxnLst/>
+            <a:rect l="l" t="t" r="r" b="b"/>
             <a:pathLst>
-              <a:path extrusionOk="0" h="120000" w="120000">
+              <a:path w="120000" h="120000" extrusionOk="0">
                 <a:moveTo>
                   <a:pt x="0" y="0"/>
                 </a:moveTo>
@@ -1160,9 +1201,11 @@
       <p:sp>
         <p:nvSpPr>
           <p:cNvPr id="155" name="Google Shape;155;gf12c283abd_0_82:notes"/>
-          <p:cNvSpPr txBox="1"/>
+          <p:cNvSpPr txBox="1">
+            <a:spLocks noGrp="1"/>
+          </p:cNvSpPr>
           <p:nvPr>
-            <p:ph idx="1" type="body"/>
+            <p:ph type="body" idx="1"/>
           </p:nvPr>
         </p:nvSpPr>
         <p:spPr>
@@ -1175,12 +1218,12 @@
           </a:prstGeom>
         </p:spPr>
         <p:txBody>
-          <a:bodyPr anchorCtr="0" anchor="t" bIns="91425" lIns="91425" spcFirstLastPara="1" rIns="91425" wrap="square" tIns="91425">
+          <a:bodyPr spcFirstLastPara="1" wrap="square" lIns="91425" tIns="91425" rIns="91425" bIns="91425" anchor="t" anchorCtr="0">
             <a:noAutofit/>
           </a:bodyPr>
           <a:lstStyle/>
           <a:p>
-            <a:pPr indent="0" lvl="0" marL="0" rtl="0" algn="l">
+            <a:pPr marL="0" lvl="0" indent="0" algn="l" rtl="0">
               <a:spcBef>
                 <a:spcPts val="0"/>
               </a:spcBef>
@@ -1189,9 +1232,6 @@
               </a:spcAft>
               <a:buNone/>
             </a:pPr>
-            <a:r>
-              <a:t/>
-            </a:r>
             <a:endParaRPr/>
           </a:p>
         </p:txBody>
@@ -1205,11 +1245,11 @@
 </file>
 
 <file path=ppt/notesSlides/notesSlide14.xml><?xml version="1.0" encoding="utf-8"?>
-<p:notes xmlns:a="http://schemas.openxmlformats.org/drawingml/2006/main" xmlns:r="http://schemas.openxmlformats.org/officeDocument/2006/relationships" xmlns:mc="http://schemas.openxmlformats.org/markup-compatibility/2006" xmlns:mv="urn:schemas-microsoft-com:mac:vml" xmlns:p="http://schemas.openxmlformats.org/presentationml/2006/main" xmlns:c="http://schemas.openxmlformats.org/drawingml/2006/chart" xmlns:dgm="http://schemas.openxmlformats.org/drawingml/2006/diagram" xmlns:o="urn:schemas-microsoft-com:office:office" xmlns:v="urn:schemas-microsoft-com:vml" xmlns:pvml="urn:schemas-microsoft-com:office:powerpoint" xmlns:com="http://schemas.openxmlformats.org/drawingml/2006/compatibility" xmlns:p14="http://schemas.microsoft.com/office/powerpoint/2010/main" xmlns:p15="http://schemas.microsoft.com/office/powerpoint/2012/main" xmlns:ahyp="http://schemas.microsoft.com/office/drawing/2018/hyperlinkcolor" showMasterPhAnim="0" showMasterSp="0">
+<p:notes xmlns:a="http://schemas.openxmlformats.org/drawingml/2006/main" xmlns:r="http://schemas.openxmlformats.org/officeDocument/2006/relationships" xmlns:p="http://schemas.openxmlformats.org/presentationml/2006/main" showMasterSp="0" showMasterPhAnim="0">
   <p:cSld>
     <p:spTree>
       <p:nvGrpSpPr>
-        <p:cNvPr id="161" name="Shape 161"/>
+        <p:cNvPr id="1" name="Shape 161"/>
         <p:cNvGrpSpPr/>
         <p:nvPr/>
       </p:nvGrpSpPr>
@@ -1224,9 +1264,11 @@
       <p:sp>
         <p:nvSpPr>
           <p:cNvPr id="162" name="Google Shape;162;gf12c283abd_0_89:notes"/>
-          <p:cNvSpPr/>
+          <p:cNvSpPr>
+            <a:spLocks noGrp="1" noRot="1" noChangeAspect="1"/>
+          </p:cNvSpPr>
           <p:nvPr>
-            <p:ph idx="2" type="sldImg"/>
+            <p:ph type="sldImg" idx="2"/>
           </p:nvPr>
         </p:nvSpPr>
         <p:spPr>
@@ -1235,9 +1277,13 @@
             <a:ext cx="6096000" cy="3429000"/>
           </a:xfrm>
           <a:custGeom>
-            <a:rect b="b" l="l" r="r" t="t"/>
+            <a:avLst/>
+            <a:gdLst/>
+            <a:ahLst/>
+            <a:cxnLst/>
+            <a:rect l="l" t="t" r="r" b="b"/>
             <a:pathLst>
-              <a:path extrusionOk="0" h="120000" w="120000">
+              <a:path w="120000" h="120000" extrusionOk="0">
                 <a:moveTo>
                   <a:pt x="0" y="0"/>
                 </a:moveTo>
@@ -1259,9 +1305,11 @@
       <p:sp>
         <p:nvSpPr>
           <p:cNvPr id="163" name="Google Shape;163;gf12c283abd_0_89:notes"/>
-          <p:cNvSpPr txBox="1"/>
+          <p:cNvSpPr txBox="1">
+            <a:spLocks noGrp="1"/>
+          </p:cNvSpPr>
           <p:nvPr>
-            <p:ph idx="1" type="body"/>
+            <p:ph type="body" idx="1"/>
           </p:nvPr>
         </p:nvSpPr>
         <p:spPr>
@@ -1274,12 +1322,12 @@
           </a:prstGeom>
         </p:spPr>
         <p:txBody>
-          <a:bodyPr anchorCtr="0" anchor="t" bIns="91425" lIns="91425" spcFirstLastPara="1" rIns="91425" wrap="square" tIns="91425">
+          <a:bodyPr spcFirstLastPara="1" wrap="square" lIns="91425" tIns="91425" rIns="91425" bIns="91425" anchor="t" anchorCtr="0">
             <a:noAutofit/>
           </a:bodyPr>
           <a:lstStyle/>
           <a:p>
-            <a:pPr indent="0" lvl="0" marL="0" rtl="0" algn="l">
+            <a:pPr marL="0" lvl="0" indent="0" algn="l" rtl="0">
               <a:spcBef>
                 <a:spcPts val="0"/>
               </a:spcBef>
@@ -1288,9 +1336,6 @@
               </a:spcAft>
               <a:buNone/>
             </a:pPr>
-            <a:r>
-              <a:t/>
-            </a:r>
             <a:endParaRPr/>
           </a:p>
         </p:txBody>
@@ -1304,11 +1349,11 @@
 </file>
 
 <file path=ppt/notesSlides/notesSlide15.xml><?xml version="1.0" encoding="utf-8"?>
-<p:notes xmlns:a="http://schemas.openxmlformats.org/drawingml/2006/main" xmlns:r="http://schemas.openxmlformats.org/officeDocument/2006/relationships" xmlns:mc="http://schemas.openxmlformats.org/markup-compatibility/2006" xmlns:mv="urn:schemas-microsoft-com:mac:vml" xmlns:p="http://schemas.openxmlformats.org/presentationml/2006/main" xmlns:c="http://schemas.openxmlformats.org/drawingml/2006/chart" xmlns:dgm="http://schemas.openxmlformats.org/drawingml/2006/diagram" xmlns:o="urn:schemas-microsoft-com:office:office" xmlns:v="urn:schemas-microsoft-com:vml" xmlns:pvml="urn:schemas-microsoft-com:office:powerpoint" xmlns:com="http://schemas.openxmlformats.org/drawingml/2006/compatibility" xmlns:p14="http://schemas.microsoft.com/office/powerpoint/2010/main" xmlns:p15="http://schemas.microsoft.com/office/powerpoint/2012/main" xmlns:ahyp="http://schemas.microsoft.com/office/drawing/2018/hyperlinkcolor" showMasterPhAnim="0" showMasterSp="0">
+<p:notes xmlns:a="http://schemas.openxmlformats.org/drawingml/2006/main" xmlns:r="http://schemas.openxmlformats.org/officeDocument/2006/relationships" xmlns:p="http://schemas.openxmlformats.org/presentationml/2006/main" showMasterSp="0" showMasterPhAnim="0">
   <p:cSld>
     <p:spTree>
       <p:nvGrpSpPr>
-        <p:cNvPr id="168" name="Shape 168"/>
+        <p:cNvPr id="1" name="Shape 168"/>
         <p:cNvGrpSpPr/>
         <p:nvPr/>
       </p:nvGrpSpPr>
@@ -1323,9 +1368,11 @@
       <p:sp>
         <p:nvSpPr>
           <p:cNvPr id="169" name="Google Shape;169;gf12c283abd_0_96:notes"/>
-          <p:cNvSpPr/>
+          <p:cNvSpPr>
+            <a:spLocks noGrp="1" noRot="1" noChangeAspect="1"/>
+          </p:cNvSpPr>
           <p:nvPr>
-            <p:ph idx="2" type="sldImg"/>
+            <p:ph type="sldImg" idx="2"/>
           </p:nvPr>
         </p:nvSpPr>
         <p:spPr>
@@ -1334,9 +1381,13 @@
             <a:ext cx="6096000" cy="3429000"/>
           </a:xfrm>
           <a:custGeom>
-            <a:rect b="b" l="l" r="r" t="t"/>
+            <a:avLst/>
+            <a:gdLst/>
+            <a:ahLst/>
+            <a:cxnLst/>
+            <a:rect l="l" t="t" r="r" b="b"/>
             <a:pathLst>
-              <a:path extrusionOk="0" h="120000" w="120000">
+              <a:path w="120000" h="120000" extrusionOk="0">
                 <a:moveTo>
                   <a:pt x="0" y="0"/>
                 </a:moveTo>
@@ -1358,9 +1409,11 @@
       <p:sp>
         <p:nvSpPr>
           <p:cNvPr id="170" name="Google Shape;170;gf12c283abd_0_96:notes"/>
-          <p:cNvSpPr txBox="1"/>
+          <p:cNvSpPr txBox="1">
+            <a:spLocks noGrp="1"/>
+          </p:cNvSpPr>
           <p:nvPr>
-            <p:ph idx="1" type="body"/>
+            <p:ph type="body" idx="1"/>
           </p:nvPr>
         </p:nvSpPr>
         <p:spPr>
@@ -1373,12 +1426,12 @@
           </a:prstGeom>
         </p:spPr>
         <p:txBody>
-          <a:bodyPr anchorCtr="0" anchor="t" bIns="91425" lIns="91425" spcFirstLastPara="1" rIns="91425" wrap="square" tIns="91425">
+          <a:bodyPr spcFirstLastPara="1" wrap="square" lIns="91425" tIns="91425" rIns="91425" bIns="91425" anchor="t" anchorCtr="0">
             <a:noAutofit/>
           </a:bodyPr>
           <a:lstStyle/>
           <a:p>
-            <a:pPr indent="0" lvl="0" marL="0" rtl="0" algn="l">
+            <a:pPr marL="0" lvl="0" indent="0" algn="l" rtl="0">
               <a:spcBef>
                 <a:spcPts val="0"/>
               </a:spcBef>
@@ -1387,9 +1440,6 @@
               </a:spcAft>
               <a:buNone/>
             </a:pPr>
-            <a:r>
-              <a:t/>
-            </a:r>
             <a:endParaRPr/>
           </a:p>
         </p:txBody>
@@ -1403,11 +1453,11 @@
 </file>
 
 <file path=ppt/notesSlides/notesSlide2.xml><?xml version="1.0" encoding="utf-8"?>
-<p:notes xmlns:a="http://schemas.openxmlformats.org/drawingml/2006/main" xmlns:r="http://schemas.openxmlformats.org/officeDocument/2006/relationships" xmlns:mc="http://schemas.openxmlformats.org/markup-compatibility/2006" xmlns:mv="urn:schemas-microsoft-com:mac:vml" xmlns:p="http://schemas.openxmlformats.org/presentationml/2006/main" xmlns:c="http://schemas.openxmlformats.org/drawingml/2006/chart" xmlns:dgm="http://schemas.openxmlformats.org/drawingml/2006/diagram" xmlns:o="urn:schemas-microsoft-com:office:office" xmlns:v="urn:schemas-microsoft-com:vml" xmlns:pvml="urn:schemas-microsoft-com:office:powerpoint" xmlns:com="http://schemas.openxmlformats.org/drawingml/2006/compatibility" xmlns:p14="http://schemas.microsoft.com/office/powerpoint/2010/main" xmlns:p15="http://schemas.microsoft.com/office/powerpoint/2012/main" xmlns:ahyp="http://schemas.microsoft.com/office/drawing/2018/hyperlinkcolor" showMasterPhAnim="0" showMasterSp="0">
+<p:notes xmlns:a="http://schemas.openxmlformats.org/drawingml/2006/main" xmlns:r="http://schemas.openxmlformats.org/officeDocument/2006/relationships" xmlns:p="http://schemas.openxmlformats.org/presentationml/2006/main" showMasterSp="0" showMasterPhAnim="0">
   <p:cSld>
     <p:spTree>
       <p:nvGrpSpPr>
-        <p:cNvPr id="61" name="Shape 61"/>
+        <p:cNvPr id="1" name="Shape 61"/>
         <p:cNvGrpSpPr/>
         <p:nvPr/>
       </p:nvGrpSpPr>
@@ -1422,9 +1472,11 @@
       <p:sp>
         <p:nvSpPr>
           <p:cNvPr id="62" name="Google Shape;62;gf12c283abd_0_7:notes"/>
-          <p:cNvSpPr/>
+          <p:cNvSpPr>
+            <a:spLocks noGrp="1" noRot="1" noChangeAspect="1"/>
+          </p:cNvSpPr>
           <p:nvPr>
-            <p:ph idx="2" type="sldImg"/>
+            <p:ph type="sldImg" idx="2"/>
           </p:nvPr>
         </p:nvSpPr>
         <p:spPr>
@@ -1433,9 +1485,13 @@
             <a:ext cx="6096000" cy="3429000"/>
           </a:xfrm>
           <a:custGeom>
-            <a:rect b="b" l="l" r="r" t="t"/>
+            <a:avLst/>
+            <a:gdLst/>
+            <a:ahLst/>
+            <a:cxnLst/>
+            <a:rect l="l" t="t" r="r" b="b"/>
             <a:pathLst>
-              <a:path extrusionOk="0" h="120000" w="120000">
+              <a:path w="120000" h="120000" extrusionOk="0">
                 <a:moveTo>
                   <a:pt x="0" y="0"/>
                 </a:moveTo>
@@ -1457,9 +1513,11 @@
       <p:sp>
         <p:nvSpPr>
           <p:cNvPr id="63" name="Google Shape;63;gf12c283abd_0_7:notes"/>
-          <p:cNvSpPr txBox="1"/>
+          <p:cNvSpPr txBox="1">
+            <a:spLocks noGrp="1"/>
+          </p:cNvSpPr>
           <p:nvPr>
-            <p:ph idx="1" type="body"/>
+            <p:ph type="body" idx="1"/>
           </p:nvPr>
         </p:nvSpPr>
         <p:spPr>
@@ -1472,12 +1530,12 @@
           </a:prstGeom>
         </p:spPr>
         <p:txBody>
-          <a:bodyPr anchorCtr="0" anchor="t" bIns="91425" lIns="91425" spcFirstLastPara="1" rIns="91425" wrap="square" tIns="91425">
+          <a:bodyPr spcFirstLastPara="1" wrap="square" lIns="91425" tIns="91425" rIns="91425" bIns="91425" anchor="t" anchorCtr="0">
             <a:noAutofit/>
           </a:bodyPr>
           <a:lstStyle/>
           <a:p>
-            <a:pPr indent="0" lvl="0" marL="0" rtl="0" algn="l">
+            <a:pPr marL="0" lvl="0" indent="0" algn="l" rtl="0">
               <a:spcBef>
                 <a:spcPts val="0"/>
               </a:spcBef>
@@ -1486,9 +1544,6 @@
               </a:spcAft>
               <a:buNone/>
             </a:pPr>
-            <a:r>
-              <a:t/>
-            </a:r>
             <a:endParaRPr/>
           </a:p>
         </p:txBody>
@@ -1502,11 +1557,11 @@
 </file>
 
 <file path=ppt/notesSlides/notesSlide3.xml><?xml version="1.0" encoding="utf-8"?>
-<p:notes xmlns:a="http://schemas.openxmlformats.org/drawingml/2006/main" xmlns:r="http://schemas.openxmlformats.org/officeDocument/2006/relationships" xmlns:mc="http://schemas.openxmlformats.org/markup-compatibility/2006" xmlns:mv="urn:schemas-microsoft-com:mac:vml" xmlns:p="http://schemas.openxmlformats.org/presentationml/2006/main" xmlns:c="http://schemas.openxmlformats.org/drawingml/2006/chart" xmlns:dgm="http://schemas.openxmlformats.org/drawingml/2006/diagram" xmlns:o="urn:schemas-microsoft-com:office:office" xmlns:v="urn:schemas-microsoft-com:vml" xmlns:pvml="urn:schemas-microsoft-com:office:powerpoint" xmlns:com="http://schemas.openxmlformats.org/drawingml/2006/compatibility" xmlns:p14="http://schemas.microsoft.com/office/powerpoint/2010/main" xmlns:p15="http://schemas.microsoft.com/office/powerpoint/2012/main" xmlns:ahyp="http://schemas.microsoft.com/office/drawing/2018/hyperlinkcolor" showMasterPhAnim="0" showMasterSp="0">
+<p:notes xmlns:a="http://schemas.openxmlformats.org/drawingml/2006/main" xmlns:r="http://schemas.openxmlformats.org/officeDocument/2006/relationships" xmlns:p="http://schemas.openxmlformats.org/presentationml/2006/main" showMasterSp="0" showMasterPhAnim="0">
   <p:cSld>
     <p:spTree>
       <p:nvGrpSpPr>
-        <p:cNvPr id="70" name="Shape 70"/>
+        <p:cNvPr id="1" name="Shape 70"/>
         <p:cNvGrpSpPr/>
         <p:nvPr/>
       </p:nvGrpSpPr>
@@ -1521,9 +1576,11 @@
       <p:sp>
         <p:nvSpPr>
           <p:cNvPr id="71" name="Google Shape;71;gf12c283abd_0_19:notes"/>
-          <p:cNvSpPr/>
+          <p:cNvSpPr>
+            <a:spLocks noGrp="1" noRot="1" noChangeAspect="1"/>
+          </p:cNvSpPr>
           <p:nvPr>
-            <p:ph idx="2" type="sldImg"/>
+            <p:ph type="sldImg" idx="2"/>
           </p:nvPr>
         </p:nvSpPr>
         <p:spPr>
@@ -1532,9 +1589,13 @@
             <a:ext cx="6096000" cy="3429000"/>
           </a:xfrm>
           <a:custGeom>
-            <a:rect b="b" l="l" r="r" t="t"/>
+            <a:avLst/>
+            <a:gdLst/>
+            <a:ahLst/>
+            <a:cxnLst/>
+            <a:rect l="l" t="t" r="r" b="b"/>
             <a:pathLst>
-              <a:path extrusionOk="0" h="120000" w="120000">
+              <a:path w="120000" h="120000" extrusionOk="0">
                 <a:moveTo>
                   <a:pt x="0" y="0"/>
                 </a:moveTo>
@@ -1556,9 +1617,11 @@
       <p:sp>
         <p:nvSpPr>
           <p:cNvPr id="72" name="Google Shape;72;gf12c283abd_0_19:notes"/>
-          <p:cNvSpPr txBox="1"/>
+          <p:cNvSpPr txBox="1">
+            <a:spLocks noGrp="1"/>
+          </p:cNvSpPr>
           <p:nvPr>
-            <p:ph idx="1" type="body"/>
+            <p:ph type="body" idx="1"/>
           </p:nvPr>
         </p:nvSpPr>
         <p:spPr>
@@ -1571,12 +1634,12 @@
           </a:prstGeom>
         </p:spPr>
         <p:txBody>
-          <a:bodyPr anchorCtr="0" anchor="t" bIns="91425" lIns="91425" spcFirstLastPara="1" rIns="91425" wrap="square" tIns="91425">
+          <a:bodyPr spcFirstLastPara="1" wrap="square" lIns="91425" tIns="91425" rIns="91425" bIns="91425" anchor="t" anchorCtr="0">
             <a:noAutofit/>
           </a:bodyPr>
           <a:lstStyle/>
           <a:p>
-            <a:pPr indent="0" lvl="0" marL="0" rtl="0" algn="l">
+            <a:pPr marL="0" lvl="0" indent="0" algn="l" rtl="0">
               <a:spcBef>
                 <a:spcPts val="0"/>
               </a:spcBef>
@@ -1585,9 +1648,6 @@
               </a:spcAft>
               <a:buNone/>
             </a:pPr>
-            <a:r>
-              <a:t/>
-            </a:r>
             <a:endParaRPr/>
           </a:p>
         </p:txBody>
@@ -1601,11 +1661,11 @@
 </file>
 
 <file path=ppt/notesSlides/notesSlide4.xml><?xml version="1.0" encoding="utf-8"?>
-<p:notes xmlns:a="http://schemas.openxmlformats.org/drawingml/2006/main" xmlns:r="http://schemas.openxmlformats.org/officeDocument/2006/relationships" xmlns:mc="http://schemas.openxmlformats.org/markup-compatibility/2006" xmlns:mv="urn:schemas-microsoft-com:mac:vml" xmlns:p="http://schemas.openxmlformats.org/presentationml/2006/main" xmlns:c="http://schemas.openxmlformats.org/drawingml/2006/chart" xmlns:dgm="http://schemas.openxmlformats.org/drawingml/2006/diagram" xmlns:o="urn:schemas-microsoft-com:office:office" xmlns:v="urn:schemas-microsoft-com:vml" xmlns:pvml="urn:schemas-microsoft-com:office:powerpoint" xmlns:com="http://schemas.openxmlformats.org/drawingml/2006/compatibility" xmlns:p14="http://schemas.microsoft.com/office/powerpoint/2010/main" xmlns:p15="http://schemas.microsoft.com/office/powerpoint/2012/main" xmlns:ahyp="http://schemas.microsoft.com/office/drawing/2018/hyperlinkcolor" showMasterPhAnim="0" showMasterSp="0">
+<p:notes xmlns:a="http://schemas.openxmlformats.org/drawingml/2006/main" xmlns:r="http://schemas.openxmlformats.org/officeDocument/2006/relationships" xmlns:p="http://schemas.openxmlformats.org/presentationml/2006/main" showMasterSp="0" showMasterPhAnim="0">
   <p:cSld>
     <p:spTree>
       <p:nvGrpSpPr>
-        <p:cNvPr id="79" name="Shape 79"/>
+        <p:cNvPr id="1" name="Shape 79"/>
         <p:cNvGrpSpPr/>
         <p:nvPr/>
       </p:nvGrpSpPr>
@@ -1620,20 +1680,26 @@
       <p:sp>
         <p:nvSpPr>
           <p:cNvPr id="80" name="Google Shape;80;gf12c283abd_0_43:notes"/>
-          <p:cNvSpPr/>
+          <p:cNvSpPr>
+            <a:spLocks noGrp="1" noRot="1" noChangeAspect="1"/>
+          </p:cNvSpPr>
           <p:nvPr>
-            <p:ph idx="2" type="sldImg"/>
+            <p:ph type="sldImg" idx="2"/>
           </p:nvPr>
         </p:nvSpPr>
         <p:spPr>
           <a:xfrm>
-            <a:off x="381300" y="685800"/>
+            <a:off x="381000" y="685800"/>
             <a:ext cx="6096000" cy="3429000"/>
           </a:xfrm>
           <a:custGeom>
-            <a:rect b="b" l="l" r="r" t="t"/>
+            <a:avLst/>
+            <a:gdLst/>
+            <a:ahLst/>
+            <a:cxnLst/>
+            <a:rect l="l" t="t" r="r" b="b"/>
             <a:pathLst>
-              <a:path extrusionOk="0" h="120000" w="120000">
+              <a:path w="120000" h="120000" extrusionOk="0">
                 <a:moveTo>
                   <a:pt x="0" y="0"/>
                 </a:moveTo>
@@ -1655,9 +1721,11 @@
       <p:sp>
         <p:nvSpPr>
           <p:cNvPr id="81" name="Google Shape;81;gf12c283abd_0_43:notes"/>
-          <p:cNvSpPr txBox="1"/>
+          <p:cNvSpPr txBox="1">
+            <a:spLocks noGrp="1"/>
+          </p:cNvSpPr>
           <p:nvPr>
-            <p:ph idx="1" type="body"/>
+            <p:ph type="body" idx="1"/>
           </p:nvPr>
         </p:nvSpPr>
         <p:spPr>
@@ -1670,12 +1738,12 @@
           </a:prstGeom>
         </p:spPr>
         <p:txBody>
-          <a:bodyPr anchorCtr="0" anchor="t" bIns="91425" lIns="91425" spcFirstLastPara="1" rIns="91425" wrap="square" tIns="91425">
+          <a:bodyPr spcFirstLastPara="1" wrap="square" lIns="91425" tIns="91425" rIns="91425" bIns="91425" anchor="t" anchorCtr="0">
             <a:noAutofit/>
           </a:bodyPr>
           <a:lstStyle/>
           <a:p>
-            <a:pPr indent="0" lvl="0" marL="0" rtl="0" algn="l">
+            <a:pPr marL="0" lvl="0" indent="0" algn="l" rtl="0">
               <a:spcBef>
                 <a:spcPts val="0"/>
               </a:spcBef>
@@ -1684,9 +1752,6 @@
               </a:spcAft>
               <a:buNone/>
             </a:pPr>
-            <a:r>
-              <a:t/>
-            </a:r>
             <a:endParaRPr/>
           </a:p>
         </p:txBody>
@@ -1700,11 +1765,11 @@
 </file>
 
 <file path=ppt/notesSlides/notesSlide5.xml><?xml version="1.0" encoding="utf-8"?>
-<p:notes xmlns:a="http://schemas.openxmlformats.org/drawingml/2006/main" xmlns:r="http://schemas.openxmlformats.org/officeDocument/2006/relationships" xmlns:mc="http://schemas.openxmlformats.org/markup-compatibility/2006" xmlns:mv="urn:schemas-microsoft-com:mac:vml" xmlns:p="http://schemas.openxmlformats.org/presentationml/2006/main" xmlns:c="http://schemas.openxmlformats.org/drawingml/2006/chart" xmlns:dgm="http://schemas.openxmlformats.org/drawingml/2006/diagram" xmlns:o="urn:schemas-microsoft-com:office:office" xmlns:v="urn:schemas-microsoft-com:vml" xmlns:pvml="urn:schemas-microsoft-com:office:powerpoint" xmlns:com="http://schemas.openxmlformats.org/drawingml/2006/compatibility" xmlns:p14="http://schemas.microsoft.com/office/powerpoint/2010/main" xmlns:p15="http://schemas.microsoft.com/office/powerpoint/2012/main" xmlns:ahyp="http://schemas.microsoft.com/office/drawing/2018/hyperlinkcolor" showMasterPhAnim="0" showMasterSp="0">
+<p:notes xmlns:a="http://schemas.openxmlformats.org/drawingml/2006/main" xmlns:r="http://schemas.openxmlformats.org/officeDocument/2006/relationships" xmlns:p="http://schemas.openxmlformats.org/presentationml/2006/main" showMasterSp="0" showMasterPhAnim="0">
   <p:cSld>
     <p:spTree>
       <p:nvGrpSpPr>
-        <p:cNvPr id="87" name="Shape 87"/>
+        <p:cNvPr id="1" name="Shape 87"/>
         <p:cNvGrpSpPr/>
         <p:nvPr/>
       </p:nvGrpSpPr>
@@ -1719,9 +1784,11 @@
       <p:sp>
         <p:nvSpPr>
           <p:cNvPr id="88" name="Google Shape;88;gf12c283abd_0_28:notes"/>
-          <p:cNvSpPr/>
+          <p:cNvSpPr>
+            <a:spLocks noGrp="1" noRot="1" noChangeAspect="1"/>
+          </p:cNvSpPr>
           <p:nvPr>
-            <p:ph idx="2" type="sldImg"/>
+            <p:ph type="sldImg" idx="2"/>
           </p:nvPr>
         </p:nvSpPr>
         <p:spPr>
@@ -1730,9 +1797,13 @@
             <a:ext cx="6096000" cy="3429000"/>
           </a:xfrm>
           <a:custGeom>
-            <a:rect b="b" l="l" r="r" t="t"/>
+            <a:avLst/>
+            <a:gdLst/>
+            <a:ahLst/>
+            <a:cxnLst/>
+            <a:rect l="l" t="t" r="r" b="b"/>
             <a:pathLst>
-              <a:path extrusionOk="0" h="120000" w="120000">
+              <a:path w="120000" h="120000" extrusionOk="0">
                 <a:moveTo>
                   <a:pt x="0" y="0"/>
                 </a:moveTo>
@@ -1754,9 +1825,11 @@
       <p:sp>
         <p:nvSpPr>
           <p:cNvPr id="89" name="Google Shape;89;gf12c283abd_0_28:notes"/>
-          <p:cNvSpPr txBox="1"/>
+          <p:cNvSpPr txBox="1">
+            <a:spLocks noGrp="1"/>
+          </p:cNvSpPr>
           <p:nvPr>
-            <p:ph idx="1" type="body"/>
+            <p:ph type="body" idx="1"/>
           </p:nvPr>
         </p:nvSpPr>
         <p:spPr>
@@ -1769,12 +1842,12 @@
           </a:prstGeom>
         </p:spPr>
         <p:txBody>
-          <a:bodyPr anchorCtr="0" anchor="t" bIns="91425" lIns="91425" spcFirstLastPara="1" rIns="91425" wrap="square" tIns="91425">
+          <a:bodyPr spcFirstLastPara="1" wrap="square" lIns="91425" tIns="91425" rIns="91425" bIns="91425" anchor="t" anchorCtr="0">
             <a:noAutofit/>
           </a:bodyPr>
           <a:lstStyle/>
           <a:p>
-            <a:pPr indent="0" lvl="0" marL="0" rtl="0" algn="l">
+            <a:pPr marL="0" lvl="0" indent="0" algn="l" rtl="0">
               <a:spcBef>
                 <a:spcPts val="0"/>
               </a:spcBef>
@@ -1783,9 +1856,6 @@
               </a:spcAft>
               <a:buNone/>
             </a:pPr>
-            <a:r>
-              <a:t/>
-            </a:r>
             <a:endParaRPr/>
           </a:p>
         </p:txBody>
@@ -1799,11 +1869,11 @@
 </file>
 
 <file path=ppt/notesSlides/notesSlide6.xml><?xml version="1.0" encoding="utf-8"?>
-<p:notes xmlns:a="http://schemas.openxmlformats.org/drawingml/2006/main" xmlns:r="http://schemas.openxmlformats.org/officeDocument/2006/relationships" xmlns:mc="http://schemas.openxmlformats.org/markup-compatibility/2006" xmlns:mv="urn:schemas-microsoft-com:mac:vml" xmlns:p="http://schemas.openxmlformats.org/presentationml/2006/main" xmlns:c="http://schemas.openxmlformats.org/drawingml/2006/chart" xmlns:dgm="http://schemas.openxmlformats.org/drawingml/2006/diagram" xmlns:o="urn:schemas-microsoft-com:office:office" xmlns:v="urn:schemas-microsoft-com:vml" xmlns:pvml="urn:schemas-microsoft-com:office:powerpoint" xmlns:com="http://schemas.openxmlformats.org/drawingml/2006/compatibility" xmlns:p14="http://schemas.microsoft.com/office/powerpoint/2010/main" xmlns:p15="http://schemas.microsoft.com/office/powerpoint/2012/main" xmlns:ahyp="http://schemas.microsoft.com/office/drawing/2018/hyperlinkcolor" showMasterPhAnim="0" showMasterSp="0">
+<p:notes xmlns:a="http://schemas.openxmlformats.org/drawingml/2006/main" xmlns:r="http://schemas.openxmlformats.org/officeDocument/2006/relationships" xmlns:p="http://schemas.openxmlformats.org/presentationml/2006/main" showMasterSp="0" showMasterPhAnim="0">
   <p:cSld>
     <p:spTree>
       <p:nvGrpSpPr>
-        <p:cNvPr id="96" name="Shape 96"/>
+        <p:cNvPr id="1" name="Shape 96"/>
         <p:cNvGrpSpPr/>
         <p:nvPr/>
       </p:nvGrpSpPr>
@@ -1818,9 +1888,11 @@
       <p:sp>
         <p:nvSpPr>
           <p:cNvPr id="97" name="Google Shape;97;gf12c283abd_0_36:notes"/>
-          <p:cNvSpPr/>
+          <p:cNvSpPr>
+            <a:spLocks noGrp="1" noRot="1" noChangeAspect="1"/>
+          </p:cNvSpPr>
           <p:nvPr>
-            <p:ph idx="2" type="sldImg"/>
+            <p:ph type="sldImg" idx="2"/>
           </p:nvPr>
         </p:nvSpPr>
         <p:spPr>
@@ -1829,9 +1901,13 @@
             <a:ext cx="6096000" cy="3429000"/>
           </a:xfrm>
           <a:custGeom>
-            <a:rect b="b" l="l" r="r" t="t"/>
+            <a:avLst/>
+            <a:gdLst/>
+            <a:ahLst/>
+            <a:cxnLst/>
+            <a:rect l="l" t="t" r="r" b="b"/>
             <a:pathLst>
-              <a:path extrusionOk="0" h="120000" w="120000">
+              <a:path w="120000" h="120000" extrusionOk="0">
                 <a:moveTo>
                   <a:pt x="0" y="0"/>
                 </a:moveTo>
@@ -1853,9 +1929,11 @@
       <p:sp>
         <p:nvSpPr>
           <p:cNvPr id="98" name="Google Shape;98;gf12c283abd_0_36:notes"/>
-          <p:cNvSpPr txBox="1"/>
+          <p:cNvSpPr txBox="1">
+            <a:spLocks noGrp="1"/>
+          </p:cNvSpPr>
           <p:nvPr>
-            <p:ph idx="1" type="body"/>
+            <p:ph type="body" idx="1"/>
           </p:nvPr>
         </p:nvSpPr>
         <p:spPr>
@@ -1868,12 +1946,12 @@
           </a:prstGeom>
         </p:spPr>
         <p:txBody>
-          <a:bodyPr anchorCtr="0" anchor="t" bIns="91425" lIns="91425" spcFirstLastPara="1" rIns="91425" wrap="square" tIns="91425">
+          <a:bodyPr spcFirstLastPara="1" wrap="square" lIns="91425" tIns="91425" rIns="91425" bIns="91425" anchor="t" anchorCtr="0">
             <a:noAutofit/>
           </a:bodyPr>
           <a:lstStyle/>
           <a:p>
-            <a:pPr indent="0" lvl="0" marL="0" rtl="0" algn="l">
+            <a:pPr marL="0" lvl="0" indent="0" algn="l" rtl="0">
               <a:spcBef>
                 <a:spcPts val="0"/>
               </a:spcBef>
@@ -1882,9 +1960,6 @@
               </a:spcAft>
               <a:buNone/>
             </a:pPr>
-            <a:r>
-              <a:t/>
-            </a:r>
             <a:endParaRPr/>
           </a:p>
         </p:txBody>
@@ -1898,11 +1973,11 @@
 </file>
 
 <file path=ppt/notesSlides/notesSlide7.xml><?xml version="1.0" encoding="utf-8"?>
-<p:notes xmlns:a="http://schemas.openxmlformats.org/drawingml/2006/main" xmlns:r="http://schemas.openxmlformats.org/officeDocument/2006/relationships" xmlns:mc="http://schemas.openxmlformats.org/markup-compatibility/2006" xmlns:mv="urn:schemas-microsoft-com:mac:vml" xmlns:p="http://schemas.openxmlformats.org/presentationml/2006/main" xmlns:c="http://schemas.openxmlformats.org/drawingml/2006/chart" xmlns:dgm="http://schemas.openxmlformats.org/drawingml/2006/diagram" xmlns:o="urn:schemas-microsoft-com:office:office" xmlns:v="urn:schemas-microsoft-com:vml" xmlns:pvml="urn:schemas-microsoft-com:office:powerpoint" xmlns:com="http://schemas.openxmlformats.org/drawingml/2006/compatibility" xmlns:p14="http://schemas.microsoft.com/office/powerpoint/2010/main" xmlns:p15="http://schemas.microsoft.com/office/powerpoint/2012/main" xmlns:ahyp="http://schemas.microsoft.com/office/drawing/2018/hyperlinkcolor" showMasterPhAnim="0" showMasterSp="0">
+<p:notes xmlns:a="http://schemas.openxmlformats.org/drawingml/2006/main" xmlns:r="http://schemas.openxmlformats.org/officeDocument/2006/relationships" xmlns:p="http://schemas.openxmlformats.org/presentationml/2006/main" showMasterSp="0" showMasterPhAnim="0">
   <p:cSld>
     <p:spTree>
       <p:nvGrpSpPr>
-        <p:cNvPr id="104" name="Shape 104"/>
+        <p:cNvPr id="1" name="Shape 104"/>
         <p:cNvGrpSpPr/>
         <p:nvPr/>
       </p:nvGrpSpPr>
@@ -1917,9 +1992,11 @@
       <p:sp>
         <p:nvSpPr>
           <p:cNvPr id="105" name="Google Shape;105;gf12c283abd_0_60:notes"/>
-          <p:cNvSpPr/>
+          <p:cNvSpPr>
+            <a:spLocks noGrp="1" noRot="1" noChangeAspect="1"/>
+          </p:cNvSpPr>
           <p:nvPr>
-            <p:ph idx="2" type="sldImg"/>
+            <p:ph type="sldImg" idx="2"/>
           </p:nvPr>
         </p:nvSpPr>
         <p:spPr>
@@ -1928,9 +2005,13 @@
             <a:ext cx="6096000" cy="3429000"/>
           </a:xfrm>
           <a:custGeom>
-            <a:rect b="b" l="l" r="r" t="t"/>
+            <a:avLst/>
+            <a:gdLst/>
+            <a:ahLst/>
+            <a:cxnLst/>
+            <a:rect l="l" t="t" r="r" b="b"/>
             <a:pathLst>
-              <a:path extrusionOk="0" h="120000" w="120000">
+              <a:path w="120000" h="120000" extrusionOk="0">
                 <a:moveTo>
                   <a:pt x="0" y="0"/>
                 </a:moveTo>
@@ -1952,9 +2033,11 @@
       <p:sp>
         <p:nvSpPr>
           <p:cNvPr id="106" name="Google Shape;106;gf12c283abd_0_60:notes"/>
-          <p:cNvSpPr txBox="1"/>
+          <p:cNvSpPr txBox="1">
+            <a:spLocks noGrp="1"/>
+          </p:cNvSpPr>
           <p:nvPr>
-            <p:ph idx="1" type="body"/>
+            <p:ph type="body" idx="1"/>
           </p:nvPr>
         </p:nvSpPr>
         <p:spPr>
@@ -1967,12 +2050,12 @@
           </a:prstGeom>
         </p:spPr>
         <p:txBody>
-          <a:bodyPr anchorCtr="0" anchor="t" bIns="91425" lIns="91425" spcFirstLastPara="1" rIns="91425" wrap="square" tIns="91425">
+          <a:bodyPr spcFirstLastPara="1" wrap="square" lIns="91425" tIns="91425" rIns="91425" bIns="91425" anchor="t" anchorCtr="0">
             <a:noAutofit/>
           </a:bodyPr>
           <a:lstStyle/>
           <a:p>
-            <a:pPr indent="0" lvl="0" marL="0" rtl="0" algn="l">
+            <a:pPr marL="0" lvl="0" indent="0" algn="l" rtl="0">
               <a:spcBef>
                 <a:spcPts val="0"/>
               </a:spcBef>
@@ -1981,9 +2064,6 @@
               </a:spcAft>
               <a:buNone/>
             </a:pPr>
-            <a:r>
-              <a:t/>
-            </a:r>
             <a:endParaRPr/>
           </a:p>
         </p:txBody>
@@ -1997,11 +2077,11 @@
 </file>
 
 <file path=ppt/notesSlides/notesSlide8.xml><?xml version="1.0" encoding="utf-8"?>
-<p:notes xmlns:a="http://schemas.openxmlformats.org/drawingml/2006/main" xmlns:r="http://schemas.openxmlformats.org/officeDocument/2006/relationships" xmlns:mc="http://schemas.openxmlformats.org/markup-compatibility/2006" xmlns:mv="urn:schemas-microsoft-com:mac:vml" xmlns:p="http://schemas.openxmlformats.org/presentationml/2006/main" xmlns:c="http://schemas.openxmlformats.org/drawingml/2006/chart" xmlns:dgm="http://schemas.openxmlformats.org/drawingml/2006/diagram" xmlns:o="urn:schemas-microsoft-com:office:office" xmlns:v="urn:schemas-microsoft-com:vml" xmlns:pvml="urn:schemas-microsoft-com:office:powerpoint" xmlns:com="http://schemas.openxmlformats.org/drawingml/2006/compatibility" xmlns:p14="http://schemas.microsoft.com/office/powerpoint/2010/main" xmlns:p15="http://schemas.microsoft.com/office/powerpoint/2012/main" xmlns:ahyp="http://schemas.microsoft.com/office/drawing/2018/hyperlinkcolor" showMasterPhAnim="0" showMasterSp="0">
+<p:notes xmlns:a="http://schemas.openxmlformats.org/drawingml/2006/main" xmlns:r="http://schemas.openxmlformats.org/officeDocument/2006/relationships" xmlns:p="http://schemas.openxmlformats.org/presentationml/2006/main" showMasterSp="0" showMasterPhAnim="0">
   <p:cSld>
     <p:spTree>
       <p:nvGrpSpPr>
-        <p:cNvPr id="112" name="Shape 112"/>
+        <p:cNvPr id="1" name="Shape 112"/>
         <p:cNvGrpSpPr/>
         <p:nvPr/>
       </p:nvGrpSpPr>
@@ -2016,9 +2096,11 @@
       <p:sp>
         <p:nvSpPr>
           <p:cNvPr id="113" name="Google Shape;113;gf12c283abd_0_52:notes"/>
-          <p:cNvSpPr/>
+          <p:cNvSpPr>
+            <a:spLocks noGrp="1" noRot="1" noChangeAspect="1"/>
+          </p:cNvSpPr>
           <p:nvPr>
-            <p:ph idx="2" type="sldImg"/>
+            <p:ph type="sldImg" idx="2"/>
           </p:nvPr>
         </p:nvSpPr>
         <p:spPr>
@@ -2027,9 +2109,13 @@
             <a:ext cx="6096000" cy="3429000"/>
           </a:xfrm>
           <a:custGeom>
-            <a:rect b="b" l="l" r="r" t="t"/>
+            <a:avLst/>
+            <a:gdLst/>
+            <a:ahLst/>
+            <a:cxnLst/>
+            <a:rect l="l" t="t" r="r" b="b"/>
             <a:pathLst>
-              <a:path extrusionOk="0" h="120000" w="120000">
+              <a:path w="120000" h="120000" extrusionOk="0">
                 <a:moveTo>
                   <a:pt x="0" y="0"/>
                 </a:moveTo>
@@ -2051,9 +2137,11 @@
       <p:sp>
         <p:nvSpPr>
           <p:cNvPr id="114" name="Google Shape;114;gf12c283abd_0_52:notes"/>
-          <p:cNvSpPr txBox="1"/>
+          <p:cNvSpPr txBox="1">
+            <a:spLocks noGrp="1"/>
+          </p:cNvSpPr>
           <p:nvPr>
-            <p:ph idx="1" type="body"/>
+            <p:ph type="body" idx="1"/>
           </p:nvPr>
         </p:nvSpPr>
         <p:spPr>
@@ -2066,12 +2154,12 @@
           </a:prstGeom>
         </p:spPr>
         <p:txBody>
-          <a:bodyPr anchorCtr="0" anchor="t" bIns="91425" lIns="91425" spcFirstLastPara="1" rIns="91425" wrap="square" tIns="91425">
+          <a:bodyPr spcFirstLastPara="1" wrap="square" lIns="91425" tIns="91425" rIns="91425" bIns="91425" anchor="t" anchorCtr="0">
             <a:noAutofit/>
           </a:bodyPr>
           <a:lstStyle/>
           <a:p>
-            <a:pPr indent="0" lvl="0" marL="0" rtl="0" algn="l">
+            <a:pPr marL="0" lvl="0" indent="0" algn="l" rtl="0">
               <a:spcBef>
                 <a:spcPts val="0"/>
               </a:spcBef>
@@ -2080,9 +2168,6 @@
               </a:spcAft>
               <a:buNone/>
             </a:pPr>
-            <a:r>
-              <a:t/>
-            </a:r>
             <a:endParaRPr/>
           </a:p>
         </p:txBody>
@@ -2096,11 +2181,11 @@
 </file>
 
 <file path=ppt/notesSlides/notesSlide9.xml><?xml version="1.0" encoding="utf-8"?>
-<p:notes xmlns:a="http://schemas.openxmlformats.org/drawingml/2006/main" xmlns:r="http://schemas.openxmlformats.org/officeDocument/2006/relationships" xmlns:mc="http://schemas.openxmlformats.org/markup-compatibility/2006" xmlns:mv="urn:schemas-microsoft-com:mac:vml" xmlns:p="http://schemas.openxmlformats.org/presentationml/2006/main" xmlns:c="http://schemas.openxmlformats.org/drawingml/2006/chart" xmlns:dgm="http://schemas.openxmlformats.org/drawingml/2006/diagram" xmlns:o="urn:schemas-microsoft-com:office:office" xmlns:v="urn:schemas-microsoft-com:vml" xmlns:pvml="urn:schemas-microsoft-com:office:powerpoint" xmlns:com="http://schemas.openxmlformats.org/drawingml/2006/compatibility" xmlns:p14="http://schemas.microsoft.com/office/powerpoint/2010/main" xmlns:p15="http://schemas.microsoft.com/office/powerpoint/2012/main" xmlns:ahyp="http://schemas.microsoft.com/office/drawing/2018/hyperlinkcolor" showMasterPhAnim="0" showMasterSp="0">
+<p:notes xmlns:a="http://schemas.openxmlformats.org/drawingml/2006/main" xmlns:r="http://schemas.openxmlformats.org/officeDocument/2006/relationships" xmlns:p="http://schemas.openxmlformats.org/presentationml/2006/main" showMasterSp="0" showMasterPhAnim="0">
   <p:cSld>
     <p:spTree>
       <p:nvGrpSpPr>
-        <p:cNvPr id="120" name="Shape 120"/>
+        <p:cNvPr id="1" name="Shape 120"/>
         <p:cNvGrpSpPr/>
         <p:nvPr/>
       </p:nvGrpSpPr>
@@ -2115,9 +2200,11 @@
       <p:sp>
         <p:nvSpPr>
           <p:cNvPr id="121" name="Google Shape;121;gf12c283abd_0_68:notes"/>
-          <p:cNvSpPr/>
+          <p:cNvSpPr>
+            <a:spLocks noGrp="1" noRot="1" noChangeAspect="1"/>
+          </p:cNvSpPr>
           <p:nvPr>
-            <p:ph idx="2" type="sldImg"/>
+            <p:ph type="sldImg" idx="2"/>
           </p:nvPr>
         </p:nvSpPr>
         <p:spPr>
@@ -2126,9 +2213,13 @@
             <a:ext cx="6096000" cy="3429000"/>
           </a:xfrm>
           <a:custGeom>
-            <a:rect b="b" l="l" r="r" t="t"/>
+            <a:avLst/>
+            <a:gdLst/>
+            <a:ahLst/>
+            <a:cxnLst/>
+            <a:rect l="l" t="t" r="r" b="b"/>
             <a:pathLst>
-              <a:path extrusionOk="0" h="120000" w="120000">
+              <a:path w="120000" h="120000" extrusionOk="0">
                 <a:moveTo>
                   <a:pt x="0" y="0"/>
                 </a:moveTo>
@@ -2150,9 +2241,11 @@
       <p:sp>
         <p:nvSpPr>
           <p:cNvPr id="122" name="Google Shape;122;gf12c283abd_0_68:notes"/>
-          <p:cNvSpPr txBox="1"/>
+          <p:cNvSpPr txBox="1">
+            <a:spLocks noGrp="1"/>
+          </p:cNvSpPr>
           <p:nvPr>
-            <p:ph idx="1" type="body"/>
+            <p:ph type="body" idx="1"/>
           </p:nvPr>
         </p:nvSpPr>
         <p:spPr>
@@ -2165,12 +2258,12 @@
           </a:prstGeom>
         </p:spPr>
         <p:txBody>
-          <a:bodyPr anchorCtr="0" anchor="t" bIns="91425" lIns="91425" spcFirstLastPara="1" rIns="91425" wrap="square" tIns="91425">
+          <a:bodyPr spcFirstLastPara="1" wrap="square" lIns="91425" tIns="91425" rIns="91425" bIns="91425" anchor="t" anchorCtr="0">
             <a:noAutofit/>
           </a:bodyPr>
           <a:lstStyle/>
           <a:p>
-            <a:pPr indent="0" lvl="0" marL="0" rtl="0" algn="l">
+            <a:pPr marL="0" lvl="0" indent="0" algn="l" rtl="0">
               <a:spcBef>
                 <a:spcPts val="0"/>
               </a:spcBef>
@@ -2179,9 +2272,6 @@
               </a:spcAft>
               <a:buNone/>
             </a:pPr>
-            <a:r>
-              <a:t/>
-            </a:r>
             <a:endParaRPr/>
           </a:p>
         </p:txBody>
@@ -2195,11 +2285,11 @@
 </file>
 
 <file path=ppt/slideLayouts/slideLayout1.xml><?xml version="1.0" encoding="utf-8"?>
-<p:sldLayout xmlns:a="http://schemas.openxmlformats.org/drawingml/2006/main" xmlns:r="http://schemas.openxmlformats.org/officeDocument/2006/relationships" xmlns:mc="http://schemas.openxmlformats.org/markup-compatibility/2006" xmlns:mv="urn:schemas-microsoft-com:mac:vml" xmlns:p="http://schemas.openxmlformats.org/presentationml/2006/main" xmlns:c="http://schemas.openxmlformats.org/drawingml/2006/chart" xmlns:dgm="http://schemas.openxmlformats.org/drawingml/2006/diagram" xmlns:o="urn:schemas-microsoft-com:office:office" xmlns:v="urn:schemas-microsoft-com:vml" xmlns:pvml="urn:schemas-microsoft-com:office:powerpoint" xmlns:com="http://schemas.openxmlformats.org/drawingml/2006/compatibility" xmlns:p14="http://schemas.microsoft.com/office/powerpoint/2010/main" xmlns:p15="http://schemas.microsoft.com/office/powerpoint/2012/main" xmlns:ahyp="http://schemas.microsoft.com/office/drawing/2018/hyperlinkcolor" matchingName="Title slide" type="title">
+<p:sldLayout xmlns:a="http://schemas.openxmlformats.org/drawingml/2006/main" xmlns:r="http://schemas.openxmlformats.org/officeDocument/2006/relationships" xmlns:p="http://schemas.openxmlformats.org/presentationml/2006/main" matchingName="Title slide" type="title">
   <p:cSld name="TITLE">
     <p:spTree>
       <p:nvGrpSpPr>
-        <p:cNvPr id="9" name="Shape 9"/>
+        <p:cNvPr id="1" name="Shape 9"/>
         <p:cNvGrpSpPr/>
         <p:nvPr/>
       </p:nvGrpSpPr>
@@ -2214,7 +2304,9 @@
       <p:sp>
         <p:nvSpPr>
           <p:cNvPr id="10" name="Google Shape;10;p2"/>
-          <p:cNvSpPr txBox="1"/>
+          <p:cNvSpPr txBox="1">
+            <a:spLocks noGrp="1"/>
+          </p:cNvSpPr>
           <p:nvPr>
             <p:ph type="ctrTitle"/>
           </p:nvPr>
@@ -2229,11 +2321,11 @@
           </a:prstGeom>
         </p:spPr>
         <p:txBody>
-          <a:bodyPr anchorCtr="0" anchor="b" bIns="91425" lIns="91425" spcFirstLastPara="1" rIns="91425" wrap="square" tIns="91425">
+          <a:bodyPr spcFirstLastPara="1" wrap="square" lIns="91425" tIns="91425" rIns="91425" bIns="91425" anchor="b" anchorCtr="0">
             <a:normAutofit/>
           </a:bodyPr>
           <a:lstStyle>
-            <a:lvl1pPr lvl="0" rtl="0" algn="ctr">
+            <a:lvl1pPr lvl="0" algn="ctr" rtl="0">
               <a:spcBef>
                 <a:spcPts val="0"/>
               </a:spcBef>
@@ -2244,7 +2336,7 @@
               <a:buNone/>
               <a:defRPr sz="5200"/>
             </a:lvl1pPr>
-            <a:lvl2pPr lvl="1" rtl="0" algn="ctr">
+            <a:lvl2pPr lvl="1" algn="ctr" rtl="0">
               <a:spcBef>
                 <a:spcPts val="0"/>
               </a:spcBef>
@@ -2255,7 +2347,7 @@
               <a:buNone/>
               <a:defRPr sz="5200"/>
             </a:lvl2pPr>
-            <a:lvl3pPr lvl="2" rtl="0" algn="ctr">
+            <a:lvl3pPr lvl="2" algn="ctr" rtl="0">
               <a:spcBef>
                 <a:spcPts val="0"/>
               </a:spcBef>
@@ -2266,7 +2358,7 @@
               <a:buNone/>
               <a:defRPr sz="5200"/>
             </a:lvl3pPr>
-            <a:lvl4pPr lvl="3" rtl="0" algn="ctr">
+            <a:lvl4pPr lvl="3" algn="ctr" rtl="0">
               <a:spcBef>
                 <a:spcPts val="0"/>
               </a:spcBef>
@@ -2277,7 +2369,7 @@
               <a:buNone/>
               <a:defRPr sz="5200"/>
             </a:lvl4pPr>
-            <a:lvl5pPr lvl="4" rtl="0" algn="ctr">
+            <a:lvl5pPr lvl="4" algn="ctr" rtl="0">
               <a:spcBef>
                 <a:spcPts val="0"/>
               </a:spcBef>
@@ -2288,7 +2380,7 @@
               <a:buNone/>
               <a:defRPr sz="5200"/>
             </a:lvl5pPr>
-            <a:lvl6pPr lvl="5" rtl="0" algn="ctr">
+            <a:lvl6pPr lvl="5" algn="ctr" rtl="0">
               <a:spcBef>
                 <a:spcPts val="0"/>
               </a:spcBef>
@@ -2299,7 +2391,7 @@
               <a:buNone/>
               <a:defRPr sz="5200"/>
             </a:lvl6pPr>
-            <a:lvl7pPr lvl="6" rtl="0" algn="ctr">
+            <a:lvl7pPr lvl="6" algn="ctr" rtl="0">
               <a:spcBef>
                 <a:spcPts val="0"/>
               </a:spcBef>
@@ -2310,7 +2402,7 @@
               <a:buNone/>
               <a:defRPr sz="5200"/>
             </a:lvl7pPr>
-            <a:lvl8pPr lvl="7" rtl="0" algn="ctr">
+            <a:lvl8pPr lvl="7" algn="ctr" rtl="0">
               <a:spcBef>
                 <a:spcPts val="0"/>
               </a:spcBef>
@@ -2321,7 +2413,7 @@
               <a:buNone/>
               <a:defRPr sz="5200"/>
             </a:lvl8pPr>
-            <a:lvl9pPr lvl="8" rtl="0" algn="ctr">
+            <a:lvl9pPr lvl="8" algn="ctr" rtl="0">
               <a:spcBef>
                 <a:spcPts val="0"/>
               </a:spcBef>
@@ -2333,15 +2425,19 @@
               <a:defRPr sz="5200"/>
             </a:lvl9pPr>
           </a:lstStyle>
-          <a:p/>
+          <a:p>
+            <a:endParaRPr/>
+          </a:p>
         </p:txBody>
       </p:sp>
       <p:sp>
         <p:nvSpPr>
           <p:cNvPr id="11" name="Google Shape;11;p2"/>
-          <p:cNvSpPr txBox="1"/>
+          <p:cNvSpPr txBox="1">
+            <a:spLocks noGrp="1"/>
+          </p:cNvSpPr>
           <p:nvPr>
-            <p:ph idx="1" type="subTitle"/>
+            <p:ph type="subTitle" idx="1"/>
           </p:nvPr>
         </p:nvSpPr>
         <p:spPr>
@@ -2354,11 +2450,11 @@
           </a:prstGeom>
         </p:spPr>
         <p:txBody>
-          <a:bodyPr anchorCtr="0" anchor="t" bIns="91425" lIns="91425" spcFirstLastPara="1" rIns="91425" wrap="square" tIns="91425">
+          <a:bodyPr spcFirstLastPara="1" wrap="square" lIns="91425" tIns="91425" rIns="91425" bIns="91425" anchor="t" anchorCtr="0">
             <a:normAutofit/>
           </a:bodyPr>
           <a:lstStyle>
-            <a:lvl1pPr lvl="0" rtl="0" algn="ctr">
+            <a:lvl1pPr lvl="0" algn="ctr" rtl="0">
               <a:lnSpc>
                 <a:spcPct val="100000"/>
               </a:lnSpc>
@@ -2372,7 +2468,7 @@
               <a:buNone/>
               <a:defRPr sz="2800"/>
             </a:lvl1pPr>
-            <a:lvl2pPr lvl="1" rtl="0" algn="ctr">
+            <a:lvl2pPr lvl="1" algn="ctr" rtl="0">
               <a:lnSpc>
                 <a:spcPct val="100000"/>
               </a:lnSpc>
@@ -2386,7 +2482,7 @@
               <a:buNone/>
               <a:defRPr sz="2800"/>
             </a:lvl2pPr>
-            <a:lvl3pPr lvl="2" rtl="0" algn="ctr">
+            <a:lvl3pPr lvl="2" algn="ctr" rtl="0">
               <a:lnSpc>
                 <a:spcPct val="100000"/>
               </a:lnSpc>
@@ -2400,7 +2496,7 @@
               <a:buNone/>
               <a:defRPr sz="2800"/>
             </a:lvl3pPr>
-            <a:lvl4pPr lvl="3" rtl="0" algn="ctr">
+            <a:lvl4pPr lvl="3" algn="ctr" rtl="0">
               <a:lnSpc>
                 <a:spcPct val="100000"/>
               </a:lnSpc>
@@ -2414,7 +2510,7 @@
               <a:buNone/>
               <a:defRPr sz="2800"/>
             </a:lvl4pPr>
-            <a:lvl5pPr lvl="4" rtl="0" algn="ctr">
+            <a:lvl5pPr lvl="4" algn="ctr" rtl="0">
               <a:lnSpc>
                 <a:spcPct val="100000"/>
               </a:lnSpc>
@@ -2428,7 +2524,7 @@
               <a:buNone/>
               <a:defRPr sz="2800"/>
             </a:lvl5pPr>
-            <a:lvl6pPr lvl="5" rtl="0" algn="ctr">
+            <a:lvl6pPr lvl="5" algn="ctr" rtl="0">
               <a:lnSpc>
                 <a:spcPct val="100000"/>
               </a:lnSpc>
@@ -2442,7 +2538,7 @@
               <a:buNone/>
               <a:defRPr sz="2800"/>
             </a:lvl6pPr>
-            <a:lvl7pPr lvl="6" rtl="0" algn="ctr">
+            <a:lvl7pPr lvl="6" algn="ctr" rtl="0">
               <a:lnSpc>
                 <a:spcPct val="100000"/>
               </a:lnSpc>
@@ -2456,7 +2552,7 @@
               <a:buNone/>
               <a:defRPr sz="2800"/>
             </a:lvl7pPr>
-            <a:lvl8pPr lvl="7" rtl="0" algn="ctr">
+            <a:lvl8pPr lvl="7" algn="ctr" rtl="0">
               <a:lnSpc>
                 <a:spcPct val="100000"/>
               </a:lnSpc>
@@ -2470,7 +2566,7 @@
               <a:buNone/>
               <a:defRPr sz="2800"/>
             </a:lvl8pPr>
-            <a:lvl9pPr lvl="8" rtl="0" algn="ctr">
+            <a:lvl9pPr lvl="8" algn="ctr" rtl="0">
               <a:lnSpc>
                 <a:spcPct val="100000"/>
               </a:lnSpc>
@@ -2485,15 +2581,19 @@
               <a:defRPr sz="2800"/>
             </a:lvl9pPr>
           </a:lstStyle>
-          <a:p/>
+          <a:p>
+            <a:endParaRPr/>
+          </a:p>
         </p:txBody>
       </p:sp>
       <p:sp>
         <p:nvSpPr>
           <p:cNvPr id="12" name="Google Shape;12;p2"/>
-          <p:cNvSpPr txBox="1"/>
+          <p:cNvSpPr txBox="1">
+            <a:spLocks noGrp="1"/>
+          </p:cNvSpPr>
           <p:nvPr>
-            <p:ph idx="12" type="sldNum"/>
+            <p:ph type="sldNum" idx="12"/>
           </p:nvPr>
         </p:nvSpPr>
         <p:spPr>
@@ -2506,7 +2606,7 @@
           </a:prstGeom>
         </p:spPr>
         <p:txBody>
-          <a:bodyPr anchorCtr="0" anchor="ctr" bIns="91425" lIns="91425" spcFirstLastPara="1" rIns="91425" wrap="square" tIns="91425">
+          <a:bodyPr spcFirstLastPara="1" wrap="square" lIns="91425" tIns="91425" rIns="91425" bIns="91425" anchor="ctr" anchorCtr="0">
             <a:normAutofit/>
           </a:bodyPr>
           <a:lstStyle>
@@ -2548,7 +2648,7 @@
             </a:lvl9pPr>
           </a:lstStyle>
           <a:p>
-            <a:pPr indent="0" lvl="0" marL="0" rtl="0" algn="r">
+            <a:pPr marL="0" lvl="0" indent="0" algn="r" rtl="0">
               <a:spcBef>
                 <a:spcPts val="0"/>
               </a:spcBef>
@@ -2559,7 +2659,7 @@
             </a:pPr>
             <a:fld id="{00000000-1234-1234-1234-123412341234}" type="slidenum">
               <a:rPr lang="es"/>
-              <a:t>‹#›</a:t>
+              <a:t>‹Nº›</a:t>
             </a:fld>
             <a:endParaRPr/>
           </a:p>
@@ -2574,11 +2674,11 @@
 </file>
 
 <file path=ppt/slideLayouts/slideLayout10.xml><?xml version="1.0" encoding="utf-8"?>
-<p:sldLayout xmlns:a="http://schemas.openxmlformats.org/drawingml/2006/main" xmlns:r="http://schemas.openxmlformats.org/officeDocument/2006/relationships" xmlns:mc="http://schemas.openxmlformats.org/markup-compatibility/2006" xmlns:mv="urn:schemas-microsoft-com:mac:vml" xmlns:p="http://schemas.openxmlformats.org/presentationml/2006/main" xmlns:c="http://schemas.openxmlformats.org/drawingml/2006/chart" xmlns:dgm="http://schemas.openxmlformats.org/drawingml/2006/diagram" xmlns:o="urn:schemas-microsoft-com:office:office" xmlns:v="urn:schemas-microsoft-com:vml" xmlns:pvml="urn:schemas-microsoft-com:office:powerpoint" xmlns:com="http://schemas.openxmlformats.org/drawingml/2006/compatibility" xmlns:p14="http://schemas.microsoft.com/office/powerpoint/2010/main" xmlns:p15="http://schemas.microsoft.com/office/powerpoint/2012/main" xmlns:ahyp="http://schemas.microsoft.com/office/drawing/2018/hyperlinkcolor" matchingName="Big number">
+<p:sldLayout xmlns:a="http://schemas.openxmlformats.org/drawingml/2006/main" xmlns:r="http://schemas.openxmlformats.org/officeDocument/2006/relationships" xmlns:p="http://schemas.openxmlformats.org/presentationml/2006/main" matchingName="Big number">
   <p:cSld name="BIG_NUMBER">
     <p:spTree>
       <p:nvGrpSpPr>
-        <p:cNvPr id="44" name="Shape 44"/>
+        <p:cNvPr id="1" name="Shape 44"/>
         <p:cNvGrpSpPr/>
         <p:nvPr/>
       </p:nvGrpSpPr>
@@ -2593,9 +2693,11 @@
       <p:sp>
         <p:nvSpPr>
           <p:cNvPr id="45" name="Google Shape;45;p11"/>
-          <p:cNvSpPr txBox="1"/>
+          <p:cNvSpPr txBox="1">
+            <a:spLocks noGrp="1"/>
+          </p:cNvSpPr>
           <p:nvPr>
-            <p:ph hasCustomPrompt="1" type="title"/>
+            <p:ph type="title" hasCustomPrompt="1"/>
           </p:nvPr>
         </p:nvSpPr>
         <p:spPr>
@@ -2608,11 +2710,11 @@
           </a:prstGeom>
         </p:spPr>
         <p:txBody>
-          <a:bodyPr anchorCtr="0" anchor="b" bIns="91425" lIns="91425" spcFirstLastPara="1" rIns="91425" wrap="square" tIns="91425">
+          <a:bodyPr spcFirstLastPara="1" wrap="square" lIns="91425" tIns="91425" rIns="91425" bIns="91425" anchor="b" anchorCtr="0">
             <a:normAutofit/>
           </a:bodyPr>
           <a:lstStyle>
-            <a:lvl1pPr lvl="0" rtl="0" algn="ctr">
+            <a:lvl1pPr lvl="0" algn="ctr" rtl="0">
               <a:spcBef>
                 <a:spcPts val="0"/>
               </a:spcBef>
@@ -2623,7 +2725,7 @@
               <a:buNone/>
               <a:defRPr sz="12000"/>
             </a:lvl1pPr>
-            <a:lvl2pPr lvl="1" rtl="0" algn="ctr">
+            <a:lvl2pPr lvl="1" algn="ctr" rtl="0">
               <a:spcBef>
                 <a:spcPts val="0"/>
               </a:spcBef>
@@ -2634,7 +2736,7 @@
               <a:buNone/>
               <a:defRPr sz="12000"/>
             </a:lvl2pPr>
-            <a:lvl3pPr lvl="2" rtl="0" algn="ctr">
+            <a:lvl3pPr lvl="2" algn="ctr" rtl="0">
               <a:spcBef>
                 <a:spcPts val="0"/>
               </a:spcBef>
@@ -2645,7 +2747,7 @@
               <a:buNone/>
               <a:defRPr sz="12000"/>
             </a:lvl3pPr>
-            <a:lvl4pPr lvl="3" rtl="0" algn="ctr">
+            <a:lvl4pPr lvl="3" algn="ctr" rtl="0">
               <a:spcBef>
                 <a:spcPts val="0"/>
               </a:spcBef>
@@ -2656,7 +2758,7 @@
               <a:buNone/>
               <a:defRPr sz="12000"/>
             </a:lvl4pPr>
-            <a:lvl5pPr lvl="4" rtl="0" algn="ctr">
+            <a:lvl5pPr lvl="4" algn="ctr" rtl="0">
               <a:spcBef>
                 <a:spcPts val="0"/>
               </a:spcBef>
@@ -2667,7 +2769,7 @@
               <a:buNone/>
               <a:defRPr sz="12000"/>
             </a:lvl5pPr>
-            <a:lvl6pPr lvl="5" rtl="0" algn="ctr">
+            <a:lvl6pPr lvl="5" algn="ctr" rtl="0">
               <a:spcBef>
                 <a:spcPts val="0"/>
               </a:spcBef>
@@ -2678,7 +2780,7 @@
               <a:buNone/>
               <a:defRPr sz="12000"/>
             </a:lvl6pPr>
-            <a:lvl7pPr lvl="6" rtl="0" algn="ctr">
+            <a:lvl7pPr lvl="6" algn="ctr" rtl="0">
               <a:spcBef>
                 <a:spcPts val="0"/>
               </a:spcBef>
@@ -2689,7 +2791,7 @@
               <a:buNone/>
               <a:defRPr sz="12000"/>
             </a:lvl7pPr>
-            <a:lvl8pPr lvl="7" rtl="0" algn="ctr">
+            <a:lvl8pPr lvl="7" algn="ctr" rtl="0">
               <a:spcBef>
                 <a:spcPts val="0"/>
               </a:spcBef>
@@ -2700,7 +2802,7 @@
               <a:buNone/>
               <a:defRPr sz="12000"/>
             </a:lvl8pPr>
-            <a:lvl9pPr lvl="8" rtl="0" algn="ctr">
+            <a:lvl9pPr lvl="8" algn="ctr" rtl="0">
               <a:spcBef>
                 <a:spcPts val="0"/>
               </a:spcBef>
@@ -2722,9 +2824,11 @@
       <p:sp>
         <p:nvSpPr>
           <p:cNvPr id="46" name="Google Shape;46;p11"/>
-          <p:cNvSpPr txBox="1"/>
+          <p:cNvSpPr txBox="1">
+            <a:spLocks noGrp="1"/>
+          </p:cNvSpPr>
           <p:nvPr>
-            <p:ph idx="1" type="body"/>
+            <p:ph type="body" idx="1"/>
           </p:nvPr>
         </p:nvSpPr>
         <p:spPr>
@@ -2737,11 +2841,11 @@
           </a:prstGeom>
         </p:spPr>
         <p:txBody>
-          <a:bodyPr anchorCtr="0" anchor="t" bIns="91425" lIns="91425" spcFirstLastPara="1" rIns="91425" wrap="square" tIns="91425">
+          <a:bodyPr spcFirstLastPara="1" wrap="square" lIns="91425" tIns="91425" rIns="91425" bIns="91425" anchor="t" anchorCtr="0">
             <a:normAutofit/>
           </a:bodyPr>
           <a:lstStyle>
-            <a:lvl1pPr indent="-342900" lvl="0" marL="457200" rtl="0" algn="ctr">
+            <a:lvl1pPr marL="457200" lvl="0" indent="-342900" algn="ctr" rtl="0">
               <a:spcBef>
                 <a:spcPts val="0"/>
               </a:spcBef>
@@ -2752,7 +2856,7 @@
               <a:buChar char="●"/>
               <a:defRPr/>
             </a:lvl1pPr>
-            <a:lvl2pPr indent="-317500" lvl="1" marL="914400" rtl="0" algn="ctr">
+            <a:lvl2pPr marL="914400" lvl="1" indent="-317500" algn="ctr" rtl="0">
               <a:spcBef>
                 <a:spcPts val="0"/>
               </a:spcBef>
@@ -2763,7 +2867,7 @@
               <a:buChar char="○"/>
               <a:defRPr/>
             </a:lvl2pPr>
-            <a:lvl3pPr indent="-317500" lvl="2" marL="1371600" rtl="0" algn="ctr">
+            <a:lvl3pPr marL="1371600" lvl="2" indent="-317500" algn="ctr" rtl="0">
               <a:spcBef>
                 <a:spcPts val="0"/>
               </a:spcBef>
@@ -2774,7 +2878,7 @@
               <a:buChar char="■"/>
               <a:defRPr/>
             </a:lvl3pPr>
-            <a:lvl4pPr indent="-317500" lvl="3" marL="1828800" rtl="0" algn="ctr">
+            <a:lvl4pPr marL="1828800" lvl="3" indent="-317500" algn="ctr" rtl="0">
               <a:spcBef>
                 <a:spcPts val="0"/>
               </a:spcBef>
@@ -2785,7 +2889,7 @@
               <a:buChar char="●"/>
               <a:defRPr/>
             </a:lvl4pPr>
-            <a:lvl5pPr indent="-317500" lvl="4" marL="2286000" rtl="0" algn="ctr">
+            <a:lvl5pPr marL="2286000" lvl="4" indent="-317500" algn="ctr" rtl="0">
               <a:spcBef>
                 <a:spcPts val="0"/>
               </a:spcBef>
@@ -2796,7 +2900,7 @@
               <a:buChar char="○"/>
               <a:defRPr/>
             </a:lvl5pPr>
-            <a:lvl6pPr indent="-317500" lvl="5" marL="2743200" rtl="0" algn="ctr">
+            <a:lvl6pPr marL="2743200" lvl="5" indent="-317500" algn="ctr" rtl="0">
               <a:spcBef>
                 <a:spcPts val="0"/>
               </a:spcBef>
@@ -2807,7 +2911,7 @@
               <a:buChar char="■"/>
               <a:defRPr/>
             </a:lvl6pPr>
-            <a:lvl7pPr indent="-317500" lvl="6" marL="3200400" rtl="0" algn="ctr">
+            <a:lvl7pPr marL="3200400" lvl="6" indent="-317500" algn="ctr" rtl="0">
               <a:spcBef>
                 <a:spcPts val="0"/>
               </a:spcBef>
@@ -2818,7 +2922,7 @@
               <a:buChar char="●"/>
               <a:defRPr/>
             </a:lvl7pPr>
-            <a:lvl8pPr indent="-317500" lvl="7" marL="3657600" rtl="0" algn="ctr">
+            <a:lvl8pPr marL="3657600" lvl="7" indent="-317500" algn="ctr" rtl="0">
               <a:spcBef>
                 <a:spcPts val="0"/>
               </a:spcBef>
@@ -2829,7 +2933,7 @@
               <a:buChar char="○"/>
               <a:defRPr/>
             </a:lvl8pPr>
-            <a:lvl9pPr indent="-317500" lvl="8" marL="4114800" rtl="0" algn="ctr">
+            <a:lvl9pPr marL="4114800" lvl="8" indent="-317500" algn="ctr" rtl="0">
               <a:spcBef>
                 <a:spcPts val="0"/>
               </a:spcBef>
@@ -2841,15 +2945,19 @@
               <a:defRPr/>
             </a:lvl9pPr>
           </a:lstStyle>
-          <a:p/>
+          <a:p>
+            <a:endParaRPr/>
+          </a:p>
         </p:txBody>
       </p:sp>
       <p:sp>
         <p:nvSpPr>
           <p:cNvPr id="47" name="Google Shape;47;p11"/>
-          <p:cNvSpPr txBox="1"/>
+          <p:cNvSpPr txBox="1">
+            <a:spLocks noGrp="1"/>
+          </p:cNvSpPr>
           <p:nvPr>
-            <p:ph idx="12" type="sldNum"/>
+            <p:ph type="sldNum" idx="12"/>
           </p:nvPr>
         </p:nvSpPr>
         <p:spPr>
@@ -2862,7 +2970,7 @@
           </a:prstGeom>
         </p:spPr>
         <p:txBody>
-          <a:bodyPr anchorCtr="0" anchor="ctr" bIns="91425" lIns="91425" spcFirstLastPara="1" rIns="91425" wrap="square" tIns="91425">
+          <a:bodyPr spcFirstLastPara="1" wrap="square" lIns="91425" tIns="91425" rIns="91425" bIns="91425" anchor="ctr" anchorCtr="0">
             <a:normAutofit/>
           </a:bodyPr>
           <a:lstStyle>
@@ -2904,7 +3012,7 @@
             </a:lvl9pPr>
           </a:lstStyle>
           <a:p>
-            <a:pPr indent="0" lvl="0" marL="0" rtl="0" algn="r">
+            <a:pPr marL="0" lvl="0" indent="0" algn="r" rtl="0">
               <a:spcBef>
                 <a:spcPts val="0"/>
               </a:spcBef>
@@ -2915,7 +3023,7 @@
             </a:pPr>
             <a:fld id="{00000000-1234-1234-1234-123412341234}" type="slidenum">
               <a:rPr lang="es"/>
-              <a:t>‹#›</a:t>
+              <a:t>‹Nº›</a:t>
             </a:fld>
             <a:endParaRPr/>
           </a:p>
@@ -2930,11 +3038,11 @@
 </file>
 
 <file path=ppt/slideLayouts/slideLayout11.xml><?xml version="1.0" encoding="utf-8"?>
-<p:sldLayout xmlns:a="http://schemas.openxmlformats.org/drawingml/2006/main" xmlns:r="http://schemas.openxmlformats.org/officeDocument/2006/relationships" xmlns:mc="http://schemas.openxmlformats.org/markup-compatibility/2006" xmlns:mv="urn:schemas-microsoft-com:mac:vml" xmlns:p="http://schemas.openxmlformats.org/presentationml/2006/main" xmlns:c="http://schemas.openxmlformats.org/drawingml/2006/chart" xmlns:dgm="http://schemas.openxmlformats.org/drawingml/2006/diagram" xmlns:o="urn:schemas-microsoft-com:office:office" xmlns:v="urn:schemas-microsoft-com:vml" xmlns:pvml="urn:schemas-microsoft-com:office:powerpoint" xmlns:com="http://schemas.openxmlformats.org/drawingml/2006/compatibility" xmlns:p14="http://schemas.microsoft.com/office/powerpoint/2010/main" xmlns:p15="http://schemas.microsoft.com/office/powerpoint/2012/main" xmlns:ahyp="http://schemas.microsoft.com/office/drawing/2018/hyperlinkcolor" matchingName="Blank" type="blank">
+<p:sldLayout xmlns:a="http://schemas.openxmlformats.org/drawingml/2006/main" xmlns:r="http://schemas.openxmlformats.org/officeDocument/2006/relationships" xmlns:p="http://schemas.openxmlformats.org/presentationml/2006/main" matchingName="Blank" type="blank">
   <p:cSld name="BLANK">
     <p:spTree>
       <p:nvGrpSpPr>
-        <p:cNvPr id="48" name="Shape 48"/>
+        <p:cNvPr id="1" name="Shape 48"/>
         <p:cNvGrpSpPr/>
         <p:nvPr/>
       </p:nvGrpSpPr>
@@ -2949,9 +3057,11 @@
       <p:sp>
         <p:nvSpPr>
           <p:cNvPr id="49" name="Google Shape;49;p12"/>
-          <p:cNvSpPr txBox="1"/>
+          <p:cNvSpPr txBox="1">
+            <a:spLocks noGrp="1"/>
+          </p:cNvSpPr>
           <p:nvPr>
-            <p:ph idx="12" type="sldNum"/>
+            <p:ph type="sldNum" idx="12"/>
           </p:nvPr>
         </p:nvSpPr>
         <p:spPr>
@@ -2964,7 +3074,7 @@
           </a:prstGeom>
         </p:spPr>
         <p:txBody>
-          <a:bodyPr anchorCtr="0" anchor="ctr" bIns="91425" lIns="91425" spcFirstLastPara="1" rIns="91425" wrap="square" tIns="91425">
+          <a:bodyPr spcFirstLastPara="1" wrap="square" lIns="91425" tIns="91425" rIns="91425" bIns="91425" anchor="ctr" anchorCtr="0">
             <a:normAutofit/>
           </a:bodyPr>
           <a:lstStyle>
@@ -3006,7 +3116,7 @@
             </a:lvl9pPr>
           </a:lstStyle>
           <a:p>
-            <a:pPr indent="0" lvl="0" marL="0" rtl="0" algn="r">
+            <a:pPr marL="0" lvl="0" indent="0" algn="r" rtl="0">
               <a:spcBef>
                 <a:spcPts val="0"/>
               </a:spcBef>
@@ -3017,7 +3127,7 @@
             </a:pPr>
             <a:fld id="{00000000-1234-1234-1234-123412341234}" type="slidenum">
               <a:rPr lang="es"/>
-              <a:t>‹#›</a:t>
+              <a:t>‹Nº›</a:t>
             </a:fld>
             <a:endParaRPr/>
           </a:p>
@@ -3032,11 +3142,11 @@
 </file>
 
 <file path=ppt/slideLayouts/slideLayout2.xml><?xml version="1.0" encoding="utf-8"?>
-<p:sldLayout xmlns:a="http://schemas.openxmlformats.org/drawingml/2006/main" xmlns:r="http://schemas.openxmlformats.org/officeDocument/2006/relationships" xmlns:mc="http://schemas.openxmlformats.org/markup-compatibility/2006" xmlns:mv="urn:schemas-microsoft-com:mac:vml" xmlns:p="http://schemas.openxmlformats.org/presentationml/2006/main" xmlns:c="http://schemas.openxmlformats.org/drawingml/2006/chart" xmlns:dgm="http://schemas.openxmlformats.org/drawingml/2006/diagram" xmlns:o="urn:schemas-microsoft-com:office:office" xmlns:v="urn:schemas-microsoft-com:vml" xmlns:pvml="urn:schemas-microsoft-com:office:powerpoint" xmlns:com="http://schemas.openxmlformats.org/drawingml/2006/compatibility" xmlns:p14="http://schemas.microsoft.com/office/powerpoint/2010/main" xmlns:p15="http://schemas.microsoft.com/office/powerpoint/2012/main" xmlns:ahyp="http://schemas.microsoft.com/office/drawing/2018/hyperlinkcolor" matchingName="Section header" type="secHead">
+<p:sldLayout xmlns:a="http://schemas.openxmlformats.org/drawingml/2006/main" xmlns:r="http://schemas.openxmlformats.org/officeDocument/2006/relationships" xmlns:p="http://schemas.openxmlformats.org/presentationml/2006/main" matchingName="Section header" type="secHead">
   <p:cSld name="SECTION_HEADER">
     <p:spTree>
       <p:nvGrpSpPr>
-        <p:cNvPr id="13" name="Shape 13"/>
+        <p:cNvPr id="1" name="Shape 13"/>
         <p:cNvGrpSpPr/>
         <p:nvPr/>
       </p:nvGrpSpPr>
@@ -3051,7 +3161,9 @@
       <p:sp>
         <p:nvSpPr>
           <p:cNvPr id="14" name="Google Shape;14;p3"/>
-          <p:cNvSpPr txBox="1"/>
+          <p:cNvSpPr txBox="1">
+            <a:spLocks noGrp="1"/>
+          </p:cNvSpPr>
           <p:nvPr>
             <p:ph type="title"/>
           </p:nvPr>
@@ -3066,11 +3178,11 @@
           </a:prstGeom>
         </p:spPr>
         <p:txBody>
-          <a:bodyPr anchorCtr="0" anchor="ctr" bIns="91425" lIns="91425" spcFirstLastPara="1" rIns="91425" wrap="square" tIns="91425">
+          <a:bodyPr spcFirstLastPara="1" wrap="square" lIns="91425" tIns="91425" rIns="91425" bIns="91425" anchor="ctr" anchorCtr="0">
             <a:normAutofit/>
           </a:bodyPr>
           <a:lstStyle>
-            <a:lvl1pPr lvl="0" rtl="0" algn="ctr">
+            <a:lvl1pPr lvl="0" algn="ctr" rtl="0">
               <a:spcBef>
                 <a:spcPts val="0"/>
               </a:spcBef>
@@ -3081,7 +3193,7 @@
               <a:buNone/>
               <a:defRPr sz="3600"/>
             </a:lvl1pPr>
-            <a:lvl2pPr lvl="1" rtl="0" algn="ctr">
+            <a:lvl2pPr lvl="1" algn="ctr" rtl="0">
               <a:spcBef>
                 <a:spcPts val="0"/>
               </a:spcBef>
@@ -3092,7 +3204,7 @@
               <a:buNone/>
               <a:defRPr sz="3600"/>
             </a:lvl2pPr>
-            <a:lvl3pPr lvl="2" rtl="0" algn="ctr">
+            <a:lvl3pPr lvl="2" algn="ctr" rtl="0">
               <a:spcBef>
                 <a:spcPts val="0"/>
               </a:spcBef>
@@ -3103,7 +3215,7 @@
               <a:buNone/>
               <a:defRPr sz="3600"/>
             </a:lvl3pPr>
-            <a:lvl4pPr lvl="3" rtl="0" algn="ctr">
+            <a:lvl4pPr lvl="3" algn="ctr" rtl="0">
               <a:spcBef>
                 <a:spcPts val="0"/>
               </a:spcBef>
@@ -3114,7 +3226,7 @@
               <a:buNone/>
               <a:defRPr sz="3600"/>
             </a:lvl4pPr>
-            <a:lvl5pPr lvl="4" rtl="0" algn="ctr">
+            <a:lvl5pPr lvl="4" algn="ctr" rtl="0">
               <a:spcBef>
                 <a:spcPts val="0"/>
               </a:spcBef>
@@ -3125,7 +3237,7 @@
               <a:buNone/>
               <a:defRPr sz="3600"/>
             </a:lvl5pPr>
-            <a:lvl6pPr lvl="5" rtl="0" algn="ctr">
+            <a:lvl6pPr lvl="5" algn="ctr" rtl="0">
               <a:spcBef>
                 <a:spcPts val="0"/>
               </a:spcBef>
@@ -3136,7 +3248,7 @@
               <a:buNone/>
               <a:defRPr sz="3600"/>
             </a:lvl6pPr>
-            <a:lvl7pPr lvl="6" rtl="0" algn="ctr">
+            <a:lvl7pPr lvl="6" algn="ctr" rtl="0">
               <a:spcBef>
                 <a:spcPts val="0"/>
               </a:spcBef>
@@ -3147,7 +3259,7 @@
               <a:buNone/>
               <a:defRPr sz="3600"/>
             </a:lvl7pPr>
-            <a:lvl8pPr lvl="7" rtl="0" algn="ctr">
+            <a:lvl8pPr lvl="7" algn="ctr" rtl="0">
               <a:spcBef>
                 <a:spcPts val="0"/>
               </a:spcBef>
@@ -3158,7 +3270,7 @@
               <a:buNone/>
               <a:defRPr sz="3600"/>
             </a:lvl8pPr>
-            <a:lvl9pPr lvl="8" rtl="0" algn="ctr">
+            <a:lvl9pPr lvl="8" algn="ctr" rtl="0">
               <a:spcBef>
                 <a:spcPts val="0"/>
               </a:spcBef>
@@ -3170,15 +3282,19 @@
               <a:defRPr sz="3600"/>
             </a:lvl9pPr>
           </a:lstStyle>
-          <a:p/>
+          <a:p>
+            <a:endParaRPr/>
+          </a:p>
         </p:txBody>
       </p:sp>
       <p:sp>
         <p:nvSpPr>
           <p:cNvPr id="15" name="Google Shape;15;p3"/>
-          <p:cNvSpPr txBox="1"/>
+          <p:cNvSpPr txBox="1">
+            <a:spLocks noGrp="1"/>
+          </p:cNvSpPr>
           <p:nvPr>
-            <p:ph idx="12" type="sldNum"/>
+            <p:ph type="sldNum" idx="12"/>
           </p:nvPr>
         </p:nvSpPr>
         <p:spPr>
@@ -3191,7 +3307,7 @@
           </a:prstGeom>
         </p:spPr>
         <p:txBody>
-          <a:bodyPr anchorCtr="0" anchor="ctr" bIns="91425" lIns="91425" spcFirstLastPara="1" rIns="91425" wrap="square" tIns="91425">
+          <a:bodyPr spcFirstLastPara="1" wrap="square" lIns="91425" tIns="91425" rIns="91425" bIns="91425" anchor="ctr" anchorCtr="0">
             <a:normAutofit/>
           </a:bodyPr>
           <a:lstStyle>
@@ -3233,7 +3349,7 @@
             </a:lvl9pPr>
           </a:lstStyle>
           <a:p>
-            <a:pPr indent="0" lvl="0" marL="0" rtl="0" algn="r">
+            <a:pPr marL="0" lvl="0" indent="0" algn="r" rtl="0">
               <a:spcBef>
                 <a:spcPts val="0"/>
               </a:spcBef>
@@ -3244,7 +3360,7 @@
             </a:pPr>
             <a:fld id="{00000000-1234-1234-1234-123412341234}" type="slidenum">
               <a:rPr lang="es"/>
-              <a:t>‹#›</a:t>
+              <a:t>‹Nº›</a:t>
             </a:fld>
             <a:endParaRPr/>
           </a:p>
@@ -3259,11 +3375,11 @@
 </file>
 
 <file path=ppt/slideLayouts/slideLayout3.xml><?xml version="1.0" encoding="utf-8"?>
-<p:sldLayout xmlns:a="http://schemas.openxmlformats.org/drawingml/2006/main" xmlns:r="http://schemas.openxmlformats.org/officeDocument/2006/relationships" xmlns:mc="http://schemas.openxmlformats.org/markup-compatibility/2006" xmlns:mv="urn:schemas-microsoft-com:mac:vml" xmlns:p="http://schemas.openxmlformats.org/presentationml/2006/main" xmlns:c="http://schemas.openxmlformats.org/drawingml/2006/chart" xmlns:dgm="http://schemas.openxmlformats.org/drawingml/2006/diagram" xmlns:o="urn:schemas-microsoft-com:office:office" xmlns:v="urn:schemas-microsoft-com:vml" xmlns:pvml="urn:schemas-microsoft-com:office:powerpoint" xmlns:com="http://schemas.openxmlformats.org/drawingml/2006/compatibility" xmlns:p14="http://schemas.microsoft.com/office/powerpoint/2010/main" xmlns:p15="http://schemas.microsoft.com/office/powerpoint/2012/main" xmlns:ahyp="http://schemas.microsoft.com/office/drawing/2018/hyperlinkcolor" matchingName="Title and body" type="tx">
+<p:sldLayout xmlns:a="http://schemas.openxmlformats.org/drawingml/2006/main" xmlns:r="http://schemas.openxmlformats.org/officeDocument/2006/relationships" xmlns:p="http://schemas.openxmlformats.org/presentationml/2006/main" matchingName="Title and body" type="tx">
   <p:cSld name="TITLE_AND_BODY">
     <p:spTree>
       <p:nvGrpSpPr>
-        <p:cNvPr id="16" name="Shape 16"/>
+        <p:cNvPr id="1" name="Shape 16"/>
         <p:cNvGrpSpPr/>
         <p:nvPr/>
       </p:nvGrpSpPr>
@@ -3278,7 +3394,9 @@
       <p:sp>
         <p:nvSpPr>
           <p:cNvPr id="17" name="Google Shape;17;p4"/>
-          <p:cNvSpPr txBox="1"/>
+          <p:cNvSpPr txBox="1">
+            <a:spLocks noGrp="1"/>
+          </p:cNvSpPr>
           <p:nvPr>
             <p:ph type="title"/>
           </p:nvPr>
@@ -3293,7 +3411,7 @@
           </a:prstGeom>
         </p:spPr>
         <p:txBody>
-          <a:bodyPr anchorCtr="0" anchor="t" bIns="91425" lIns="91425" spcFirstLastPara="1" rIns="91425" wrap="square" tIns="91425">
+          <a:bodyPr spcFirstLastPara="1" wrap="square" lIns="91425" tIns="91425" rIns="91425" bIns="91425" anchor="t" anchorCtr="0">
             <a:normAutofit/>
           </a:bodyPr>
           <a:lstStyle>
@@ -3397,15 +3515,19 @@
               <a:defRPr/>
             </a:lvl9pPr>
           </a:lstStyle>
-          <a:p/>
+          <a:p>
+            <a:endParaRPr/>
+          </a:p>
         </p:txBody>
       </p:sp>
       <p:sp>
         <p:nvSpPr>
           <p:cNvPr id="18" name="Google Shape;18;p4"/>
-          <p:cNvSpPr txBox="1"/>
+          <p:cNvSpPr txBox="1">
+            <a:spLocks noGrp="1"/>
+          </p:cNvSpPr>
           <p:nvPr>
-            <p:ph idx="1" type="body"/>
+            <p:ph type="body" idx="1"/>
           </p:nvPr>
         </p:nvSpPr>
         <p:spPr>
@@ -3418,11 +3540,11 @@
           </a:prstGeom>
         </p:spPr>
         <p:txBody>
-          <a:bodyPr anchorCtr="0" anchor="t" bIns="91425" lIns="91425" spcFirstLastPara="1" rIns="91425" wrap="square" tIns="91425">
+          <a:bodyPr spcFirstLastPara="1" wrap="square" lIns="91425" tIns="91425" rIns="91425" bIns="91425" anchor="t" anchorCtr="0">
             <a:normAutofit/>
           </a:bodyPr>
           <a:lstStyle>
-            <a:lvl1pPr indent="-342900" lvl="0" marL="457200" rtl="0">
+            <a:lvl1pPr marL="457200" lvl="0" indent="-342900" rtl="0">
               <a:spcBef>
                 <a:spcPts val="0"/>
               </a:spcBef>
@@ -3433,7 +3555,7 @@
               <a:buChar char="●"/>
               <a:defRPr/>
             </a:lvl1pPr>
-            <a:lvl2pPr indent="-317500" lvl="1" marL="914400" rtl="0">
+            <a:lvl2pPr marL="914400" lvl="1" indent="-317500" rtl="0">
               <a:spcBef>
                 <a:spcPts val="0"/>
               </a:spcBef>
@@ -3444,7 +3566,7 @@
               <a:buChar char="○"/>
               <a:defRPr/>
             </a:lvl2pPr>
-            <a:lvl3pPr indent="-317500" lvl="2" marL="1371600" rtl="0">
+            <a:lvl3pPr marL="1371600" lvl="2" indent="-317500" rtl="0">
               <a:spcBef>
                 <a:spcPts val="0"/>
               </a:spcBef>
@@ -3455,7 +3577,7 @@
               <a:buChar char="■"/>
               <a:defRPr/>
             </a:lvl3pPr>
-            <a:lvl4pPr indent="-317500" lvl="3" marL="1828800" rtl="0">
+            <a:lvl4pPr marL="1828800" lvl="3" indent="-317500" rtl="0">
               <a:spcBef>
                 <a:spcPts val="0"/>
               </a:spcBef>
@@ -3466,7 +3588,7 @@
               <a:buChar char="●"/>
               <a:defRPr/>
             </a:lvl4pPr>
-            <a:lvl5pPr indent="-317500" lvl="4" marL="2286000" rtl="0">
+            <a:lvl5pPr marL="2286000" lvl="4" indent="-317500" rtl="0">
               <a:spcBef>
                 <a:spcPts val="0"/>
               </a:spcBef>
@@ -3477,7 +3599,7 @@
               <a:buChar char="○"/>
               <a:defRPr/>
             </a:lvl5pPr>
-            <a:lvl6pPr indent="-317500" lvl="5" marL="2743200" rtl="0">
+            <a:lvl6pPr marL="2743200" lvl="5" indent="-317500" rtl="0">
               <a:spcBef>
                 <a:spcPts val="0"/>
               </a:spcBef>
@@ -3488,7 +3610,7 @@
               <a:buChar char="■"/>
               <a:defRPr/>
             </a:lvl6pPr>
-            <a:lvl7pPr indent="-317500" lvl="6" marL="3200400" rtl="0">
+            <a:lvl7pPr marL="3200400" lvl="6" indent="-317500" rtl="0">
               <a:spcBef>
                 <a:spcPts val="0"/>
               </a:spcBef>
@@ -3499,7 +3621,7 @@
               <a:buChar char="●"/>
               <a:defRPr/>
             </a:lvl7pPr>
-            <a:lvl8pPr indent="-317500" lvl="7" marL="3657600" rtl="0">
+            <a:lvl8pPr marL="3657600" lvl="7" indent="-317500" rtl="0">
               <a:spcBef>
                 <a:spcPts val="0"/>
               </a:spcBef>
@@ -3510,7 +3632,7 @@
               <a:buChar char="○"/>
               <a:defRPr/>
             </a:lvl8pPr>
-            <a:lvl9pPr indent="-317500" lvl="8" marL="4114800" rtl="0">
+            <a:lvl9pPr marL="4114800" lvl="8" indent="-317500" rtl="0">
               <a:spcBef>
                 <a:spcPts val="0"/>
               </a:spcBef>
@@ -3522,15 +3644,19 @@
               <a:defRPr/>
             </a:lvl9pPr>
           </a:lstStyle>
-          <a:p/>
+          <a:p>
+            <a:endParaRPr/>
+          </a:p>
         </p:txBody>
       </p:sp>
       <p:sp>
         <p:nvSpPr>
           <p:cNvPr id="19" name="Google Shape;19;p4"/>
-          <p:cNvSpPr txBox="1"/>
+          <p:cNvSpPr txBox="1">
+            <a:spLocks noGrp="1"/>
+          </p:cNvSpPr>
           <p:nvPr>
-            <p:ph idx="12" type="sldNum"/>
+            <p:ph type="sldNum" idx="12"/>
           </p:nvPr>
         </p:nvSpPr>
         <p:spPr>
@@ -3543,7 +3669,7 @@
           </a:prstGeom>
         </p:spPr>
         <p:txBody>
-          <a:bodyPr anchorCtr="0" anchor="ctr" bIns="91425" lIns="91425" spcFirstLastPara="1" rIns="91425" wrap="square" tIns="91425">
+          <a:bodyPr spcFirstLastPara="1" wrap="square" lIns="91425" tIns="91425" rIns="91425" bIns="91425" anchor="ctr" anchorCtr="0">
             <a:normAutofit/>
           </a:bodyPr>
           <a:lstStyle>
@@ -3585,7 +3711,7 @@
             </a:lvl9pPr>
           </a:lstStyle>
           <a:p>
-            <a:pPr indent="0" lvl="0" marL="0" rtl="0" algn="r">
+            <a:pPr marL="0" lvl="0" indent="0" algn="r" rtl="0">
               <a:spcBef>
                 <a:spcPts val="0"/>
               </a:spcBef>
@@ -3596,7 +3722,7 @@
             </a:pPr>
             <a:fld id="{00000000-1234-1234-1234-123412341234}" type="slidenum">
               <a:rPr lang="es"/>
-              <a:t>‹#›</a:t>
+              <a:t>‹Nº›</a:t>
             </a:fld>
             <a:endParaRPr/>
           </a:p>
@@ -3611,11 +3737,11 @@
 </file>
 
 <file path=ppt/slideLayouts/slideLayout4.xml><?xml version="1.0" encoding="utf-8"?>
-<p:sldLayout xmlns:a="http://schemas.openxmlformats.org/drawingml/2006/main" xmlns:r="http://schemas.openxmlformats.org/officeDocument/2006/relationships" xmlns:mc="http://schemas.openxmlformats.org/markup-compatibility/2006" xmlns:mv="urn:schemas-microsoft-com:mac:vml" xmlns:p="http://schemas.openxmlformats.org/presentationml/2006/main" xmlns:c="http://schemas.openxmlformats.org/drawingml/2006/chart" xmlns:dgm="http://schemas.openxmlformats.org/drawingml/2006/diagram" xmlns:o="urn:schemas-microsoft-com:office:office" xmlns:v="urn:schemas-microsoft-com:vml" xmlns:pvml="urn:schemas-microsoft-com:office:powerpoint" xmlns:com="http://schemas.openxmlformats.org/drawingml/2006/compatibility" xmlns:p14="http://schemas.microsoft.com/office/powerpoint/2010/main" xmlns:p15="http://schemas.microsoft.com/office/powerpoint/2012/main" xmlns:ahyp="http://schemas.microsoft.com/office/drawing/2018/hyperlinkcolor" matchingName="Title and two columns" type="twoColTx">
+<p:sldLayout xmlns:a="http://schemas.openxmlformats.org/drawingml/2006/main" xmlns:r="http://schemas.openxmlformats.org/officeDocument/2006/relationships" xmlns:p="http://schemas.openxmlformats.org/presentationml/2006/main" matchingName="Title and two columns" type="twoColTx">
   <p:cSld name="TITLE_AND_TWO_COLUMNS">
     <p:spTree>
       <p:nvGrpSpPr>
-        <p:cNvPr id="20" name="Shape 20"/>
+        <p:cNvPr id="1" name="Shape 20"/>
         <p:cNvGrpSpPr/>
         <p:nvPr/>
       </p:nvGrpSpPr>
@@ -3630,7 +3756,9 @@
       <p:sp>
         <p:nvSpPr>
           <p:cNvPr id="21" name="Google Shape;21;p5"/>
-          <p:cNvSpPr txBox="1"/>
+          <p:cNvSpPr txBox="1">
+            <a:spLocks noGrp="1"/>
+          </p:cNvSpPr>
           <p:nvPr>
             <p:ph type="title"/>
           </p:nvPr>
@@ -3645,7 +3773,7 @@
           </a:prstGeom>
         </p:spPr>
         <p:txBody>
-          <a:bodyPr anchorCtr="0" anchor="t" bIns="91425" lIns="91425" spcFirstLastPara="1" rIns="91425" wrap="square" tIns="91425">
+          <a:bodyPr spcFirstLastPara="1" wrap="square" lIns="91425" tIns="91425" rIns="91425" bIns="91425" anchor="t" anchorCtr="0">
             <a:normAutofit/>
           </a:bodyPr>
           <a:lstStyle>
@@ -3749,15 +3877,19 @@
               <a:defRPr/>
             </a:lvl9pPr>
           </a:lstStyle>
-          <a:p/>
+          <a:p>
+            <a:endParaRPr/>
+          </a:p>
         </p:txBody>
       </p:sp>
       <p:sp>
         <p:nvSpPr>
           <p:cNvPr id="22" name="Google Shape;22;p5"/>
-          <p:cNvSpPr txBox="1"/>
+          <p:cNvSpPr txBox="1">
+            <a:spLocks noGrp="1"/>
+          </p:cNvSpPr>
           <p:nvPr>
-            <p:ph idx="1" type="body"/>
+            <p:ph type="body" idx="1"/>
           </p:nvPr>
         </p:nvSpPr>
         <p:spPr>
@@ -3770,11 +3902,11 @@
           </a:prstGeom>
         </p:spPr>
         <p:txBody>
-          <a:bodyPr anchorCtr="0" anchor="t" bIns="91425" lIns="91425" spcFirstLastPara="1" rIns="91425" wrap="square" tIns="91425">
+          <a:bodyPr spcFirstLastPara="1" wrap="square" lIns="91425" tIns="91425" rIns="91425" bIns="91425" anchor="t" anchorCtr="0">
             <a:normAutofit/>
           </a:bodyPr>
           <a:lstStyle>
-            <a:lvl1pPr indent="-317500" lvl="0" marL="457200" rtl="0">
+            <a:lvl1pPr marL="457200" lvl="0" indent="-317500" rtl="0">
               <a:spcBef>
                 <a:spcPts val="0"/>
               </a:spcBef>
@@ -3785,7 +3917,7 @@
               <a:buChar char="●"/>
               <a:defRPr sz="1400"/>
             </a:lvl1pPr>
-            <a:lvl2pPr indent="-304800" lvl="1" marL="914400" rtl="0">
+            <a:lvl2pPr marL="914400" lvl="1" indent="-304800" rtl="0">
               <a:spcBef>
                 <a:spcPts val="0"/>
               </a:spcBef>
@@ -3796,7 +3928,7 @@
               <a:buChar char="○"/>
               <a:defRPr sz="1200"/>
             </a:lvl2pPr>
-            <a:lvl3pPr indent="-304800" lvl="2" marL="1371600" rtl="0">
+            <a:lvl3pPr marL="1371600" lvl="2" indent="-304800" rtl="0">
               <a:spcBef>
                 <a:spcPts val="0"/>
               </a:spcBef>
@@ -3807,7 +3939,7 @@
               <a:buChar char="■"/>
               <a:defRPr sz="1200"/>
             </a:lvl3pPr>
-            <a:lvl4pPr indent="-304800" lvl="3" marL="1828800" rtl="0">
+            <a:lvl4pPr marL="1828800" lvl="3" indent="-304800" rtl="0">
               <a:spcBef>
                 <a:spcPts val="0"/>
               </a:spcBef>
@@ -3818,7 +3950,7 @@
               <a:buChar char="●"/>
               <a:defRPr sz="1200"/>
             </a:lvl4pPr>
-            <a:lvl5pPr indent="-304800" lvl="4" marL="2286000" rtl="0">
+            <a:lvl5pPr marL="2286000" lvl="4" indent="-304800" rtl="0">
               <a:spcBef>
                 <a:spcPts val="0"/>
               </a:spcBef>
@@ -3829,7 +3961,7 @@
               <a:buChar char="○"/>
               <a:defRPr sz="1200"/>
             </a:lvl5pPr>
-            <a:lvl6pPr indent="-304800" lvl="5" marL="2743200" rtl="0">
+            <a:lvl6pPr marL="2743200" lvl="5" indent="-304800" rtl="0">
               <a:spcBef>
                 <a:spcPts val="0"/>
               </a:spcBef>
@@ -3840,7 +3972,7 @@
               <a:buChar char="■"/>
               <a:defRPr sz="1200"/>
             </a:lvl6pPr>
-            <a:lvl7pPr indent="-304800" lvl="6" marL="3200400" rtl="0">
+            <a:lvl7pPr marL="3200400" lvl="6" indent="-304800" rtl="0">
               <a:spcBef>
                 <a:spcPts val="0"/>
               </a:spcBef>
@@ -3851,7 +3983,7 @@
               <a:buChar char="●"/>
               <a:defRPr sz="1200"/>
             </a:lvl7pPr>
-            <a:lvl8pPr indent="-304800" lvl="7" marL="3657600" rtl="0">
+            <a:lvl8pPr marL="3657600" lvl="7" indent="-304800" rtl="0">
               <a:spcBef>
                 <a:spcPts val="0"/>
               </a:spcBef>
@@ -3862,7 +3994,7 @@
               <a:buChar char="○"/>
               <a:defRPr sz="1200"/>
             </a:lvl8pPr>
-            <a:lvl9pPr indent="-304800" lvl="8" marL="4114800" rtl="0">
+            <a:lvl9pPr marL="4114800" lvl="8" indent="-304800" rtl="0">
               <a:spcBef>
                 <a:spcPts val="0"/>
               </a:spcBef>
@@ -3874,15 +4006,19 @@
               <a:defRPr sz="1200"/>
             </a:lvl9pPr>
           </a:lstStyle>
-          <a:p/>
+          <a:p>
+            <a:endParaRPr/>
+          </a:p>
         </p:txBody>
       </p:sp>
       <p:sp>
         <p:nvSpPr>
           <p:cNvPr id="23" name="Google Shape;23;p5"/>
-          <p:cNvSpPr txBox="1"/>
+          <p:cNvSpPr txBox="1">
+            <a:spLocks noGrp="1"/>
+          </p:cNvSpPr>
           <p:nvPr>
-            <p:ph idx="2" type="body"/>
+            <p:ph type="body" idx="2"/>
           </p:nvPr>
         </p:nvSpPr>
         <p:spPr>
@@ -3895,11 +4031,11 @@
           </a:prstGeom>
         </p:spPr>
         <p:txBody>
-          <a:bodyPr anchorCtr="0" anchor="t" bIns="91425" lIns="91425" spcFirstLastPara="1" rIns="91425" wrap="square" tIns="91425">
+          <a:bodyPr spcFirstLastPara="1" wrap="square" lIns="91425" tIns="91425" rIns="91425" bIns="91425" anchor="t" anchorCtr="0">
             <a:normAutofit/>
           </a:bodyPr>
           <a:lstStyle>
-            <a:lvl1pPr indent="-317500" lvl="0" marL="457200" rtl="0">
+            <a:lvl1pPr marL="457200" lvl="0" indent="-317500" rtl="0">
               <a:spcBef>
                 <a:spcPts val="0"/>
               </a:spcBef>
@@ -3910,7 +4046,7 @@
               <a:buChar char="●"/>
               <a:defRPr sz="1400"/>
             </a:lvl1pPr>
-            <a:lvl2pPr indent="-304800" lvl="1" marL="914400" rtl="0">
+            <a:lvl2pPr marL="914400" lvl="1" indent="-304800" rtl="0">
               <a:spcBef>
                 <a:spcPts val="0"/>
               </a:spcBef>
@@ -3921,7 +4057,7 @@
               <a:buChar char="○"/>
               <a:defRPr sz="1200"/>
             </a:lvl2pPr>
-            <a:lvl3pPr indent="-304800" lvl="2" marL="1371600" rtl="0">
+            <a:lvl3pPr marL="1371600" lvl="2" indent="-304800" rtl="0">
               <a:spcBef>
                 <a:spcPts val="0"/>
               </a:spcBef>
@@ -3932,7 +4068,7 @@
               <a:buChar char="■"/>
               <a:defRPr sz="1200"/>
             </a:lvl3pPr>
-            <a:lvl4pPr indent="-304800" lvl="3" marL="1828800" rtl="0">
+            <a:lvl4pPr marL="1828800" lvl="3" indent="-304800" rtl="0">
               <a:spcBef>
                 <a:spcPts val="0"/>
               </a:spcBef>
@@ -3943,7 +4079,7 @@
               <a:buChar char="●"/>
               <a:defRPr sz="1200"/>
             </a:lvl4pPr>
-            <a:lvl5pPr indent="-304800" lvl="4" marL="2286000" rtl="0">
+            <a:lvl5pPr marL="2286000" lvl="4" indent="-304800" rtl="0">
               <a:spcBef>
                 <a:spcPts val="0"/>
               </a:spcBef>
@@ -3954,7 +4090,7 @@
               <a:buChar char="○"/>
               <a:defRPr sz="1200"/>
             </a:lvl5pPr>
-            <a:lvl6pPr indent="-304800" lvl="5" marL="2743200" rtl="0">
+            <a:lvl6pPr marL="2743200" lvl="5" indent="-304800" rtl="0">
               <a:spcBef>
                 <a:spcPts val="0"/>
               </a:spcBef>
@@ -3965,7 +4101,7 @@
               <a:buChar char="■"/>
               <a:defRPr sz="1200"/>
             </a:lvl6pPr>
-            <a:lvl7pPr indent="-304800" lvl="6" marL="3200400" rtl="0">
+            <a:lvl7pPr marL="3200400" lvl="6" indent="-304800" rtl="0">
               <a:spcBef>
                 <a:spcPts val="0"/>
               </a:spcBef>
@@ -3976,7 +4112,7 @@
               <a:buChar char="●"/>
               <a:defRPr sz="1200"/>
             </a:lvl7pPr>
-            <a:lvl8pPr indent="-304800" lvl="7" marL="3657600" rtl="0">
+            <a:lvl8pPr marL="3657600" lvl="7" indent="-304800" rtl="0">
               <a:spcBef>
                 <a:spcPts val="0"/>
               </a:spcBef>
@@ -3987,7 +4123,7 @@
               <a:buChar char="○"/>
               <a:defRPr sz="1200"/>
             </a:lvl8pPr>
-            <a:lvl9pPr indent="-304800" lvl="8" marL="4114800" rtl="0">
+            <a:lvl9pPr marL="4114800" lvl="8" indent="-304800" rtl="0">
               <a:spcBef>
                 <a:spcPts val="0"/>
               </a:spcBef>
@@ -3999,15 +4135,19 @@
               <a:defRPr sz="1200"/>
             </a:lvl9pPr>
           </a:lstStyle>
-          <a:p/>
+          <a:p>
+            <a:endParaRPr/>
+          </a:p>
         </p:txBody>
       </p:sp>
       <p:sp>
         <p:nvSpPr>
           <p:cNvPr id="24" name="Google Shape;24;p5"/>
-          <p:cNvSpPr txBox="1"/>
+          <p:cNvSpPr txBox="1">
+            <a:spLocks noGrp="1"/>
+          </p:cNvSpPr>
           <p:nvPr>
-            <p:ph idx="12" type="sldNum"/>
+            <p:ph type="sldNum" idx="12"/>
           </p:nvPr>
         </p:nvSpPr>
         <p:spPr>
@@ -4020,7 +4160,7 @@
           </a:prstGeom>
         </p:spPr>
         <p:txBody>
-          <a:bodyPr anchorCtr="0" anchor="ctr" bIns="91425" lIns="91425" spcFirstLastPara="1" rIns="91425" wrap="square" tIns="91425">
+          <a:bodyPr spcFirstLastPara="1" wrap="square" lIns="91425" tIns="91425" rIns="91425" bIns="91425" anchor="ctr" anchorCtr="0">
             <a:normAutofit/>
           </a:bodyPr>
           <a:lstStyle>
@@ -4062,7 +4202,7 @@
             </a:lvl9pPr>
           </a:lstStyle>
           <a:p>
-            <a:pPr indent="0" lvl="0" marL="0" rtl="0" algn="r">
+            <a:pPr marL="0" lvl="0" indent="0" algn="r" rtl="0">
               <a:spcBef>
                 <a:spcPts val="0"/>
               </a:spcBef>
@@ -4073,7 +4213,7 @@
             </a:pPr>
             <a:fld id="{00000000-1234-1234-1234-123412341234}" type="slidenum">
               <a:rPr lang="es"/>
-              <a:t>‹#›</a:t>
+              <a:t>‹Nº›</a:t>
             </a:fld>
             <a:endParaRPr/>
           </a:p>
@@ -4088,11 +4228,11 @@
 </file>
 
 <file path=ppt/slideLayouts/slideLayout5.xml><?xml version="1.0" encoding="utf-8"?>
-<p:sldLayout xmlns:a="http://schemas.openxmlformats.org/drawingml/2006/main" xmlns:r="http://schemas.openxmlformats.org/officeDocument/2006/relationships" xmlns:mc="http://schemas.openxmlformats.org/markup-compatibility/2006" xmlns:mv="urn:schemas-microsoft-com:mac:vml" xmlns:p="http://schemas.openxmlformats.org/presentationml/2006/main" xmlns:c="http://schemas.openxmlformats.org/drawingml/2006/chart" xmlns:dgm="http://schemas.openxmlformats.org/drawingml/2006/diagram" xmlns:o="urn:schemas-microsoft-com:office:office" xmlns:v="urn:schemas-microsoft-com:vml" xmlns:pvml="urn:schemas-microsoft-com:office:powerpoint" xmlns:com="http://schemas.openxmlformats.org/drawingml/2006/compatibility" xmlns:p14="http://schemas.microsoft.com/office/powerpoint/2010/main" xmlns:p15="http://schemas.microsoft.com/office/powerpoint/2012/main" xmlns:ahyp="http://schemas.microsoft.com/office/drawing/2018/hyperlinkcolor" matchingName="Title only" type="titleOnly">
+<p:sldLayout xmlns:a="http://schemas.openxmlformats.org/drawingml/2006/main" xmlns:r="http://schemas.openxmlformats.org/officeDocument/2006/relationships" xmlns:p="http://schemas.openxmlformats.org/presentationml/2006/main" matchingName="Title only" type="titleOnly">
   <p:cSld name="TITLE_ONLY">
     <p:spTree>
       <p:nvGrpSpPr>
-        <p:cNvPr id="25" name="Shape 25"/>
+        <p:cNvPr id="1" name="Shape 25"/>
         <p:cNvGrpSpPr/>
         <p:nvPr/>
       </p:nvGrpSpPr>
@@ -4107,7 +4247,9 @@
       <p:sp>
         <p:nvSpPr>
           <p:cNvPr id="26" name="Google Shape;26;p6"/>
-          <p:cNvSpPr txBox="1"/>
+          <p:cNvSpPr txBox="1">
+            <a:spLocks noGrp="1"/>
+          </p:cNvSpPr>
           <p:nvPr>
             <p:ph type="title"/>
           </p:nvPr>
@@ -4122,7 +4264,7 @@
           </a:prstGeom>
         </p:spPr>
         <p:txBody>
-          <a:bodyPr anchorCtr="0" anchor="t" bIns="91425" lIns="91425" spcFirstLastPara="1" rIns="91425" wrap="square" tIns="91425">
+          <a:bodyPr spcFirstLastPara="1" wrap="square" lIns="91425" tIns="91425" rIns="91425" bIns="91425" anchor="t" anchorCtr="0">
             <a:normAutofit/>
           </a:bodyPr>
           <a:lstStyle>
@@ -4226,15 +4368,19 @@
               <a:defRPr/>
             </a:lvl9pPr>
           </a:lstStyle>
-          <a:p/>
+          <a:p>
+            <a:endParaRPr/>
+          </a:p>
         </p:txBody>
       </p:sp>
       <p:sp>
         <p:nvSpPr>
           <p:cNvPr id="27" name="Google Shape;27;p6"/>
-          <p:cNvSpPr txBox="1"/>
+          <p:cNvSpPr txBox="1">
+            <a:spLocks noGrp="1"/>
+          </p:cNvSpPr>
           <p:nvPr>
-            <p:ph idx="12" type="sldNum"/>
+            <p:ph type="sldNum" idx="12"/>
           </p:nvPr>
         </p:nvSpPr>
         <p:spPr>
@@ -4247,7 +4393,7 @@
           </a:prstGeom>
         </p:spPr>
         <p:txBody>
-          <a:bodyPr anchorCtr="0" anchor="ctr" bIns="91425" lIns="91425" spcFirstLastPara="1" rIns="91425" wrap="square" tIns="91425">
+          <a:bodyPr spcFirstLastPara="1" wrap="square" lIns="91425" tIns="91425" rIns="91425" bIns="91425" anchor="ctr" anchorCtr="0">
             <a:normAutofit/>
           </a:bodyPr>
           <a:lstStyle>
@@ -4289,7 +4435,7 @@
             </a:lvl9pPr>
           </a:lstStyle>
           <a:p>
-            <a:pPr indent="0" lvl="0" marL="0" rtl="0" algn="r">
+            <a:pPr marL="0" lvl="0" indent="0" algn="r" rtl="0">
               <a:spcBef>
                 <a:spcPts val="0"/>
               </a:spcBef>
@@ -4300,7 +4446,7 @@
             </a:pPr>
             <a:fld id="{00000000-1234-1234-1234-123412341234}" type="slidenum">
               <a:rPr lang="es"/>
-              <a:t>‹#›</a:t>
+              <a:t>‹Nº›</a:t>
             </a:fld>
             <a:endParaRPr/>
           </a:p>
@@ -4315,11 +4461,11 @@
 </file>
 
 <file path=ppt/slideLayouts/slideLayout6.xml><?xml version="1.0" encoding="utf-8"?>
-<p:sldLayout xmlns:a="http://schemas.openxmlformats.org/drawingml/2006/main" xmlns:r="http://schemas.openxmlformats.org/officeDocument/2006/relationships" xmlns:mc="http://schemas.openxmlformats.org/markup-compatibility/2006" xmlns:mv="urn:schemas-microsoft-com:mac:vml" xmlns:p="http://schemas.openxmlformats.org/presentationml/2006/main" xmlns:c="http://schemas.openxmlformats.org/drawingml/2006/chart" xmlns:dgm="http://schemas.openxmlformats.org/drawingml/2006/diagram" xmlns:o="urn:schemas-microsoft-com:office:office" xmlns:v="urn:schemas-microsoft-com:vml" xmlns:pvml="urn:schemas-microsoft-com:office:powerpoint" xmlns:com="http://schemas.openxmlformats.org/drawingml/2006/compatibility" xmlns:p14="http://schemas.microsoft.com/office/powerpoint/2010/main" xmlns:p15="http://schemas.microsoft.com/office/powerpoint/2012/main" xmlns:ahyp="http://schemas.microsoft.com/office/drawing/2018/hyperlinkcolor" matchingName="One column text">
+<p:sldLayout xmlns:a="http://schemas.openxmlformats.org/drawingml/2006/main" xmlns:r="http://schemas.openxmlformats.org/officeDocument/2006/relationships" xmlns:p="http://schemas.openxmlformats.org/presentationml/2006/main" matchingName="One column text">
   <p:cSld name="ONE_COLUMN_TEXT">
     <p:spTree>
       <p:nvGrpSpPr>
-        <p:cNvPr id="28" name="Shape 28"/>
+        <p:cNvPr id="1" name="Shape 28"/>
         <p:cNvGrpSpPr/>
         <p:nvPr/>
       </p:nvGrpSpPr>
@@ -4334,7 +4480,9 @@
       <p:sp>
         <p:nvSpPr>
           <p:cNvPr id="29" name="Google Shape;29;p7"/>
-          <p:cNvSpPr txBox="1"/>
+          <p:cNvSpPr txBox="1">
+            <a:spLocks noGrp="1"/>
+          </p:cNvSpPr>
           <p:nvPr>
             <p:ph type="title"/>
           </p:nvPr>
@@ -4349,7 +4497,7 @@
           </a:prstGeom>
         </p:spPr>
         <p:txBody>
-          <a:bodyPr anchorCtr="0" anchor="b" bIns="91425" lIns="91425" spcFirstLastPara="1" rIns="91425" wrap="square" tIns="91425">
+          <a:bodyPr spcFirstLastPara="1" wrap="square" lIns="91425" tIns="91425" rIns="91425" bIns="91425" anchor="b" anchorCtr="0">
             <a:normAutofit/>
           </a:bodyPr>
           <a:lstStyle>
@@ -4453,15 +4601,19 @@
               <a:defRPr sz="2400"/>
             </a:lvl9pPr>
           </a:lstStyle>
-          <a:p/>
+          <a:p>
+            <a:endParaRPr/>
+          </a:p>
         </p:txBody>
       </p:sp>
       <p:sp>
         <p:nvSpPr>
           <p:cNvPr id="30" name="Google Shape;30;p7"/>
-          <p:cNvSpPr txBox="1"/>
+          <p:cNvSpPr txBox="1">
+            <a:spLocks noGrp="1"/>
+          </p:cNvSpPr>
           <p:nvPr>
-            <p:ph idx="1" type="body"/>
+            <p:ph type="body" idx="1"/>
           </p:nvPr>
         </p:nvSpPr>
         <p:spPr>
@@ -4474,11 +4626,11 @@
           </a:prstGeom>
         </p:spPr>
         <p:txBody>
-          <a:bodyPr anchorCtr="0" anchor="t" bIns="91425" lIns="91425" spcFirstLastPara="1" rIns="91425" wrap="square" tIns="91425">
+          <a:bodyPr spcFirstLastPara="1" wrap="square" lIns="91425" tIns="91425" rIns="91425" bIns="91425" anchor="t" anchorCtr="0">
             <a:normAutofit/>
           </a:bodyPr>
           <a:lstStyle>
-            <a:lvl1pPr indent="-304800" lvl="0" marL="457200" rtl="0">
+            <a:lvl1pPr marL="457200" lvl="0" indent="-304800" rtl="0">
               <a:spcBef>
                 <a:spcPts val="0"/>
               </a:spcBef>
@@ -4489,7 +4641,7 @@
               <a:buChar char="●"/>
               <a:defRPr sz="1200"/>
             </a:lvl1pPr>
-            <a:lvl2pPr indent="-304800" lvl="1" marL="914400" rtl="0">
+            <a:lvl2pPr marL="914400" lvl="1" indent="-304800" rtl="0">
               <a:spcBef>
                 <a:spcPts val="0"/>
               </a:spcBef>
@@ -4500,7 +4652,7 @@
               <a:buChar char="○"/>
               <a:defRPr sz="1200"/>
             </a:lvl2pPr>
-            <a:lvl3pPr indent="-304800" lvl="2" marL="1371600" rtl="0">
+            <a:lvl3pPr marL="1371600" lvl="2" indent="-304800" rtl="0">
               <a:spcBef>
                 <a:spcPts val="0"/>
               </a:spcBef>
@@ -4511,7 +4663,7 @@
               <a:buChar char="■"/>
               <a:defRPr sz="1200"/>
             </a:lvl3pPr>
-            <a:lvl4pPr indent="-304800" lvl="3" marL="1828800" rtl="0">
+            <a:lvl4pPr marL="1828800" lvl="3" indent="-304800" rtl="0">
               <a:spcBef>
                 <a:spcPts val="0"/>
               </a:spcBef>
@@ -4522,7 +4674,7 @@
               <a:buChar char="●"/>
               <a:defRPr sz="1200"/>
             </a:lvl4pPr>
-            <a:lvl5pPr indent="-304800" lvl="4" marL="2286000" rtl="0">
+            <a:lvl5pPr marL="2286000" lvl="4" indent="-304800" rtl="0">
               <a:spcBef>
                 <a:spcPts val="0"/>
               </a:spcBef>
@@ -4533,7 +4685,7 @@
               <a:buChar char="○"/>
               <a:defRPr sz="1200"/>
             </a:lvl5pPr>
-            <a:lvl6pPr indent="-304800" lvl="5" marL="2743200" rtl="0">
+            <a:lvl6pPr marL="2743200" lvl="5" indent="-304800" rtl="0">
               <a:spcBef>
                 <a:spcPts val="0"/>
               </a:spcBef>
@@ -4544,7 +4696,7 @@
               <a:buChar char="■"/>
               <a:defRPr sz="1200"/>
             </a:lvl6pPr>
-            <a:lvl7pPr indent="-304800" lvl="6" marL="3200400" rtl="0">
+            <a:lvl7pPr marL="3200400" lvl="6" indent="-304800" rtl="0">
               <a:spcBef>
                 <a:spcPts val="0"/>
               </a:spcBef>
@@ -4555,7 +4707,7 @@
               <a:buChar char="●"/>
               <a:defRPr sz="1200"/>
             </a:lvl7pPr>
-            <a:lvl8pPr indent="-304800" lvl="7" marL="3657600" rtl="0">
+            <a:lvl8pPr marL="3657600" lvl="7" indent="-304800" rtl="0">
               <a:spcBef>
                 <a:spcPts val="0"/>
               </a:spcBef>
@@ -4566,7 +4718,7 @@
               <a:buChar char="○"/>
               <a:defRPr sz="1200"/>
             </a:lvl8pPr>
-            <a:lvl9pPr indent="-304800" lvl="8" marL="4114800" rtl="0">
+            <a:lvl9pPr marL="4114800" lvl="8" indent="-304800" rtl="0">
               <a:spcBef>
                 <a:spcPts val="0"/>
               </a:spcBef>
@@ -4578,15 +4730,19 @@
               <a:defRPr sz="1200"/>
             </a:lvl9pPr>
           </a:lstStyle>
-          <a:p/>
+          <a:p>
+            <a:endParaRPr/>
+          </a:p>
         </p:txBody>
       </p:sp>
       <p:sp>
         <p:nvSpPr>
           <p:cNvPr id="31" name="Google Shape;31;p7"/>
-          <p:cNvSpPr txBox="1"/>
+          <p:cNvSpPr txBox="1">
+            <a:spLocks noGrp="1"/>
+          </p:cNvSpPr>
           <p:nvPr>
-            <p:ph idx="12" type="sldNum"/>
+            <p:ph type="sldNum" idx="12"/>
           </p:nvPr>
         </p:nvSpPr>
         <p:spPr>
@@ -4599,7 +4755,7 @@
           </a:prstGeom>
         </p:spPr>
         <p:txBody>
-          <a:bodyPr anchorCtr="0" anchor="ctr" bIns="91425" lIns="91425" spcFirstLastPara="1" rIns="91425" wrap="square" tIns="91425">
+          <a:bodyPr spcFirstLastPara="1" wrap="square" lIns="91425" tIns="91425" rIns="91425" bIns="91425" anchor="ctr" anchorCtr="0">
             <a:normAutofit/>
           </a:bodyPr>
           <a:lstStyle>
@@ -4641,7 +4797,7 @@
             </a:lvl9pPr>
           </a:lstStyle>
           <a:p>
-            <a:pPr indent="0" lvl="0" marL="0" rtl="0" algn="r">
+            <a:pPr marL="0" lvl="0" indent="0" algn="r" rtl="0">
               <a:spcBef>
                 <a:spcPts val="0"/>
               </a:spcBef>
@@ -4652,7 +4808,7 @@
             </a:pPr>
             <a:fld id="{00000000-1234-1234-1234-123412341234}" type="slidenum">
               <a:rPr lang="es"/>
-              <a:t>‹#›</a:t>
+              <a:t>‹Nº›</a:t>
             </a:fld>
             <a:endParaRPr/>
           </a:p>
@@ -4667,11 +4823,11 @@
 </file>
 
 <file path=ppt/slideLayouts/slideLayout7.xml><?xml version="1.0" encoding="utf-8"?>
-<p:sldLayout xmlns:a="http://schemas.openxmlformats.org/drawingml/2006/main" xmlns:r="http://schemas.openxmlformats.org/officeDocument/2006/relationships" xmlns:mc="http://schemas.openxmlformats.org/markup-compatibility/2006" xmlns:mv="urn:schemas-microsoft-com:mac:vml" xmlns:p="http://schemas.openxmlformats.org/presentationml/2006/main" xmlns:c="http://schemas.openxmlformats.org/drawingml/2006/chart" xmlns:dgm="http://schemas.openxmlformats.org/drawingml/2006/diagram" xmlns:o="urn:schemas-microsoft-com:office:office" xmlns:v="urn:schemas-microsoft-com:vml" xmlns:pvml="urn:schemas-microsoft-com:office:powerpoint" xmlns:com="http://schemas.openxmlformats.org/drawingml/2006/compatibility" xmlns:p14="http://schemas.microsoft.com/office/powerpoint/2010/main" xmlns:p15="http://schemas.microsoft.com/office/powerpoint/2012/main" xmlns:ahyp="http://schemas.microsoft.com/office/drawing/2018/hyperlinkcolor" matchingName="Main point">
+<p:sldLayout xmlns:a="http://schemas.openxmlformats.org/drawingml/2006/main" xmlns:r="http://schemas.openxmlformats.org/officeDocument/2006/relationships" xmlns:p="http://schemas.openxmlformats.org/presentationml/2006/main" matchingName="Main point">
   <p:cSld name="MAIN_POINT">
     <p:spTree>
       <p:nvGrpSpPr>
-        <p:cNvPr id="32" name="Shape 32"/>
+        <p:cNvPr id="1" name="Shape 32"/>
         <p:cNvGrpSpPr/>
         <p:nvPr/>
       </p:nvGrpSpPr>
@@ -4686,7 +4842,9 @@
       <p:sp>
         <p:nvSpPr>
           <p:cNvPr id="33" name="Google Shape;33;p8"/>
-          <p:cNvSpPr txBox="1"/>
+          <p:cNvSpPr txBox="1">
+            <a:spLocks noGrp="1"/>
+          </p:cNvSpPr>
           <p:nvPr>
             <p:ph type="title"/>
           </p:nvPr>
@@ -4701,7 +4859,7 @@
           </a:prstGeom>
         </p:spPr>
         <p:txBody>
-          <a:bodyPr anchorCtr="0" anchor="ctr" bIns="91425" lIns="91425" spcFirstLastPara="1" rIns="91425" wrap="square" tIns="91425">
+          <a:bodyPr spcFirstLastPara="1" wrap="square" lIns="91425" tIns="91425" rIns="91425" bIns="91425" anchor="ctr" anchorCtr="0">
             <a:normAutofit/>
           </a:bodyPr>
           <a:lstStyle>
@@ -4805,15 +4963,19 @@
               <a:defRPr sz="4800"/>
             </a:lvl9pPr>
           </a:lstStyle>
-          <a:p/>
+          <a:p>
+            <a:endParaRPr/>
+          </a:p>
         </p:txBody>
       </p:sp>
       <p:sp>
         <p:nvSpPr>
           <p:cNvPr id="34" name="Google Shape;34;p8"/>
-          <p:cNvSpPr txBox="1"/>
+          <p:cNvSpPr txBox="1">
+            <a:spLocks noGrp="1"/>
+          </p:cNvSpPr>
           <p:nvPr>
-            <p:ph idx="12" type="sldNum"/>
+            <p:ph type="sldNum" idx="12"/>
           </p:nvPr>
         </p:nvSpPr>
         <p:spPr>
@@ -4826,7 +4988,7 @@
           </a:prstGeom>
         </p:spPr>
         <p:txBody>
-          <a:bodyPr anchorCtr="0" anchor="ctr" bIns="91425" lIns="91425" spcFirstLastPara="1" rIns="91425" wrap="square" tIns="91425">
+          <a:bodyPr spcFirstLastPara="1" wrap="square" lIns="91425" tIns="91425" rIns="91425" bIns="91425" anchor="ctr" anchorCtr="0">
             <a:normAutofit/>
           </a:bodyPr>
           <a:lstStyle>
@@ -4868,7 +5030,7 @@
             </a:lvl9pPr>
           </a:lstStyle>
           <a:p>
-            <a:pPr indent="0" lvl="0" marL="0" rtl="0" algn="r">
+            <a:pPr marL="0" lvl="0" indent="0" algn="r" rtl="0">
               <a:spcBef>
                 <a:spcPts val="0"/>
               </a:spcBef>
@@ -4879,7 +5041,7 @@
             </a:pPr>
             <a:fld id="{00000000-1234-1234-1234-123412341234}" type="slidenum">
               <a:rPr lang="es"/>
-              <a:t>‹#›</a:t>
+              <a:t>‹Nº›</a:t>
             </a:fld>
             <a:endParaRPr/>
           </a:p>
@@ -4894,11 +5056,11 @@
 </file>
 
 <file path=ppt/slideLayouts/slideLayout8.xml><?xml version="1.0" encoding="utf-8"?>
-<p:sldLayout xmlns:a="http://schemas.openxmlformats.org/drawingml/2006/main" xmlns:r="http://schemas.openxmlformats.org/officeDocument/2006/relationships" xmlns:mc="http://schemas.openxmlformats.org/markup-compatibility/2006" xmlns:mv="urn:schemas-microsoft-com:mac:vml" xmlns:p="http://schemas.openxmlformats.org/presentationml/2006/main" xmlns:c="http://schemas.openxmlformats.org/drawingml/2006/chart" xmlns:dgm="http://schemas.openxmlformats.org/drawingml/2006/diagram" xmlns:o="urn:schemas-microsoft-com:office:office" xmlns:v="urn:schemas-microsoft-com:vml" xmlns:pvml="urn:schemas-microsoft-com:office:powerpoint" xmlns:com="http://schemas.openxmlformats.org/drawingml/2006/compatibility" xmlns:p14="http://schemas.microsoft.com/office/powerpoint/2010/main" xmlns:p15="http://schemas.microsoft.com/office/powerpoint/2012/main" xmlns:ahyp="http://schemas.microsoft.com/office/drawing/2018/hyperlinkcolor" matchingName="Section title and description">
+<p:sldLayout xmlns:a="http://schemas.openxmlformats.org/drawingml/2006/main" xmlns:r="http://schemas.openxmlformats.org/officeDocument/2006/relationships" xmlns:p="http://schemas.openxmlformats.org/presentationml/2006/main" matchingName="Section title and description">
   <p:cSld name="SECTION_TITLE_AND_DESCRIPTION">
     <p:spTree>
       <p:nvGrpSpPr>
-        <p:cNvPr id="35" name="Shape 35"/>
+        <p:cNvPr id="1" name="Shape 35"/>
         <p:cNvGrpSpPr/>
         <p:nvPr/>
       </p:nvGrpSpPr>
@@ -4932,12 +5094,12 @@
           </a:ln>
         </p:spPr>
         <p:txBody>
-          <a:bodyPr anchorCtr="0" anchor="ctr" bIns="91425" lIns="91425" spcFirstLastPara="1" rIns="91425" wrap="square" tIns="91425">
+          <a:bodyPr spcFirstLastPara="1" wrap="square" lIns="91425" tIns="91425" rIns="91425" bIns="91425" anchor="ctr" anchorCtr="0">
             <a:noAutofit/>
           </a:bodyPr>
           <a:lstStyle/>
           <a:p>
-            <a:pPr indent="0" lvl="0" marL="0" rtl="0" algn="l">
+            <a:pPr marL="0" lvl="0" indent="0" algn="l" rtl="0">
               <a:spcBef>
                 <a:spcPts val="0"/>
               </a:spcBef>
@@ -4946,9 +5108,6 @@
               </a:spcAft>
               <a:buNone/>
             </a:pPr>
-            <a:r>
-              <a:t/>
-            </a:r>
             <a:endParaRPr/>
           </a:p>
         </p:txBody>
@@ -4956,7 +5115,9 @@
       <p:sp>
         <p:nvSpPr>
           <p:cNvPr id="37" name="Google Shape;37;p9"/>
-          <p:cNvSpPr txBox="1"/>
+          <p:cNvSpPr txBox="1">
+            <a:spLocks noGrp="1"/>
+          </p:cNvSpPr>
           <p:nvPr>
             <p:ph type="title"/>
           </p:nvPr>
@@ -4971,11 +5132,11 @@
           </a:prstGeom>
         </p:spPr>
         <p:txBody>
-          <a:bodyPr anchorCtr="0" anchor="b" bIns="91425" lIns="91425" spcFirstLastPara="1" rIns="91425" wrap="square" tIns="91425">
+          <a:bodyPr spcFirstLastPara="1" wrap="square" lIns="91425" tIns="91425" rIns="91425" bIns="91425" anchor="b" anchorCtr="0">
             <a:normAutofit/>
           </a:bodyPr>
           <a:lstStyle>
-            <a:lvl1pPr lvl="0" rtl="0" algn="ctr">
+            <a:lvl1pPr lvl="0" algn="ctr" rtl="0">
               <a:spcBef>
                 <a:spcPts val="0"/>
               </a:spcBef>
@@ -4986,7 +5147,7 @@
               <a:buNone/>
               <a:defRPr sz="4200"/>
             </a:lvl1pPr>
-            <a:lvl2pPr lvl="1" rtl="0" algn="ctr">
+            <a:lvl2pPr lvl="1" algn="ctr" rtl="0">
               <a:spcBef>
                 <a:spcPts val="0"/>
               </a:spcBef>
@@ -4997,7 +5158,7 @@
               <a:buNone/>
               <a:defRPr sz="4200"/>
             </a:lvl2pPr>
-            <a:lvl3pPr lvl="2" rtl="0" algn="ctr">
+            <a:lvl3pPr lvl="2" algn="ctr" rtl="0">
               <a:spcBef>
                 <a:spcPts val="0"/>
               </a:spcBef>
@@ -5008,7 +5169,7 @@
               <a:buNone/>
               <a:defRPr sz="4200"/>
             </a:lvl3pPr>
-            <a:lvl4pPr lvl="3" rtl="0" algn="ctr">
+            <a:lvl4pPr lvl="3" algn="ctr" rtl="0">
               <a:spcBef>
                 <a:spcPts val="0"/>
               </a:spcBef>
@@ -5019,7 +5180,7 @@
               <a:buNone/>
               <a:defRPr sz="4200"/>
             </a:lvl4pPr>
-            <a:lvl5pPr lvl="4" rtl="0" algn="ctr">
+            <a:lvl5pPr lvl="4" algn="ctr" rtl="0">
               <a:spcBef>
                 <a:spcPts val="0"/>
               </a:spcBef>
@@ -5030,7 +5191,7 @@
               <a:buNone/>
               <a:defRPr sz="4200"/>
             </a:lvl5pPr>
-            <a:lvl6pPr lvl="5" rtl="0" algn="ctr">
+            <a:lvl6pPr lvl="5" algn="ctr" rtl="0">
               <a:spcBef>
                 <a:spcPts val="0"/>
               </a:spcBef>
@@ -5041,7 +5202,7 @@
               <a:buNone/>
               <a:defRPr sz="4200"/>
             </a:lvl6pPr>
-            <a:lvl7pPr lvl="6" rtl="0" algn="ctr">
+            <a:lvl7pPr lvl="6" algn="ctr" rtl="0">
               <a:spcBef>
                 <a:spcPts val="0"/>
               </a:spcBef>
@@ -5052,7 +5213,7 @@
               <a:buNone/>
               <a:defRPr sz="4200"/>
             </a:lvl7pPr>
-            <a:lvl8pPr lvl="7" rtl="0" algn="ctr">
+            <a:lvl8pPr lvl="7" algn="ctr" rtl="0">
               <a:spcBef>
                 <a:spcPts val="0"/>
               </a:spcBef>
@@ -5063,7 +5224,7 @@
               <a:buNone/>
               <a:defRPr sz="4200"/>
             </a:lvl8pPr>
-            <a:lvl9pPr lvl="8" rtl="0" algn="ctr">
+            <a:lvl9pPr lvl="8" algn="ctr" rtl="0">
               <a:spcBef>
                 <a:spcPts val="0"/>
               </a:spcBef>
@@ -5075,15 +5236,19 @@
               <a:defRPr sz="4200"/>
             </a:lvl9pPr>
           </a:lstStyle>
-          <a:p/>
+          <a:p>
+            <a:endParaRPr/>
+          </a:p>
         </p:txBody>
       </p:sp>
       <p:sp>
         <p:nvSpPr>
           <p:cNvPr id="38" name="Google Shape;38;p9"/>
-          <p:cNvSpPr txBox="1"/>
+          <p:cNvSpPr txBox="1">
+            <a:spLocks noGrp="1"/>
+          </p:cNvSpPr>
           <p:nvPr>
-            <p:ph idx="1" type="subTitle"/>
+            <p:ph type="subTitle" idx="1"/>
           </p:nvPr>
         </p:nvSpPr>
         <p:spPr>
@@ -5096,11 +5261,11 @@
           </a:prstGeom>
         </p:spPr>
         <p:txBody>
-          <a:bodyPr anchorCtr="0" anchor="t" bIns="91425" lIns="91425" spcFirstLastPara="1" rIns="91425" wrap="square" tIns="91425">
+          <a:bodyPr spcFirstLastPara="1" wrap="square" lIns="91425" tIns="91425" rIns="91425" bIns="91425" anchor="t" anchorCtr="0">
             <a:normAutofit/>
           </a:bodyPr>
           <a:lstStyle>
-            <a:lvl1pPr lvl="0" rtl="0" algn="ctr">
+            <a:lvl1pPr lvl="0" algn="ctr" rtl="0">
               <a:lnSpc>
                 <a:spcPct val="100000"/>
               </a:lnSpc>
@@ -5114,7 +5279,7 @@
               <a:buNone/>
               <a:defRPr sz="2100"/>
             </a:lvl1pPr>
-            <a:lvl2pPr lvl="1" rtl="0" algn="ctr">
+            <a:lvl2pPr lvl="1" algn="ctr" rtl="0">
               <a:lnSpc>
                 <a:spcPct val="100000"/>
               </a:lnSpc>
@@ -5128,7 +5293,7 @@
               <a:buNone/>
               <a:defRPr sz="2100"/>
             </a:lvl2pPr>
-            <a:lvl3pPr lvl="2" rtl="0" algn="ctr">
+            <a:lvl3pPr lvl="2" algn="ctr" rtl="0">
               <a:lnSpc>
                 <a:spcPct val="100000"/>
               </a:lnSpc>
@@ -5142,7 +5307,7 @@
               <a:buNone/>
               <a:defRPr sz="2100"/>
             </a:lvl3pPr>
-            <a:lvl4pPr lvl="3" rtl="0" algn="ctr">
+            <a:lvl4pPr lvl="3" algn="ctr" rtl="0">
               <a:lnSpc>
                 <a:spcPct val="100000"/>
               </a:lnSpc>
@@ -5156,7 +5321,7 @@
               <a:buNone/>
               <a:defRPr sz="2100"/>
             </a:lvl4pPr>
-            <a:lvl5pPr lvl="4" rtl="0" algn="ctr">
+            <a:lvl5pPr lvl="4" algn="ctr" rtl="0">
               <a:lnSpc>
                 <a:spcPct val="100000"/>
               </a:lnSpc>
@@ -5170,7 +5335,7 @@
               <a:buNone/>
               <a:defRPr sz="2100"/>
             </a:lvl5pPr>
-            <a:lvl6pPr lvl="5" rtl="0" algn="ctr">
+            <a:lvl6pPr lvl="5" algn="ctr" rtl="0">
               <a:lnSpc>
                 <a:spcPct val="100000"/>
               </a:lnSpc>
@@ -5184,7 +5349,7 @@
               <a:buNone/>
               <a:defRPr sz="2100"/>
             </a:lvl6pPr>
-            <a:lvl7pPr lvl="6" rtl="0" algn="ctr">
+            <a:lvl7pPr lvl="6" algn="ctr" rtl="0">
               <a:lnSpc>
                 <a:spcPct val="100000"/>
               </a:lnSpc>
@@ -5198,7 +5363,7 @@
               <a:buNone/>
               <a:defRPr sz="2100"/>
             </a:lvl7pPr>
-            <a:lvl8pPr lvl="7" rtl="0" algn="ctr">
+            <a:lvl8pPr lvl="7" algn="ctr" rtl="0">
               <a:lnSpc>
                 <a:spcPct val="100000"/>
               </a:lnSpc>
@@ -5212,7 +5377,7 @@
               <a:buNone/>
               <a:defRPr sz="2100"/>
             </a:lvl8pPr>
-            <a:lvl9pPr lvl="8" rtl="0" algn="ctr">
+            <a:lvl9pPr lvl="8" algn="ctr" rtl="0">
               <a:lnSpc>
                 <a:spcPct val="100000"/>
               </a:lnSpc>
@@ -5227,15 +5392,19 @@
               <a:defRPr sz="2100"/>
             </a:lvl9pPr>
           </a:lstStyle>
-          <a:p/>
+          <a:p>
+            <a:endParaRPr/>
+          </a:p>
         </p:txBody>
       </p:sp>
       <p:sp>
         <p:nvSpPr>
           <p:cNvPr id="39" name="Google Shape;39;p9"/>
-          <p:cNvSpPr txBox="1"/>
+          <p:cNvSpPr txBox="1">
+            <a:spLocks noGrp="1"/>
+          </p:cNvSpPr>
           <p:nvPr>
-            <p:ph idx="2" type="body"/>
+            <p:ph type="body" idx="2"/>
           </p:nvPr>
         </p:nvSpPr>
         <p:spPr>
@@ -5248,11 +5417,11 @@
           </a:prstGeom>
         </p:spPr>
         <p:txBody>
-          <a:bodyPr anchorCtr="0" anchor="ctr" bIns="91425" lIns="91425" spcFirstLastPara="1" rIns="91425" wrap="square" tIns="91425">
+          <a:bodyPr spcFirstLastPara="1" wrap="square" lIns="91425" tIns="91425" rIns="91425" bIns="91425" anchor="ctr" anchorCtr="0">
             <a:normAutofit/>
           </a:bodyPr>
           <a:lstStyle>
-            <a:lvl1pPr indent="-342900" lvl="0" marL="457200" rtl="0">
+            <a:lvl1pPr marL="457200" lvl="0" indent="-342900" rtl="0">
               <a:spcBef>
                 <a:spcPts val="0"/>
               </a:spcBef>
@@ -5263,7 +5432,7 @@
               <a:buChar char="●"/>
               <a:defRPr/>
             </a:lvl1pPr>
-            <a:lvl2pPr indent="-317500" lvl="1" marL="914400" rtl="0">
+            <a:lvl2pPr marL="914400" lvl="1" indent="-317500" rtl="0">
               <a:spcBef>
                 <a:spcPts val="0"/>
               </a:spcBef>
@@ -5274,7 +5443,7 @@
               <a:buChar char="○"/>
               <a:defRPr/>
             </a:lvl2pPr>
-            <a:lvl3pPr indent="-317500" lvl="2" marL="1371600" rtl="0">
+            <a:lvl3pPr marL="1371600" lvl="2" indent="-317500" rtl="0">
               <a:spcBef>
                 <a:spcPts val="0"/>
               </a:spcBef>
@@ -5285,7 +5454,7 @@
               <a:buChar char="■"/>
               <a:defRPr/>
             </a:lvl3pPr>
-            <a:lvl4pPr indent="-317500" lvl="3" marL="1828800" rtl="0">
+            <a:lvl4pPr marL="1828800" lvl="3" indent="-317500" rtl="0">
               <a:spcBef>
                 <a:spcPts val="0"/>
               </a:spcBef>
@@ -5296,7 +5465,7 @@
               <a:buChar char="●"/>
               <a:defRPr/>
             </a:lvl4pPr>
-            <a:lvl5pPr indent="-317500" lvl="4" marL="2286000" rtl="0">
+            <a:lvl5pPr marL="2286000" lvl="4" indent="-317500" rtl="0">
               <a:spcBef>
                 <a:spcPts val="0"/>
               </a:spcBef>
@@ -5307,7 +5476,7 @@
               <a:buChar char="○"/>
               <a:defRPr/>
             </a:lvl5pPr>
-            <a:lvl6pPr indent="-317500" lvl="5" marL="2743200" rtl="0">
+            <a:lvl6pPr marL="2743200" lvl="5" indent="-317500" rtl="0">
               <a:spcBef>
                 <a:spcPts val="0"/>
               </a:spcBef>
@@ -5318,7 +5487,7 @@
               <a:buChar char="■"/>
               <a:defRPr/>
             </a:lvl6pPr>
-            <a:lvl7pPr indent="-317500" lvl="6" marL="3200400" rtl="0">
+            <a:lvl7pPr marL="3200400" lvl="6" indent="-317500" rtl="0">
               <a:spcBef>
                 <a:spcPts val="0"/>
               </a:spcBef>
@@ -5329,7 +5498,7 @@
               <a:buChar char="●"/>
               <a:defRPr/>
             </a:lvl7pPr>
-            <a:lvl8pPr indent="-317500" lvl="7" marL="3657600" rtl="0">
+            <a:lvl8pPr marL="3657600" lvl="7" indent="-317500" rtl="0">
               <a:spcBef>
                 <a:spcPts val="0"/>
               </a:spcBef>
@@ -5340,7 +5509,7 @@
               <a:buChar char="○"/>
               <a:defRPr/>
             </a:lvl8pPr>
-            <a:lvl9pPr indent="-317500" lvl="8" marL="4114800" rtl="0">
+            <a:lvl9pPr marL="4114800" lvl="8" indent="-317500" rtl="0">
               <a:spcBef>
                 <a:spcPts val="0"/>
               </a:spcBef>
@@ -5352,15 +5521,19 @@
               <a:defRPr/>
             </a:lvl9pPr>
           </a:lstStyle>
-          <a:p/>
+          <a:p>
+            <a:endParaRPr/>
+          </a:p>
         </p:txBody>
       </p:sp>
       <p:sp>
         <p:nvSpPr>
           <p:cNvPr id="40" name="Google Shape;40;p9"/>
-          <p:cNvSpPr txBox="1"/>
+          <p:cNvSpPr txBox="1">
+            <a:spLocks noGrp="1"/>
+          </p:cNvSpPr>
           <p:nvPr>
-            <p:ph idx="12" type="sldNum"/>
+            <p:ph type="sldNum" idx="12"/>
           </p:nvPr>
         </p:nvSpPr>
         <p:spPr>
@@ -5373,7 +5546,7 @@
           </a:prstGeom>
         </p:spPr>
         <p:txBody>
-          <a:bodyPr anchorCtr="0" anchor="ctr" bIns="91425" lIns="91425" spcFirstLastPara="1" rIns="91425" wrap="square" tIns="91425">
+          <a:bodyPr spcFirstLastPara="1" wrap="square" lIns="91425" tIns="91425" rIns="91425" bIns="91425" anchor="ctr" anchorCtr="0">
             <a:normAutofit/>
           </a:bodyPr>
           <a:lstStyle>
@@ -5415,7 +5588,7 @@
             </a:lvl9pPr>
           </a:lstStyle>
           <a:p>
-            <a:pPr indent="0" lvl="0" marL="0" rtl="0" algn="r">
+            <a:pPr marL="0" lvl="0" indent="0" algn="r" rtl="0">
               <a:spcBef>
                 <a:spcPts val="0"/>
               </a:spcBef>
@@ -5426,7 +5599,7 @@
             </a:pPr>
             <a:fld id="{00000000-1234-1234-1234-123412341234}" type="slidenum">
               <a:rPr lang="es"/>
-              <a:t>‹#›</a:t>
+              <a:t>‹Nº›</a:t>
             </a:fld>
             <a:endParaRPr/>
           </a:p>
@@ -5441,11 +5614,11 @@
 </file>
 
 <file path=ppt/slideLayouts/slideLayout9.xml><?xml version="1.0" encoding="utf-8"?>
-<p:sldLayout xmlns:a="http://schemas.openxmlformats.org/drawingml/2006/main" xmlns:r="http://schemas.openxmlformats.org/officeDocument/2006/relationships" xmlns:mc="http://schemas.openxmlformats.org/markup-compatibility/2006" xmlns:mv="urn:schemas-microsoft-com:mac:vml" xmlns:p="http://schemas.openxmlformats.org/presentationml/2006/main" xmlns:c="http://schemas.openxmlformats.org/drawingml/2006/chart" xmlns:dgm="http://schemas.openxmlformats.org/drawingml/2006/diagram" xmlns:o="urn:schemas-microsoft-com:office:office" xmlns:v="urn:schemas-microsoft-com:vml" xmlns:pvml="urn:schemas-microsoft-com:office:powerpoint" xmlns:com="http://schemas.openxmlformats.org/drawingml/2006/compatibility" xmlns:p14="http://schemas.microsoft.com/office/powerpoint/2010/main" xmlns:p15="http://schemas.microsoft.com/office/powerpoint/2012/main" xmlns:ahyp="http://schemas.microsoft.com/office/drawing/2018/hyperlinkcolor" matchingName="Caption">
+<p:sldLayout xmlns:a="http://schemas.openxmlformats.org/drawingml/2006/main" xmlns:r="http://schemas.openxmlformats.org/officeDocument/2006/relationships" xmlns:p="http://schemas.openxmlformats.org/presentationml/2006/main" matchingName="Caption">
   <p:cSld name="CAPTION_ONLY">
     <p:spTree>
       <p:nvGrpSpPr>
-        <p:cNvPr id="41" name="Shape 41"/>
+        <p:cNvPr id="1" name="Shape 41"/>
         <p:cNvGrpSpPr/>
         <p:nvPr/>
       </p:nvGrpSpPr>
@@ -5460,9 +5633,11 @@
       <p:sp>
         <p:nvSpPr>
           <p:cNvPr id="42" name="Google Shape;42;p10"/>
-          <p:cNvSpPr txBox="1"/>
+          <p:cNvSpPr txBox="1">
+            <a:spLocks noGrp="1"/>
+          </p:cNvSpPr>
           <p:nvPr>
-            <p:ph idx="1" type="body"/>
+            <p:ph type="body" idx="1"/>
           </p:nvPr>
         </p:nvSpPr>
         <p:spPr>
@@ -5475,11 +5650,11 @@
           </a:prstGeom>
         </p:spPr>
         <p:txBody>
-          <a:bodyPr anchorCtr="0" anchor="ctr" bIns="91425" lIns="91425" spcFirstLastPara="1" rIns="91425" wrap="square" tIns="91425">
+          <a:bodyPr spcFirstLastPara="1" wrap="square" lIns="91425" tIns="91425" rIns="91425" bIns="91425" anchor="ctr" anchorCtr="0">
             <a:normAutofit/>
           </a:bodyPr>
           <a:lstStyle>
-            <a:lvl1pPr indent="-228600" lvl="0" marL="457200" rtl="0">
+            <a:lvl1pPr marL="457200" lvl="0" indent="-228600" rtl="0">
               <a:lnSpc>
                 <a:spcPct val="100000"/>
               </a:lnSpc>
@@ -5494,15 +5669,19 @@
               <a:defRPr/>
             </a:lvl1pPr>
           </a:lstStyle>
-          <a:p/>
+          <a:p>
+            <a:endParaRPr/>
+          </a:p>
         </p:txBody>
       </p:sp>
       <p:sp>
         <p:nvSpPr>
           <p:cNvPr id="43" name="Google Shape;43;p10"/>
-          <p:cNvSpPr txBox="1"/>
+          <p:cNvSpPr txBox="1">
+            <a:spLocks noGrp="1"/>
+          </p:cNvSpPr>
           <p:nvPr>
-            <p:ph idx="12" type="sldNum"/>
+            <p:ph type="sldNum" idx="12"/>
           </p:nvPr>
         </p:nvSpPr>
         <p:spPr>
@@ -5515,7 +5694,7 @@
           </a:prstGeom>
         </p:spPr>
         <p:txBody>
-          <a:bodyPr anchorCtr="0" anchor="ctr" bIns="91425" lIns="91425" spcFirstLastPara="1" rIns="91425" wrap="square" tIns="91425">
+          <a:bodyPr spcFirstLastPara="1" wrap="square" lIns="91425" tIns="91425" rIns="91425" bIns="91425" anchor="ctr" anchorCtr="0">
             <a:normAutofit/>
           </a:bodyPr>
           <a:lstStyle>
@@ -5557,7 +5736,7 @@
             </a:lvl9pPr>
           </a:lstStyle>
           <a:p>
-            <a:pPr indent="0" lvl="0" marL="0" rtl="0" algn="r">
+            <a:pPr marL="0" lvl="0" indent="0" algn="r" rtl="0">
               <a:spcBef>
                 <a:spcPts val="0"/>
               </a:spcBef>
@@ -5568,7 +5747,7 @@
             </a:pPr>
             <a:fld id="{00000000-1234-1234-1234-123412341234}" type="slidenum">
               <a:rPr lang="es"/>
-              <a:t>‹#›</a:t>
+              <a:t>‹Nº›</a:t>
             </a:fld>
             <a:endParaRPr/>
           </a:p>
@@ -5583,18 +5762,19 @@
 </file>
 
 <file path=ppt/slideMasters/slideMaster1.xml><?xml version="1.0" encoding="utf-8"?>
-<p:sldMaster xmlns:a="http://schemas.openxmlformats.org/drawingml/2006/main" xmlns:r="http://schemas.openxmlformats.org/officeDocument/2006/relationships" xmlns:mc="http://schemas.openxmlformats.org/markup-compatibility/2006" xmlns:mv="urn:schemas-microsoft-com:mac:vml" xmlns:p="http://schemas.openxmlformats.org/presentationml/2006/main" xmlns:c="http://schemas.openxmlformats.org/drawingml/2006/chart" xmlns:dgm="http://schemas.openxmlformats.org/drawingml/2006/diagram" xmlns:o="urn:schemas-microsoft-com:office:office" xmlns:v="urn:schemas-microsoft-com:vml" xmlns:pvml="urn:schemas-microsoft-com:office:powerpoint" xmlns:com="http://schemas.openxmlformats.org/drawingml/2006/compatibility" xmlns:p14="http://schemas.microsoft.com/office/powerpoint/2010/main" xmlns:p15="http://schemas.microsoft.com/office/powerpoint/2012/main" xmlns:ahyp="http://schemas.microsoft.com/office/drawing/2018/hyperlinkcolor">
+<p:sldMaster xmlns:a="http://schemas.openxmlformats.org/drawingml/2006/main" xmlns:r="http://schemas.openxmlformats.org/officeDocument/2006/relationships" xmlns:p="http://schemas.openxmlformats.org/presentationml/2006/main">
   <p:cSld name="simple-light-2">
     <p:bg>
       <p:bgPr>
         <a:solidFill>
           <a:schemeClr val="lt1"/>
         </a:solidFill>
+        <a:effectLst/>
       </p:bgPr>
     </p:bg>
     <p:spTree>
       <p:nvGrpSpPr>
-        <p:cNvPr id="5" name="Shape 5"/>
+        <p:cNvPr id="1" name="Shape 5"/>
         <p:cNvGrpSpPr/>
         <p:nvPr/>
       </p:nvGrpSpPr>
@@ -5609,7 +5789,9 @@
       <p:sp>
         <p:nvSpPr>
           <p:cNvPr id="6" name="Google Shape;6;p1"/>
-          <p:cNvSpPr txBox="1"/>
+          <p:cNvSpPr txBox="1">
+            <a:spLocks noGrp="1"/>
+          </p:cNvSpPr>
           <p:nvPr>
             <p:ph type="title"/>
           </p:nvPr>
@@ -5628,7 +5810,7 @@
           </a:ln>
         </p:spPr>
         <p:txBody>
-          <a:bodyPr anchorCtr="0" anchor="t" bIns="91425" lIns="91425" spcFirstLastPara="1" rIns="91425" wrap="square" tIns="91425">
+          <a:bodyPr spcFirstLastPara="1" wrap="square" lIns="91425" tIns="91425" rIns="91425" bIns="91425" anchor="t" anchorCtr="0">
             <a:normAutofit/>
           </a:bodyPr>
           <a:lstStyle>
@@ -5795,15 +5977,19 @@
               </a:defRPr>
             </a:lvl9pPr>
           </a:lstStyle>
-          <a:p/>
+          <a:p>
+            <a:endParaRPr/>
+          </a:p>
         </p:txBody>
       </p:sp>
       <p:sp>
         <p:nvSpPr>
           <p:cNvPr id="7" name="Google Shape;7;p1"/>
-          <p:cNvSpPr txBox="1"/>
+          <p:cNvSpPr txBox="1">
+            <a:spLocks noGrp="1"/>
+          </p:cNvSpPr>
           <p:nvPr>
-            <p:ph idx="1" type="body"/>
+            <p:ph type="body" idx="1"/>
           </p:nvPr>
         </p:nvSpPr>
         <p:spPr>
@@ -5820,11 +6006,11 @@
           </a:ln>
         </p:spPr>
         <p:txBody>
-          <a:bodyPr anchorCtr="0" anchor="t" bIns="91425" lIns="91425" spcFirstLastPara="1" rIns="91425" wrap="square" tIns="91425">
+          <a:bodyPr spcFirstLastPara="1" wrap="square" lIns="91425" tIns="91425" rIns="91425" bIns="91425" anchor="t" anchorCtr="0">
             <a:normAutofit/>
           </a:bodyPr>
           <a:lstStyle>
-            <a:lvl1pPr indent="-342900" lvl="0" marL="457200" rtl="0">
+            <a:lvl1pPr marL="457200" lvl="0" indent="-342900" rtl="0">
               <a:lnSpc>
                 <a:spcPct val="115000"/>
               </a:lnSpc>
@@ -5845,7 +6031,7 @@
                 </a:solidFill>
               </a:defRPr>
             </a:lvl1pPr>
-            <a:lvl2pPr indent="-317500" lvl="1" marL="914400" rtl="0">
+            <a:lvl2pPr marL="914400" lvl="1" indent="-317500" rtl="0">
               <a:lnSpc>
                 <a:spcPct val="115000"/>
               </a:lnSpc>
@@ -5866,7 +6052,7 @@
                 </a:solidFill>
               </a:defRPr>
             </a:lvl2pPr>
-            <a:lvl3pPr indent="-317500" lvl="2" marL="1371600" rtl="0">
+            <a:lvl3pPr marL="1371600" lvl="2" indent="-317500" rtl="0">
               <a:lnSpc>
                 <a:spcPct val="115000"/>
               </a:lnSpc>
@@ -5887,7 +6073,7 @@
                 </a:solidFill>
               </a:defRPr>
             </a:lvl3pPr>
-            <a:lvl4pPr indent="-317500" lvl="3" marL="1828800" rtl="0">
+            <a:lvl4pPr marL="1828800" lvl="3" indent="-317500" rtl="0">
               <a:lnSpc>
                 <a:spcPct val="115000"/>
               </a:lnSpc>
@@ -5908,7 +6094,7 @@
                 </a:solidFill>
               </a:defRPr>
             </a:lvl4pPr>
-            <a:lvl5pPr indent="-317500" lvl="4" marL="2286000" rtl="0">
+            <a:lvl5pPr marL="2286000" lvl="4" indent="-317500" rtl="0">
               <a:lnSpc>
                 <a:spcPct val="115000"/>
               </a:lnSpc>
@@ -5929,7 +6115,7 @@
                 </a:solidFill>
               </a:defRPr>
             </a:lvl5pPr>
-            <a:lvl6pPr indent="-317500" lvl="5" marL="2743200" rtl="0">
+            <a:lvl6pPr marL="2743200" lvl="5" indent="-317500" rtl="0">
               <a:lnSpc>
                 <a:spcPct val="115000"/>
               </a:lnSpc>
@@ -5950,7 +6136,7 @@
                 </a:solidFill>
               </a:defRPr>
             </a:lvl6pPr>
-            <a:lvl7pPr indent="-317500" lvl="6" marL="3200400" rtl="0">
+            <a:lvl7pPr marL="3200400" lvl="6" indent="-317500" rtl="0">
               <a:lnSpc>
                 <a:spcPct val="115000"/>
               </a:lnSpc>
@@ -5971,7 +6157,7 @@
                 </a:solidFill>
               </a:defRPr>
             </a:lvl7pPr>
-            <a:lvl8pPr indent="-317500" lvl="7" marL="3657600" rtl="0">
+            <a:lvl8pPr marL="3657600" lvl="7" indent="-317500" rtl="0">
               <a:lnSpc>
                 <a:spcPct val="115000"/>
               </a:lnSpc>
@@ -5992,7 +6178,7 @@
                 </a:solidFill>
               </a:defRPr>
             </a:lvl8pPr>
-            <a:lvl9pPr indent="-317500" lvl="8" marL="4114800" rtl="0">
+            <a:lvl9pPr marL="4114800" lvl="8" indent="-317500" rtl="0">
               <a:lnSpc>
                 <a:spcPct val="115000"/>
               </a:lnSpc>
@@ -6014,15 +6200,19 @@
               </a:defRPr>
             </a:lvl9pPr>
           </a:lstStyle>
-          <a:p/>
+          <a:p>
+            <a:endParaRPr/>
+          </a:p>
         </p:txBody>
       </p:sp>
       <p:sp>
         <p:nvSpPr>
           <p:cNvPr id="8" name="Google Shape;8;p1"/>
-          <p:cNvSpPr txBox="1"/>
+          <p:cNvSpPr txBox="1">
+            <a:spLocks noGrp="1"/>
+          </p:cNvSpPr>
           <p:nvPr>
-            <p:ph idx="12" type="sldNum"/>
+            <p:ph type="sldNum" idx="12"/>
           </p:nvPr>
         </p:nvSpPr>
         <p:spPr>
@@ -6039,11 +6229,11 @@
           </a:ln>
         </p:spPr>
         <p:txBody>
-          <a:bodyPr anchorCtr="0" anchor="ctr" bIns="91425" lIns="91425" spcFirstLastPara="1" rIns="91425" wrap="square" tIns="91425">
+          <a:bodyPr spcFirstLastPara="1" wrap="square" lIns="91425" tIns="91425" rIns="91425" bIns="91425" anchor="ctr" anchorCtr="0">
             <a:normAutofit/>
           </a:bodyPr>
           <a:lstStyle>
-            <a:lvl1pPr lvl="0" rtl="0" algn="r">
+            <a:lvl1pPr lvl="0" algn="r" rtl="0">
               <a:buNone/>
               <a:defRPr sz="1000">
                 <a:solidFill>
@@ -6051,7 +6241,7 @@
                 </a:solidFill>
               </a:defRPr>
             </a:lvl1pPr>
-            <a:lvl2pPr lvl="1" rtl="0" algn="r">
+            <a:lvl2pPr lvl="1" algn="r" rtl="0">
               <a:buNone/>
               <a:defRPr sz="1000">
                 <a:solidFill>
@@ -6059,7 +6249,7 @@
                 </a:solidFill>
               </a:defRPr>
             </a:lvl2pPr>
-            <a:lvl3pPr lvl="2" rtl="0" algn="r">
+            <a:lvl3pPr lvl="2" algn="r" rtl="0">
               <a:buNone/>
               <a:defRPr sz="1000">
                 <a:solidFill>
@@ -6067,7 +6257,7 @@
                 </a:solidFill>
               </a:defRPr>
             </a:lvl3pPr>
-            <a:lvl4pPr lvl="3" rtl="0" algn="r">
+            <a:lvl4pPr lvl="3" algn="r" rtl="0">
               <a:buNone/>
               <a:defRPr sz="1000">
                 <a:solidFill>
@@ -6075,7 +6265,7 @@
                 </a:solidFill>
               </a:defRPr>
             </a:lvl4pPr>
-            <a:lvl5pPr lvl="4" rtl="0" algn="r">
+            <a:lvl5pPr lvl="4" algn="r" rtl="0">
               <a:buNone/>
               <a:defRPr sz="1000">
                 <a:solidFill>
@@ -6083,7 +6273,7 @@
                 </a:solidFill>
               </a:defRPr>
             </a:lvl5pPr>
-            <a:lvl6pPr lvl="5" rtl="0" algn="r">
+            <a:lvl6pPr lvl="5" algn="r" rtl="0">
               <a:buNone/>
               <a:defRPr sz="1000">
                 <a:solidFill>
@@ -6091,7 +6281,7 @@
                 </a:solidFill>
               </a:defRPr>
             </a:lvl6pPr>
-            <a:lvl7pPr lvl="6" rtl="0" algn="r">
+            <a:lvl7pPr lvl="6" algn="r" rtl="0">
               <a:buNone/>
               <a:defRPr sz="1000">
                 <a:solidFill>
@@ -6099,7 +6289,7 @@
                 </a:solidFill>
               </a:defRPr>
             </a:lvl7pPr>
-            <a:lvl8pPr lvl="7" rtl="0" algn="r">
+            <a:lvl8pPr lvl="7" algn="r" rtl="0">
               <a:buNone/>
               <a:defRPr sz="1000">
                 <a:solidFill>
@@ -6107,7 +6297,7 @@
                 </a:solidFill>
               </a:defRPr>
             </a:lvl8pPr>
-            <a:lvl9pPr lvl="8" rtl="0" algn="r">
+            <a:lvl9pPr lvl="8" algn="r" rtl="0">
               <a:buNone/>
               <a:defRPr sz="1000">
                 <a:solidFill>
@@ -6117,7 +6307,7 @@
             </a:lvl9pPr>
           </a:lstStyle>
           <a:p>
-            <a:pPr indent="0" lvl="0" marL="0" rtl="0" algn="r">
+            <a:pPr marL="0" lvl="0" indent="0" algn="r" rtl="0">
               <a:spcBef>
                 <a:spcPts val="0"/>
               </a:spcBef>
@@ -6128,7 +6318,7 @@
             </a:pPr>
             <a:fld id="{00000000-1234-1234-1234-123412341234}" type="slidenum">
               <a:rPr lang="es"/>
-              <a:t>‹#›</a:t>
+              <a:t>‹Nº›</a:t>
             </a:fld>
             <a:endParaRPr/>
           </a:p>
@@ -6136,7 +6326,7 @@
       </p:sp>
     </p:spTree>
   </p:cSld>
-  <p:clrMap accent1="accent1" accent2="accent2" accent3="accent3" accent4="accent4" accent5="accent5" accent6="accent6" bg1="lt1" bg2="dk2" tx1="dk1" tx2="lt2" folHlink="folHlink" hlink="hlink"/>
+  <p:clrMap bg1="lt1" tx1="dk1" bg2="dk2" tx2="lt2" accent1="accent1" accent2="accent2" accent3="accent3" accent4="accent4" accent5="accent5" accent6="accent6" hlink="hlink" folHlink="folHlink"/>
   <p:sldLayoutIdLst>
     <p:sldLayoutId id="2147483648" r:id="rId1"/>
     <p:sldLayoutId id="2147483649" r:id="rId2"/>
@@ -6150,10 +6340,10 @@
     <p:sldLayoutId id="2147483657" r:id="rId10"/>
     <p:sldLayoutId id="2147483658" r:id="rId11"/>
   </p:sldLayoutIdLst>
-  <p:hf dt="0" ftr="0" hdr="0" sldNum="0"/>
+  <p:hf sldNum="0" hdr="0" ftr="0" dt="0"/>
   <p:txStyles>
     <p:titleStyle>
-      <a:defPPr lvl="0" marR="0" rtl="0" algn="l">
+      <a:defPPr marR="0" lvl="0" algn="l" rtl="0">
         <a:lnSpc>
           <a:spcPct val="100000"/>
         </a:lnSpc>
@@ -6164,7 +6354,7 @@
           <a:spcPts val="0"/>
         </a:spcAft>
       </a:defPPr>
-      <a:lvl1pPr lvl="0" marR="0" rtl="0" algn="l">
+      <a:lvl1pPr marR="0" lvl="0" algn="l" rtl="0">
         <a:lnSpc>
           <a:spcPct val="100000"/>
         </a:lnSpc>
@@ -6178,7 +6368,7 @@
           <a:srgbClr val="000000"/>
         </a:buClr>
         <a:buFont typeface="Arial"/>
-        <a:defRPr b="0" i="0" sz="1400" u="none" cap="none" strike="noStrike">
+        <a:defRPr sz="1400" b="0" i="0" u="none" strike="noStrike" cap="none">
           <a:solidFill>
             <a:srgbClr val="000000"/>
           </a:solidFill>
@@ -6188,7 +6378,7 @@
           <a:sym typeface="Arial"/>
         </a:defRPr>
       </a:lvl1pPr>
-      <a:lvl2pPr lvl="1" marR="0" rtl="0" algn="l">
+      <a:lvl2pPr marR="0" lvl="1" algn="l" rtl="0">
         <a:lnSpc>
           <a:spcPct val="100000"/>
         </a:lnSpc>
@@ -6202,7 +6392,7 @@
           <a:srgbClr val="000000"/>
         </a:buClr>
         <a:buFont typeface="Arial"/>
-        <a:defRPr b="0" i="0" sz="1400" u="none" cap="none" strike="noStrike">
+        <a:defRPr sz="1400" b="0" i="0" u="none" strike="noStrike" cap="none">
           <a:solidFill>
             <a:srgbClr val="000000"/>
           </a:solidFill>
@@ -6212,7 +6402,7 @@
           <a:sym typeface="Arial"/>
         </a:defRPr>
       </a:lvl2pPr>
-      <a:lvl3pPr lvl="2" marR="0" rtl="0" algn="l">
+      <a:lvl3pPr marR="0" lvl="2" algn="l" rtl="0">
         <a:lnSpc>
           <a:spcPct val="100000"/>
         </a:lnSpc>
@@ -6226,7 +6416,7 @@
           <a:srgbClr val="000000"/>
         </a:buClr>
         <a:buFont typeface="Arial"/>
-        <a:defRPr b="0" i="0" sz="1400" u="none" cap="none" strike="noStrike">
+        <a:defRPr sz="1400" b="0" i="0" u="none" strike="noStrike" cap="none">
           <a:solidFill>
             <a:srgbClr val="000000"/>
           </a:solidFill>
@@ -6236,7 +6426,7 @@
           <a:sym typeface="Arial"/>
         </a:defRPr>
       </a:lvl3pPr>
-      <a:lvl4pPr lvl="3" marR="0" rtl="0" algn="l">
+      <a:lvl4pPr marR="0" lvl="3" algn="l" rtl="0">
         <a:lnSpc>
           <a:spcPct val="100000"/>
         </a:lnSpc>
@@ -6250,7 +6440,7 @@
           <a:srgbClr val="000000"/>
         </a:buClr>
         <a:buFont typeface="Arial"/>
-        <a:defRPr b="0" i="0" sz="1400" u="none" cap="none" strike="noStrike">
+        <a:defRPr sz="1400" b="0" i="0" u="none" strike="noStrike" cap="none">
           <a:solidFill>
             <a:srgbClr val="000000"/>
           </a:solidFill>
@@ -6260,7 +6450,7 @@
           <a:sym typeface="Arial"/>
         </a:defRPr>
       </a:lvl4pPr>
-      <a:lvl5pPr lvl="4" marR="0" rtl="0" algn="l">
+      <a:lvl5pPr marR="0" lvl="4" algn="l" rtl="0">
         <a:lnSpc>
           <a:spcPct val="100000"/>
         </a:lnSpc>
@@ -6274,7 +6464,7 @@
           <a:srgbClr val="000000"/>
         </a:buClr>
         <a:buFont typeface="Arial"/>
-        <a:defRPr b="0" i="0" sz="1400" u="none" cap="none" strike="noStrike">
+        <a:defRPr sz="1400" b="0" i="0" u="none" strike="noStrike" cap="none">
           <a:solidFill>
             <a:srgbClr val="000000"/>
           </a:solidFill>
@@ -6284,7 +6474,7 @@
           <a:sym typeface="Arial"/>
         </a:defRPr>
       </a:lvl5pPr>
-      <a:lvl6pPr lvl="5" marR="0" rtl="0" algn="l">
+      <a:lvl6pPr marR="0" lvl="5" algn="l" rtl="0">
         <a:lnSpc>
           <a:spcPct val="100000"/>
         </a:lnSpc>
@@ -6298,7 +6488,7 @@
           <a:srgbClr val="000000"/>
         </a:buClr>
         <a:buFont typeface="Arial"/>
-        <a:defRPr b="0" i="0" sz="1400" u="none" cap="none" strike="noStrike">
+        <a:defRPr sz="1400" b="0" i="0" u="none" strike="noStrike" cap="none">
           <a:solidFill>
             <a:srgbClr val="000000"/>
           </a:solidFill>
@@ -6308,7 +6498,7 @@
           <a:sym typeface="Arial"/>
         </a:defRPr>
       </a:lvl6pPr>
-      <a:lvl7pPr lvl="6" marR="0" rtl="0" algn="l">
+      <a:lvl7pPr marR="0" lvl="6" algn="l" rtl="0">
         <a:lnSpc>
           <a:spcPct val="100000"/>
         </a:lnSpc>
@@ -6322,7 +6512,7 @@
           <a:srgbClr val="000000"/>
         </a:buClr>
         <a:buFont typeface="Arial"/>
-        <a:defRPr b="0" i="0" sz="1400" u="none" cap="none" strike="noStrike">
+        <a:defRPr sz="1400" b="0" i="0" u="none" strike="noStrike" cap="none">
           <a:solidFill>
             <a:srgbClr val="000000"/>
           </a:solidFill>
@@ -6332,7 +6522,7 @@
           <a:sym typeface="Arial"/>
         </a:defRPr>
       </a:lvl7pPr>
-      <a:lvl8pPr lvl="7" marR="0" rtl="0" algn="l">
+      <a:lvl8pPr marR="0" lvl="7" algn="l" rtl="0">
         <a:lnSpc>
           <a:spcPct val="100000"/>
         </a:lnSpc>
@@ -6346,7 +6536,7 @@
           <a:srgbClr val="000000"/>
         </a:buClr>
         <a:buFont typeface="Arial"/>
-        <a:defRPr b="0" i="0" sz="1400" u="none" cap="none" strike="noStrike">
+        <a:defRPr sz="1400" b="0" i="0" u="none" strike="noStrike" cap="none">
           <a:solidFill>
             <a:srgbClr val="000000"/>
           </a:solidFill>
@@ -6356,7 +6546,7 @@
           <a:sym typeface="Arial"/>
         </a:defRPr>
       </a:lvl8pPr>
-      <a:lvl9pPr lvl="8" marR="0" rtl="0" algn="l">
+      <a:lvl9pPr marR="0" lvl="8" algn="l" rtl="0">
         <a:lnSpc>
           <a:spcPct val="100000"/>
         </a:lnSpc>
@@ -6370,7 +6560,7 @@
           <a:srgbClr val="000000"/>
         </a:buClr>
         <a:buFont typeface="Arial"/>
-        <a:defRPr b="0" i="0" sz="1400" u="none" cap="none" strike="noStrike">
+        <a:defRPr sz="1400" b="0" i="0" u="none" strike="noStrike" cap="none">
           <a:solidFill>
             <a:srgbClr val="000000"/>
           </a:solidFill>
@@ -6382,7 +6572,7 @@
       </a:lvl9pPr>
     </p:titleStyle>
     <p:bodyStyle>
-      <a:defPPr lvl="0" marR="0" rtl="0" algn="l">
+      <a:defPPr marR="0" lvl="0" algn="l" rtl="0">
         <a:lnSpc>
           <a:spcPct val="100000"/>
         </a:lnSpc>
@@ -6393,7 +6583,7 @@
           <a:spcPts val="0"/>
         </a:spcAft>
       </a:defPPr>
-      <a:lvl1pPr lvl="0" marR="0" rtl="0" algn="l">
+      <a:lvl1pPr marR="0" lvl="0" algn="l" rtl="0">
         <a:lnSpc>
           <a:spcPct val="100000"/>
         </a:lnSpc>
@@ -6407,7 +6597,7 @@
           <a:srgbClr val="000000"/>
         </a:buClr>
         <a:buFont typeface="Arial"/>
-        <a:defRPr b="0" i="0" sz="1400" u="none" cap="none" strike="noStrike">
+        <a:defRPr sz="1400" b="0" i="0" u="none" strike="noStrike" cap="none">
           <a:solidFill>
             <a:srgbClr val="000000"/>
           </a:solidFill>
@@ -6417,7 +6607,7 @@
           <a:sym typeface="Arial"/>
         </a:defRPr>
       </a:lvl1pPr>
-      <a:lvl2pPr lvl="1" marR="0" rtl="0" algn="l">
+      <a:lvl2pPr marR="0" lvl="1" algn="l" rtl="0">
         <a:lnSpc>
           <a:spcPct val="100000"/>
         </a:lnSpc>
@@ -6431,7 +6621,7 @@
           <a:srgbClr val="000000"/>
         </a:buClr>
         <a:buFont typeface="Arial"/>
-        <a:defRPr b="0" i="0" sz="1400" u="none" cap="none" strike="noStrike">
+        <a:defRPr sz="1400" b="0" i="0" u="none" strike="noStrike" cap="none">
           <a:solidFill>
             <a:srgbClr val="000000"/>
           </a:solidFill>
@@ -6441,7 +6631,7 @@
           <a:sym typeface="Arial"/>
         </a:defRPr>
       </a:lvl2pPr>
-      <a:lvl3pPr lvl="2" marR="0" rtl="0" algn="l">
+      <a:lvl3pPr marR="0" lvl="2" algn="l" rtl="0">
         <a:lnSpc>
           <a:spcPct val="100000"/>
         </a:lnSpc>
@@ -6455,7 +6645,7 @@
           <a:srgbClr val="000000"/>
         </a:buClr>
         <a:buFont typeface="Arial"/>
-        <a:defRPr b="0" i="0" sz="1400" u="none" cap="none" strike="noStrike">
+        <a:defRPr sz="1400" b="0" i="0" u="none" strike="noStrike" cap="none">
           <a:solidFill>
             <a:srgbClr val="000000"/>
           </a:solidFill>
@@ -6465,7 +6655,7 @@
           <a:sym typeface="Arial"/>
         </a:defRPr>
       </a:lvl3pPr>
-      <a:lvl4pPr lvl="3" marR="0" rtl="0" algn="l">
+      <a:lvl4pPr marR="0" lvl="3" algn="l" rtl="0">
         <a:lnSpc>
           <a:spcPct val="100000"/>
         </a:lnSpc>
@@ -6479,7 +6669,7 @@
           <a:srgbClr val="000000"/>
         </a:buClr>
         <a:buFont typeface="Arial"/>
-        <a:defRPr b="0" i="0" sz="1400" u="none" cap="none" strike="noStrike">
+        <a:defRPr sz="1400" b="0" i="0" u="none" strike="noStrike" cap="none">
           <a:solidFill>
             <a:srgbClr val="000000"/>
           </a:solidFill>
@@ -6489,7 +6679,7 @@
           <a:sym typeface="Arial"/>
         </a:defRPr>
       </a:lvl4pPr>
-      <a:lvl5pPr lvl="4" marR="0" rtl="0" algn="l">
+      <a:lvl5pPr marR="0" lvl="4" algn="l" rtl="0">
         <a:lnSpc>
           <a:spcPct val="100000"/>
         </a:lnSpc>
@@ -6503,7 +6693,7 @@
           <a:srgbClr val="000000"/>
         </a:buClr>
         <a:buFont typeface="Arial"/>
-        <a:defRPr b="0" i="0" sz="1400" u="none" cap="none" strike="noStrike">
+        <a:defRPr sz="1400" b="0" i="0" u="none" strike="noStrike" cap="none">
           <a:solidFill>
             <a:srgbClr val="000000"/>
           </a:solidFill>
@@ -6513,7 +6703,7 @@
           <a:sym typeface="Arial"/>
         </a:defRPr>
       </a:lvl5pPr>
-      <a:lvl6pPr lvl="5" marR="0" rtl="0" algn="l">
+      <a:lvl6pPr marR="0" lvl="5" algn="l" rtl="0">
         <a:lnSpc>
           <a:spcPct val="100000"/>
         </a:lnSpc>
@@ -6527,7 +6717,7 @@
           <a:srgbClr val="000000"/>
         </a:buClr>
         <a:buFont typeface="Arial"/>
-        <a:defRPr b="0" i="0" sz="1400" u="none" cap="none" strike="noStrike">
+        <a:defRPr sz="1400" b="0" i="0" u="none" strike="noStrike" cap="none">
           <a:solidFill>
             <a:srgbClr val="000000"/>
           </a:solidFill>
@@ -6537,7 +6727,7 @@
           <a:sym typeface="Arial"/>
         </a:defRPr>
       </a:lvl6pPr>
-      <a:lvl7pPr lvl="6" marR="0" rtl="0" algn="l">
+      <a:lvl7pPr marR="0" lvl="6" algn="l" rtl="0">
         <a:lnSpc>
           <a:spcPct val="100000"/>
         </a:lnSpc>
@@ -6551,7 +6741,7 @@
           <a:srgbClr val="000000"/>
         </a:buClr>
         <a:buFont typeface="Arial"/>
-        <a:defRPr b="0" i="0" sz="1400" u="none" cap="none" strike="noStrike">
+        <a:defRPr sz="1400" b="0" i="0" u="none" strike="noStrike" cap="none">
           <a:solidFill>
             <a:srgbClr val="000000"/>
           </a:solidFill>
@@ -6561,7 +6751,7 @@
           <a:sym typeface="Arial"/>
         </a:defRPr>
       </a:lvl7pPr>
-      <a:lvl8pPr lvl="7" marR="0" rtl="0" algn="l">
+      <a:lvl8pPr marR="0" lvl="7" algn="l" rtl="0">
         <a:lnSpc>
           <a:spcPct val="100000"/>
         </a:lnSpc>
@@ -6575,7 +6765,7 @@
           <a:srgbClr val="000000"/>
         </a:buClr>
         <a:buFont typeface="Arial"/>
-        <a:defRPr b="0" i="0" sz="1400" u="none" cap="none" strike="noStrike">
+        <a:defRPr sz="1400" b="0" i="0" u="none" strike="noStrike" cap="none">
           <a:solidFill>
             <a:srgbClr val="000000"/>
           </a:solidFill>
@@ -6585,7 +6775,7 @@
           <a:sym typeface="Arial"/>
         </a:defRPr>
       </a:lvl8pPr>
-      <a:lvl9pPr lvl="8" marR="0" rtl="0" algn="l">
+      <a:lvl9pPr marR="0" lvl="8" algn="l" rtl="0">
         <a:lnSpc>
           <a:spcPct val="100000"/>
         </a:lnSpc>
@@ -6599,7 +6789,7 @@
           <a:srgbClr val="000000"/>
         </a:buClr>
         <a:buFont typeface="Arial"/>
-        <a:defRPr b="0" i="0" sz="1400" u="none" cap="none" strike="noStrike">
+        <a:defRPr sz="1400" b="0" i="0" u="none" strike="noStrike" cap="none">
           <a:solidFill>
             <a:srgbClr val="000000"/>
           </a:solidFill>
@@ -6611,7 +6801,7 @@
       </a:lvl9pPr>
     </p:bodyStyle>
     <p:otherStyle>
-      <a:defPPr lvl="0" marR="0" rtl="0" algn="l">
+      <a:defPPr marR="0" lvl="0" algn="l" rtl="0">
         <a:lnSpc>
           <a:spcPct val="100000"/>
         </a:lnSpc>
@@ -6622,7 +6812,7 @@
           <a:spcPts val="0"/>
         </a:spcAft>
       </a:defPPr>
-      <a:lvl1pPr lvl="0" marR="0" rtl="0" algn="l">
+      <a:lvl1pPr marR="0" lvl="0" algn="l" rtl="0">
         <a:lnSpc>
           <a:spcPct val="100000"/>
         </a:lnSpc>
@@ -6636,7 +6826,7 @@
           <a:srgbClr val="000000"/>
         </a:buClr>
         <a:buFont typeface="Arial"/>
-        <a:defRPr b="0" i="0" sz="1400" u="none" cap="none" strike="noStrike">
+        <a:defRPr sz="1400" b="0" i="0" u="none" strike="noStrike" cap="none">
           <a:solidFill>
             <a:srgbClr val="000000"/>
           </a:solidFill>
@@ -6646,7 +6836,7 @@
           <a:sym typeface="Arial"/>
         </a:defRPr>
       </a:lvl1pPr>
-      <a:lvl2pPr lvl="1" marR="0" rtl="0" algn="l">
+      <a:lvl2pPr marR="0" lvl="1" algn="l" rtl="0">
         <a:lnSpc>
           <a:spcPct val="100000"/>
         </a:lnSpc>
@@ -6660,7 +6850,7 @@
           <a:srgbClr val="000000"/>
         </a:buClr>
         <a:buFont typeface="Arial"/>
-        <a:defRPr b="0" i="0" sz="1400" u="none" cap="none" strike="noStrike">
+        <a:defRPr sz="1400" b="0" i="0" u="none" strike="noStrike" cap="none">
           <a:solidFill>
             <a:srgbClr val="000000"/>
           </a:solidFill>
@@ -6670,7 +6860,7 @@
           <a:sym typeface="Arial"/>
         </a:defRPr>
       </a:lvl2pPr>
-      <a:lvl3pPr lvl="2" marR="0" rtl="0" algn="l">
+      <a:lvl3pPr marR="0" lvl="2" algn="l" rtl="0">
         <a:lnSpc>
           <a:spcPct val="100000"/>
         </a:lnSpc>
@@ -6684,7 +6874,7 @@
           <a:srgbClr val="000000"/>
         </a:buClr>
         <a:buFont typeface="Arial"/>
-        <a:defRPr b="0" i="0" sz="1400" u="none" cap="none" strike="noStrike">
+        <a:defRPr sz="1400" b="0" i="0" u="none" strike="noStrike" cap="none">
           <a:solidFill>
             <a:srgbClr val="000000"/>
           </a:solidFill>
@@ -6694,7 +6884,7 @@
           <a:sym typeface="Arial"/>
         </a:defRPr>
       </a:lvl3pPr>
-      <a:lvl4pPr lvl="3" marR="0" rtl="0" algn="l">
+      <a:lvl4pPr marR="0" lvl="3" algn="l" rtl="0">
         <a:lnSpc>
           <a:spcPct val="100000"/>
         </a:lnSpc>
@@ -6708,7 +6898,7 @@
           <a:srgbClr val="000000"/>
         </a:buClr>
         <a:buFont typeface="Arial"/>
-        <a:defRPr b="0" i="0" sz="1400" u="none" cap="none" strike="noStrike">
+        <a:defRPr sz="1400" b="0" i="0" u="none" strike="noStrike" cap="none">
           <a:solidFill>
             <a:srgbClr val="000000"/>
           </a:solidFill>
@@ -6718,7 +6908,7 @@
           <a:sym typeface="Arial"/>
         </a:defRPr>
       </a:lvl4pPr>
-      <a:lvl5pPr lvl="4" marR="0" rtl="0" algn="l">
+      <a:lvl5pPr marR="0" lvl="4" algn="l" rtl="0">
         <a:lnSpc>
           <a:spcPct val="100000"/>
         </a:lnSpc>
@@ -6732,7 +6922,7 @@
           <a:srgbClr val="000000"/>
         </a:buClr>
         <a:buFont typeface="Arial"/>
-        <a:defRPr b="0" i="0" sz="1400" u="none" cap="none" strike="noStrike">
+        <a:defRPr sz="1400" b="0" i="0" u="none" strike="noStrike" cap="none">
           <a:solidFill>
             <a:srgbClr val="000000"/>
           </a:solidFill>
@@ -6742,7 +6932,7 @@
           <a:sym typeface="Arial"/>
         </a:defRPr>
       </a:lvl5pPr>
-      <a:lvl6pPr lvl="5" marR="0" rtl="0" algn="l">
+      <a:lvl6pPr marR="0" lvl="5" algn="l" rtl="0">
         <a:lnSpc>
           <a:spcPct val="100000"/>
         </a:lnSpc>
@@ -6756,7 +6946,7 @@
           <a:srgbClr val="000000"/>
         </a:buClr>
         <a:buFont typeface="Arial"/>
-        <a:defRPr b="0" i="0" sz="1400" u="none" cap="none" strike="noStrike">
+        <a:defRPr sz="1400" b="0" i="0" u="none" strike="noStrike" cap="none">
           <a:solidFill>
             <a:srgbClr val="000000"/>
           </a:solidFill>
@@ -6766,7 +6956,7 @@
           <a:sym typeface="Arial"/>
         </a:defRPr>
       </a:lvl6pPr>
-      <a:lvl7pPr lvl="6" marR="0" rtl="0" algn="l">
+      <a:lvl7pPr marR="0" lvl="6" algn="l" rtl="0">
         <a:lnSpc>
           <a:spcPct val="100000"/>
         </a:lnSpc>
@@ -6780,7 +6970,7 @@
           <a:srgbClr val="000000"/>
         </a:buClr>
         <a:buFont typeface="Arial"/>
-        <a:defRPr b="0" i="0" sz="1400" u="none" cap="none" strike="noStrike">
+        <a:defRPr sz="1400" b="0" i="0" u="none" strike="noStrike" cap="none">
           <a:solidFill>
             <a:srgbClr val="000000"/>
           </a:solidFill>
@@ -6790,7 +6980,7 @@
           <a:sym typeface="Arial"/>
         </a:defRPr>
       </a:lvl7pPr>
-      <a:lvl8pPr lvl="7" marR="0" rtl="0" algn="l">
+      <a:lvl8pPr marR="0" lvl="7" algn="l" rtl="0">
         <a:lnSpc>
           <a:spcPct val="100000"/>
         </a:lnSpc>
@@ -6804,7 +6994,7 @@
           <a:srgbClr val="000000"/>
         </a:buClr>
         <a:buFont typeface="Arial"/>
-        <a:defRPr b="0" i="0" sz="1400" u="none" cap="none" strike="noStrike">
+        <a:defRPr sz="1400" b="0" i="0" u="none" strike="noStrike" cap="none">
           <a:solidFill>
             <a:srgbClr val="000000"/>
           </a:solidFill>
@@ -6814,7 +7004,7 @@
           <a:sym typeface="Arial"/>
         </a:defRPr>
       </a:lvl8pPr>
-      <a:lvl9pPr lvl="8" marR="0" rtl="0" algn="l">
+      <a:lvl9pPr marR="0" lvl="8" algn="l" rtl="0">
         <a:lnSpc>
           <a:spcPct val="100000"/>
         </a:lnSpc>
@@ -6828,7 +7018,7 @@
           <a:srgbClr val="000000"/>
         </a:buClr>
         <a:buFont typeface="Arial"/>
-        <a:defRPr b="0" i="0" sz="1400" u="none" cap="none" strike="noStrike">
+        <a:defRPr sz="1400" b="0" i="0" u="none" strike="noStrike" cap="none">
           <a:solidFill>
             <a:srgbClr val="000000"/>
           </a:solidFill>
@@ -6844,11 +7034,11 @@
 </file>
 
 <file path=ppt/slides/slide1.xml><?xml version="1.0" encoding="utf-8"?>
-<p:sld xmlns:a="http://schemas.openxmlformats.org/drawingml/2006/main" xmlns:r="http://schemas.openxmlformats.org/officeDocument/2006/relationships" xmlns:mc="http://schemas.openxmlformats.org/markup-compatibility/2006" xmlns:mv="urn:schemas-microsoft-com:mac:vml" xmlns:p="http://schemas.openxmlformats.org/presentationml/2006/main" xmlns:c="http://schemas.openxmlformats.org/drawingml/2006/chart" xmlns:dgm="http://schemas.openxmlformats.org/drawingml/2006/diagram" xmlns:o="urn:schemas-microsoft-com:office:office" xmlns:v="urn:schemas-microsoft-com:vml" xmlns:pvml="urn:schemas-microsoft-com:office:powerpoint" xmlns:com="http://schemas.openxmlformats.org/drawingml/2006/compatibility" xmlns:p14="http://schemas.microsoft.com/office/powerpoint/2010/main" xmlns:p15="http://schemas.microsoft.com/office/powerpoint/2012/main" xmlns:ahyp="http://schemas.microsoft.com/office/drawing/2018/hyperlinkcolor">
+<p:sld xmlns:a="http://schemas.openxmlformats.org/drawingml/2006/main" xmlns:r="http://schemas.openxmlformats.org/officeDocument/2006/relationships" xmlns:p="http://schemas.openxmlformats.org/presentationml/2006/main">
   <p:cSld>
     <p:spTree>
       <p:nvGrpSpPr>
-        <p:cNvPr id="53" name="Shape 53"/>
+        <p:cNvPr id="1" name="Shape 53"/>
         <p:cNvGrpSpPr/>
         <p:nvPr/>
       </p:nvGrpSpPr>
@@ -6863,7 +7053,9 @@
       <p:sp>
         <p:nvSpPr>
           <p:cNvPr id="54" name="Google Shape;54;p13"/>
-          <p:cNvSpPr txBox="1"/>
+          <p:cNvSpPr txBox="1">
+            <a:spLocks noGrp="1"/>
+          </p:cNvSpPr>
           <p:nvPr>
             <p:ph type="ctrTitle"/>
           </p:nvPr>
@@ -6878,12 +7070,12 @@
           </a:prstGeom>
         </p:spPr>
         <p:txBody>
-          <a:bodyPr anchorCtr="0" anchor="b" bIns="91425" lIns="91425" spcFirstLastPara="1" rIns="91425" wrap="square" tIns="91425">
+          <a:bodyPr spcFirstLastPara="1" wrap="square" lIns="91425" tIns="91425" rIns="91425" bIns="91425" anchor="b" anchorCtr="0">
             <a:normAutofit/>
           </a:bodyPr>
           <a:lstStyle/>
           <a:p>
-            <a:pPr indent="0" lvl="0" marL="0" rtl="0" algn="ctr">
+            <a:pPr marL="0" lvl="0" indent="0" algn="ctr" rtl="0">
               <a:spcBef>
                 <a:spcPts val="0"/>
               </a:spcBef>
@@ -6894,11 +7086,7 @@
             </a:pPr>
             <a:r>
               <a:rPr lang="es"/>
-              <a:t>Análisis</a:t>
-            </a:r>
-            <a:r>
-              <a:rPr lang="es"/>
-              <a:t> de datos ecommerce</a:t>
+              <a:t>Análisis de datos ecommerce</a:t>
             </a:r>
             <a:endParaRPr/>
           </a:p>
@@ -6907,9 +7095,11 @@
       <p:sp>
         <p:nvSpPr>
           <p:cNvPr id="55" name="Google Shape;55;p13"/>
-          <p:cNvSpPr txBox="1"/>
+          <p:cNvSpPr txBox="1">
+            <a:spLocks noGrp="1"/>
+          </p:cNvSpPr>
           <p:nvPr>
-            <p:ph idx="1" type="subTitle"/>
+            <p:ph type="subTitle" idx="1"/>
           </p:nvPr>
         </p:nvSpPr>
         <p:spPr>
@@ -6922,12 +7112,12 @@
           </a:prstGeom>
         </p:spPr>
         <p:txBody>
-          <a:bodyPr anchorCtr="0" anchor="t" bIns="91425" lIns="91425" spcFirstLastPara="1" rIns="91425" wrap="square" tIns="91425">
+          <a:bodyPr spcFirstLastPara="1" wrap="square" lIns="91425" tIns="91425" rIns="91425" bIns="91425" anchor="t" anchorCtr="0">
             <a:normAutofit/>
           </a:bodyPr>
           <a:lstStyle/>
           <a:p>
-            <a:pPr indent="0" lvl="0" marL="0" rtl="0" algn="l">
+            <a:pPr marL="0" lvl="0" indent="0" algn="l" rtl="0">
               <a:spcBef>
                 <a:spcPts val="0"/>
               </a:spcBef>
@@ -6947,9 +7137,11 @@
       <p:sp>
         <p:nvSpPr>
           <p:cNvPr id="56" name="Google Shape;56;p13"/>
-          <p:cNvSpPr txBox="1"/>
+          <p:cNvSpPr txBox="1">
+            <a:spLocks noGrp="1"/>
+          </p:cNvSpPr>
           <p:nvPr>
-            <p:ph idx="1" type="subTitle"/>
+            <p:ph type="subTitle" idx="1"/>
           </p:nvPr>
         </p:nvSpPr>
         <p:spPr>
@@ -6965,12 +7157,12 @@
           </a:solidFill>
         </p:spPr>
         <p:txBody>
-          <a:bodyPr anchorCtr="0" anchor="t" bIns="91425" lIns="91425" spcFirstLastPara="1" rIns="91425" wrap="square" tIns="91425">
+          <a:bodyPr spcFirstLastPara="1" wrap="square" lIns="91425" tIns="91425" rIns="91425" bIns="91425" anchor="t" anchorCtr="0">
             <a:normAutofit/>
           </a:bodyPr>
           <a:lstStyle/>
           <a:p>
-            <a:pPr indent="0" lvl="0" marL="0" rtl="0" algn="l">
+            <a:pPr marL="0" lvl="0" indent="0" algn="l" rtl="0">
               <a:spcBef>
                 <a:spcPts val="0"/>
               </a:spcBef>
@@ -7108,11 +7300,11 @@
 </file>
 
 <file path=ppt/slides/slide10.xml><?xml version="1.0" encoding="utf-8"?>
-<p:sld xmlns:a="http://schemas.openxmlformats.org/drawingml/2006/main" xmlns:r="http://schemas.openxmlformats.org/officeDocument/2006/relationships" xmlns:mc="http://schemas.openxmlformats.org/markup-compatibility/2006" xmlns:mv="urn:schemas-microsoft-com:mac:vml" xmlns:p="http://schemas.openxmlformats.org/presentationml/2006/main" xmlns:c="http://schemas.openxmlformats.org/drawingml/2006/chart" xmlns:dgm="http://schemas.openxmlformats.org/drawingml/2006/diagram" xmlns:o="urn:schemas-microsoft-com:office:office" xmlns:v="urn:schemas-microsoft-com:vml" xmlns:pvml="urn:schemas-microsoft-com:office:powerpoint" xmlns:com="http://schemas.openxmlformats.org/drawingml/2006/compatibility" xmlns:p14="http://schemas.microsoft.com/office/powerpoint/2010/main" xmlns:p15="http://schemas.microsoft.com/office/powerpoint/2012/main" xmlns:ahyp="http://schemas.microsoft.com/office/drawing/2018/hyperlinkcolor">
+<p:sld xmlns:a="http://schemas.openxmlformats.org/drawingml/2006/main" xmlns:r="http://schemas.openxmlformats.org/officeDocument/2006/relationships" xmlns:p="http://schemas.openxmlformats.org/presentationml/2006/main">
   <p:cSld>
     <p:spTree>
       <p:nvGrpSpPr>
-        <p:cNvPr id="131" name="Shape 131"/>
+        <p:cNvPr id="1" name="Shape 131"/>
         <p:cNvGrpSpPr/>
         <p:nvPr/>
       </p:nvGrpSpPr>
@@ -7127,7 +7319,9 @@
       <p:sp>
         <p:nvSpPr>
           <p:cNvPr id="132" name="Google Shape;132;p22"/>
-          <p:cNvSpPr txBox="1"/>
+          <p:cNvSpPr txBox="1">
+            <a:spLocks noGrp="1"/>
+          </p:cNvSpPr>
           <p:nvPr>
             <p:ph type="ctrTitle"/>
           </p:nvPr>
@@ -7142,12 +7336,12 @@
           </a:prstGeom>
         </p:spPr>
         <p:txBody>
-          <a:bodyPr anchorCtr="0" anchor="b" bIns="91425" lIns="91425" spcFirstLastPara="1" rIns="91425" wrap="square" tIns="91425">
+          <a:bodyPr spcFirstLastPara="1" wrap="square" lIns="91425" tIns="91425" rIns="91425" bIns="91425" anchor="b" anchorCtr="0">
             <a:noAutofit/>
           </a:bodyPr>
           <a:lstStyle/>
           <a:p>
-            <a:pPr indent="0" lvl="0" marL="0" rtl="0" algn="l">
+            <a:pPr marL="0" lvl="0" indent="0" algn="l" rtl="0">
               <a:spcBef>
                 <a:spcPts val="0"/>
               </a:spcBef>
@@ -7241,12 +7435,12 @@
           </a:ln>
         </p:spPr>
         <p:txBody>
-          <a:bodyPr anchorCtr="0" anchor="t" bIns="91425" lIns="91425" spcFirstLastPara="1" rIns="91425" wrap="square" tIns="91425">
+          <a:bodyPr spcFirstLastPara="1" wrap="square" lIns="91425" tIns="91425" rIns="91425" bIns="91425" anchor="t" anchorCtr="0">
             <a:spAutoFit/>
           </a:bodyPr>
           <a:lstStyle/>
           <a:p>
-            <a:pPr indent="0" lvl="0" marL="0" rtl="0" algn="l">
+            <a:pPr marL="0" lvl="0" indent="0" algn="l" rtl="0">
               <a:lnSpc>
                 <a:spcPct val="115000"/>
               </a:lnSpc>
@@ -7264,7 +7458,7 @@
               <a:buNone/>
             </a:pPr>
             <a:r>
-              <a:rPr b="1" lang="es" sz="1200">
+              <a:rPr lang="es" sz="1200" b="1">
                 <a:solidFill>
                   <a:schemeClr val="accent2"/>
                 </a:solidFill>
@@ -7278,7 +7472,7 @@
               </a:rPr>
               <a:t>Se puede notar que:</a:t>
             </a:r>
-            <a:endParaRPr b="1" sz="1200">
+            <a:endParaRPr sz="1200" b="1">
               <a:solidFill>
                 <a:schemeClr val="accent2"/>
               </a:solidFill>
@@ -7292,7 +7486,7 @@
             </a:endParaRPr>
           </a:p>
           <a:p>
-            <a:pPr indent="0" lvl="0" marL="0" rtl="0" algn="just">
+            <a:pPr marL="0" lvl="0" indent="0" algn="just" rtl="0">
               <a:lnSpc>
                 <a:spcPct val="115000"/>
               </a:lnSpc>
@@ -7338,7 +7532,7 @@
             </a:endParaRPr>
           </a:p>
           <a:p>
-            <a:pPr indent="0" lvl="0" marL="0" rtl="0" algn="l">
+            <a:pPr marL="0" lvl="0" indent="0" algn="l" rtl="0">
               <a:spcBef>
                 <a:spcPts val="500"/>
               </a:spcBef>
@@ -7347,9 +7541,6 @@
               </a:spcAft>
               <a:buNone/>
             </a:pPr>
-            <a:r>
-              <a:t/>
-            </a:r>
             <a:endParaRPr/>
           </a:p>
         </p:txBody>
@@ -7363,11 +7554,11 @@
 </file>
 
 <file path=ppt/slides/slide11.xml><?xml version="1.0" encoding="utf-8"?>
-<p:sld xmlns:a="http://schemas.openxmlformats.org/drawingml/2006/main" xmlns:r="http://schemas.openxmlformats.org/officeDocument/2006/relationships" xmlns:mc="http://schemas.openxmlformats.org/markup-compatibility/2006" xmlns:mv="urn:schemas-microsoft-com:mac:vml" xmlns:p="http://schemas.openxmlformats.org/presentationml/2006/main" xmlns:c="http://schemas.openxmlformats.org/drawingml/2006/chart" xmlns:dgm="http://schemas.openxmlformats.org/drawingml/2006/diagram" xmlns:o="urn:schemas-microsoft-com:office:office" xmlns:v="urn:schemas-microsoft-com:vml" xmlns:pvml="urn:schemas-microsoft-com:office:powerpoint" xmlns:com="http://schemas.openxmlformats.org/drawingml/2006/compatibility" xmlns:p14="http://schemas.microsoft.com/office/powerpoint/2010/main" xmlns:p15="http://schemas.microsoft.com/office/powerpoint/2012/main" xmlns:ahyp="http://schemas.microsoft.com/office/drawing/2018/hyperlinkcolor">
+<p:sld xmlns:a="http://schemas.openxmlformats.org/drawingml/2006/main" xmlns:r="http://schemas.openxmlformats.org/officeDocument/2006/relationships" xmlns:p="http://schemas.openxmlformats.org/presentationml/2006/main">
   <p:cSld>
     <p:spTree>
       <p:nvGrpSpPr>
-        <p:cNvPr id="139" name="Shape 139"/>
+        <p:cNvPr id="1" name="Shape 139"/>
         <p:cNvGrpSpPr/>
         <p:nvPr/>
       </p:nvGrpSpPr>
@@ -7382,7 +7573,9 @@
       <p:sp>
         <p:nvSpPr>
           <p:cNvPr id="140" name="Google Shape;140;p23"/>
-          <p:cNvSpPr txBox="1"/>
+          <p:cNvSpPr txBox="1">
+            <a:spLocks noGrp="1"/>
+          </p:cNvSpPr>
           <p:nvPr>
             <p:ph type="ctrTitle"/>
           </p:nvPr>
@@ -7397,12 +7590,12 @@
           </a:prstGeom>
         </p:spPr>
         <p:txBody>
-          <a:bodyPr anchorCtr="0" anchor="b" bIns="91425" lIns="91425" spcFirstLastPara="1" rIns="91425" wrap="square" tIns="91425">
+          <a:bodyPr spcFirstLastPara="1" wrap="square" lIns="91425" tIns="91425" rIns="91425" bIns="91425" anchor="b" anchorCtr="0">
             <a:noAutofit/>
           </a:bodyPr>
           <a:lstStyle/>
           <a:p>
-            <a:pPr indent="0" lvl="0" marL="0" rtl="0" algn="l">
+            <a:pPr marL="0" lvl="0" indent="0" algn="l" rtl="0">
               <a:spcBef>
                 <a:spcPts val="0"/>
               </a:spcBef>
@@ -7468,12 +7661,12 @@
           </a:ln>
         </p:spPr>
         <p:txBody>
-          <a:bodyPr anchorCtr="0" anchor="t" bIns="91425" lIns="91425" spcFirstLastPara="1" rIns="91425" wrap="square" tIns="91425">
+          <a:bodyPr spcFirstLastPara="1" wrap="square" lIns="91425" tIns="91425" rIns="91425" bIns="91425" anchor="t" anchorCtr="0">
             <a:spAutoFit/>
           </a:bodyPr>
           <a:lstStyle/>
           <a:p>
-            <a:pPr indent="0" lvl="0" marL="0" rtl="0" algn="l">
+            <a:pPr marL="0" lvl="0" indent="0" algn="l" rtl="0">
               <a:lnSpc>
                 <a:spcPct val="115000"/>
               </a:lnSpc>
@@ -7486,7 +7679,7 @@
               <a:buNone/>
             </a:pPr>
             <a:r>
-              <a:rPr b="1" lang="es" sz="1200">
+              <a:rPr lang="es" sz="1200" b="1">
                 <a:solidFill>
                   <a:schemeClr val="accent2"/>
                 </a:solidFill>
@@ -7500,7 +7693,7 @@
               </a:rPr>
               <a:t>Primera Imagen: </a:t>
             </a:r>
-            <a:endParaRPr b="1" sz="1200">
+            <a:endParaRPr sz="1200" b="1">
               <a:solidFill>
                 <a:schemeClr val="accent2"/>
               </a:solidFill>
@@ -7514,7 +7707,7 @@
             </a:endParaRPr>
           </a:p>
           <a:p>
-            <a:pPr indent="0" lvl="0" marL="0" rtl="0" algn="l">
+            <a:pPr marL="0" lvl="0" indent="0" algn="l" rtl="0">
               <a:lnSpc>
                 <a:spcPct val="115000"/>
               </a:lnSpc>
@@ -7555,7 +7748,7 @@
             </a:endParaRPr>
           </a:p>
           <a:p>
-            <a:pPr indent="0" lvl="0" marL="0" rtl="0" algn="l">
+            <a:pPr marL="0" lvl="0" indent="0" algn="l" rtl="0">
               <a:lnSpc>
                 <a:spcPct val="115000"/>
               </a:lnSpc>
@@ -7568,7 +7761,7 @@
               <a:buNone/>
             </a:pPr>
             <a:r>
-              <a:rPr b="1" lang="es" sz="1200">
+              <a:rPr lang="es" sz="1200" b="1">
                 <a:solidFill>
                   <a:schemeClr val="accent2"/>
                 </a:solidFill>
@@ -7582,7 +7775,7 @@
               </a:rPr>
               <a:t>Segunda Imagen:</a:t>
             </a:r>
-            <a:endParaRPr b="1" sz="1200">
+            <a:endParaRPr sz="1200" b="1">
               <a:solidFill>
                 <a:schemeClr val="accent2"/>
               </a:solidFill>
@@ -7596,7 +7789,7 @@
             </a:endParaRPr>
           </a:p>
           <a:p>
-            <a:pPr indent="0" lvl="0" marL="0" rtl="0" algn="l">
+            <a:pPr marL="0" lvl="0" indent="0" algn="l" rtl="0">
               <a:lnSpc>
                 <a:spcPct val="115000"/>
               </a:lnSpc>
@@ -7637,7 +7830,7 @@
             </a:endParaRPr>
           </a:p>
           <a:p>
-            <a:pPr indent="0" lvl="0" marL="0" rtl="0" algn="l">
+            <a:pPr marL="0" lvl="0" indent="0" algn="l" rtl="0">
               <a:lnSpc>
                 <a:spcPct val="115000"/>
               </a:lnSpc>
@@ -7649,9 +7842,6 @@
               </a:spcAft>
               <a:buNone/>
             </a:pPr>
-            <a:r>
-              <a:t/>
-            </a:r>
             <a:endParaRPr sz="1200">
               <a:solidFill>
                 <a:schemeClr val="accent2"/>
@@ -7666,7 +7856,7 @@
             </a:endParaRPr>
           </a:p>
           <a:p>
-            <a:pPr indent="0" lvl="0" marL="0" rtl="0" algn="just">
+            <a:pPr marL="0" lvl="0" indent="0" algn="just" rtl="0">
               <a:lnSpc>
                 <a:spcPct val="115000"/>
               </a:lnSpc>
@@ -7678,9 +7868,6 @@
               </a:spcAft>
               <a:buNone/>
             </a:pPr>
-            <a:r>
-              <a:t/>
-            </a:r>
             <a:endParaRPr sz="1200">
               <a:solidFill>
                 <a:schemeClr val="accent2"/>
@@ -7695,7 +7882,7 @@
             </a:endParaRPr>
           </a:p>
           <a:p>
-            <a:pPr indent="0" lvl="0" marL="0" rtl="0" algn="l">
+            <a:pPr marL="0" lvl="0" indent="0" algn="l" rtl="0">
               <a:spcBef>
                 <a:spcPts val="500"/>
               </a:spcBef>
@@ -7704,9 +7891,6 @@
               </a:spcAft>
               <a:buNone/>
             </a:pPr>
-            <a:r>
-              <a:t/>
-            </a:r>
             <a:endParaRPr/>
           </a:p>
         </p:txBody>
@@ -7776,11 +7960,11 @@
 </file>
 
 <file path=ppt/slides/slide12.xml><?xml version="1.0" encoding="utf-8"?>
-<p:sld xmlns:a="http://schemas.openxmlformats.org/drawingml/2006/main" xmlns:r="http://schemas.openxmlformats.org/officeDocument/2006/relationships" xmlns:mc="http://schemas.openxmlformats.org/markup-compatibility/2006" xmlns:mv="urn:schemas-microsoft-com:mac:vml" xmlns:p="http://schemas.openxmlformats.org/presentationml/2006/main" xmlns:c="http://schemas.openxmlformats.org/drawingml/2006/chart" xmlns:dgm="http://schemas.openxmlformats.org/drawingml/2006/diagram" xmlns:o="urn:schemas-microsoft-com:office:office" xmlns:v="urn:schemas-microsoft-com:vml" xmlns:pvml="urn:schemas-microsoft-com:office:powerpoint" xmlns:com="http://schemas.openxmlformats.org/drawingml/2006/compatibility" xmlns:p14="http://schemas.microsoft.com/office/powerpoint/2010/main" xmlns:p15="http://schemas.microsoft.com/office/powerpoint/2012/main" xmlns:ahyp="http://schemas.microsoft.com/office/drawing/2018/hyperlinkcolor">
+<p:sld xmlns:a="http://schemas.openxmlformats.org/drawingml/2006/main" xmlns:r="http://schemas.openxmlformats.org/officeDocument/2006/relationships" xmlns:p="http://schemas.openxmlformats.org/presentationml/2006/main">
   <p:cSld>
     <p:spTree>
       <p:nvGrpSpPr>
-        <p:cNvPr id="148" name="Shape 148"/>
+        <p:cNvPr id="1" name="Shape 148"/>
         <p:cNvGrpSpPr/>
         <p:nvPr/>
       </p:nvGrpSpPr>
@@ -7795,7 +7979,9 @@
       <p:sp>
         <p:nvSpPr>
           <p:cNvPr id="149" name="Google Shape;149;p24"/>
-          <p:cNvSpPr txBox="1"/>
+          <p:cNvSpPr txBox="1">
+            <a:spLocks noGrp="1"/>
+          </p:cNvSpPr>
           <p:nvPr>
             <p:ph type="ctrTitle"/>
           </p:nvPr>
@@ -7810,12 +7996,12 @@
           </a:prstGeom>
         </p:spPr>
         <p:txBody>
-          <a:bodyPr anchorCtr="0" anchor="b" bIns="91425" lIns="91425" spcFirstLastPara="1" rIns="91425" wrap="square" tIns="91425">
+          <a:bodyPr spcFirstLastPara="1" wrap="square" lIns="91425" tIns="91425" rIns="91425" bIns="91425" anchor="b" anchorCtr="0">
             <a:noAutofit/>
           </a:bodyPr>
           <a:lstStyle/>
           <a:p>
-            <a:pPr indent="0" lvl="0" marL="0" rtl="0" algn="l">
+            <a:pPr marL="0" lvl="0" indent="0" algn="l" rtl="0">
               <a:spcBef>
                 <a:spcPts val="0"/>
               </a:spcBef>
@@ -7909,12 +8095,12 @@
           </a:ln>
         </p:spPr>
         <p:txBody>
-          <a:bodyPr anchorCtr="0" anchor="t" bIns="91425" lIns="91425" spcFirstLastPara="1" rIns="91425" wrap="square" tIns="91425">
+          <a:bodyPr spcFirstLastPara="1" wrap="square" lIns="91425" tIns="91425" rIns="91425" bIns="91425" anchor="t" anchorCtr="0">
             <a:spAutoFit/>
           </a:bodyPr>
           <a:lstStyle/>
           <a:p>
-            <a:pPr indent="0" lvl="0" marL="0" rtl="0" algn="l">
+            <a:pPr marL="0" lvl="0" indent="0" algn="l" rtl="0">
               <a:lnSpc>
                 <a:spcPct val="115000"/>
               </a:lnSpc>
@@ -7932,7 +8118,7 @@
               <a:buNone/>
             </a:pPr>
             <a:r>
-              <a:rPr b="1" lang="es" sz="1200">
+              <a:rPr lang="es" sz="1200" b="1">
                 <a:solidFill>
                   <a:schemeClr val="accent2"/>
                 </a:solidFill>
@@ -7946,7 +8132,7 @@
               </a:rPr>
               <a:t>Se puede notar que:</a:t>
             </a:r>
-            <a:endParaRPr b="1" sz="1200">
+            <a:endParaRPr sz="1200" b="1">
               <a:solidFill>
                 <a:schemeClr val="accent2"/>
               </a:solidFill>
@@ -7960,7 +8146,7 @@
             </a:endParaRPr>
           </a:p>
           <a:p>
-            <a:pPr indent="0" lvl="0" marL="0" rtl="0" algn="l">
+            <a:pPr marL="0" lvl="0" indent="0" algn="l" rtl="0">
               <a:lnSpc>
                 <a:spcPct val="115000"/>
               </a:lnSpc>
@@ -7990,37 +8176,7 @@
                 <a:cs typeface="Roboto"/>
                 <a:sym typeface="Roboto"/>
               </a:rPr>
-              <a:t>Para costos similares </a:t>
-            </a:r>
-            <a:r>
-              <a:rPr lang="es" sz="1200">
-                <a:solidFill>
-                  <a:schemeClr val="accent2"/>
-                </a:solidFill>
-                <a:highlight>
-                  <a:srgbClr val="FFFFFF"/>
-                </a:highlight>
-                <a:latin typeface="Roboto"/>
-                <a:ea typeface="Roboto"/>
-                <a:cs typeface="Roboto"/>
-                <a:sym typeface="Roboto"/>
-              </a:rPr>
-              <a:t>Meli </a:t>
-            </a:r>
-            <a:r>
-              <a:rPr lang="es" sz="1200">
-                <a:solidFill>
-                  <a:schemeClr val="accent2"/>
-                </a:solidFill>
-                <a:highlight>
-                  <a:srgbClr val="FFFFFF"/>
-                </a:highlight>
-                <a:latin typeface="Roboto"/>
-                <a:ea typeface="Roboto"/>
-                <a:cs typeface="Roboto"/>
-                <a:sym typeface="Roboto"/>
-              </a:rPr>
-              <a:t>en general vende a un mayor precio, por lo que es probable que genere mayor ganancia. Hay algunos casos atípicos a analizar donde el costo es 0 y el artículo se vendió con un precio determinado. Meli tiene mayor concentración de puntos en precios menores a 10000, por lo que es probable que genere mayor cantidad de ventas de productos en ese rango de precios.</a:t>
+              <a:t>Para costos similares Meli en general vende a un mayor precio, por lo que es probable que genere mayor ganancia. Hay algunos casos atípicos a analizar donde el costo es 0 y el artículo se vendió con un precio determinado. Meli tiene mayor concentración de puntos en precios menores a 10000, por lo que es probable que genere mayor cantidad de ventas de productos en ese rango de precios.</a:t>
             </a:r>
             <a:endParaRPr sz="1200">
               <a:solidFill>
@@ -8036,7 +8192,7 @@
             </a:endParaRPr>
           </a:p>
           <a:p>
-            <a:pPr indent="0" lvl="0" marL="0" rtl="0" algn="l">
+            <a:pPr marL="0" lvl="0" indent="0" algn="l" rtl="0">
               <a:spcBef>
                 <a:spcPts val="500"/>
               </a:spcBef>
@@ -8045,9 +8201,6 @@
               </a:spcAft>
               <a:buNone/>
             </a:pPr>
-            <a:r>
-              <a:t/>
-            </a:r>
             <a:endParaRPr/>
           </a:p>
         </p:txBody>
@@ -8061,11 +8214,11 @@
 </file>
 
 <file path=ppt/slides/slide13.xml><?xml version="1.0" encoding="utf-8"?>
-<p:sld xmlns:a="http://schemas.openxmlformats.org/drawingml/2006/main" xmlns:r="http://schemas.openxmlformats.org/officeDocument/2006/relationships" xmlns:mc="http://schemas.openxmlformats.org/markup-compatibility/2006" xmlns:mv="urn:schemas-microsoft-com:mac:vml" xmlns:p="http://schemas.openxmlformats.org/presentationml/2006/main" xmlns:c="http://schemas.openxmlformats.org/drawingml/2006/chart" xmlns:dgm="http://schemas.openxmlformats.org/drawingml/2006/diagram" xmlns:o="urn:schemas-microsoft-com:office:office" xmlns:v="urn:schemas-microsoft-com:vml" xmlns:pvml="urn:schemas-microsoft-com:office:powerpoint" xmlns:com="http://schemas.openxmlformats.org/drawingml/2006/compatibility" xmlns:p14="http://schemas.microsoft.com/office/powerpoint/2010/main" xmlns:p15="http://schemas.microsoft.com/office/powerpoint/2012/main" xmlns:ahyp="http://schemas.microsoft.com/office/drawing/2018/hyperlinkcolor">
+<p:sld xmlns:a="http://schemas.openxmlformats.org/drawingml/2006/main" xmlns:r="http://schemas.openxmlformats.org/officeDocument/2006/relationships" xmlns:p="http://schemas.openxmlformats.org/presentationml/2006/main">
   <p:cSld>
     <p:spTree>
       <p:nvGrpSpPr>
-        <p:cNvPr id="156" name="Shape 156"/>
+        <p:cNvPr id="1" name="Shape 156"/>
         <p:cNvGrpSpPr/>
         <p:nvPr/>
       </p:nvGrpSpPr>
@@ -8080,7 +8233,9 @@
       <p:sp>
         <p:nvSpPr>
           <p:cNvPr id="157" name="Google Shape;157;p25"/>
-          <p:cNvSpPr txBox="1"/>
+          <p:cNvSpPr txBox="1">
+            <a:spLocks noGrp="1"/>
+          </p:cNvSpPr>
           <p:nvPr>
             <p:ph type="ctrTitle"/>
           </p:nvPr>
@@ -8095,12 +8250,12 @@
           </a:prstGeom>
         </p:spPr>
         <p:txBody>
-          <a:bodyPr anchorCtr="0" anchor="b" bIns="91425" lIns="91425" spcFirstLastPara="1" rIns="91425" wrap="square" tIns="91425">
+          <a:bodyPr spcFirstLastPara="1" wrap="square" lIns="91425" tIns="91425" rIns="91425" bIns="91425" anchor="b" anchorCtr="0">
             <a:noAutofit/>
           </a:bodyPr>
           <a:lstStyle/>
           <a:p>
-            <a:pPr indent="0" lvl="0" marL="0" rtl="0" algn="l">
+            <a:pPr marL="0" lvl="0" indent="0" algn="l" rtl="0">
               <a:spcBef>
                 <a:spcPts val="0"/>
               </a:spcBef>
@@ -8162,8 +8317,8 @@
         </p:blipFill>
         <p:spPr>
           <a:xfrm>
-            <a:off x="269625" y="888850"/>
-            <a:ext cx="6661049" cy="3898400"/>
+            <a:off x="269626" y="888850"/>
+            <a:ext cx="5727762" cy="3898400"/>
           </a:xfrm>
           <a:prstGeom prst="rect">
             <a:avLst/>
@@ -8182,8 +8337,8 @@
         </p:nvSpPr>
         <p:spPr>
           <a:xfrm>
-            <a:off x="6783425" y="1262075"/>
-            <a:ext cx="1860600" cy="2240700"/>
+            <a:off x="6454588" y="1262075"/>
+            <a:ext cx="2189437" cy="2104648"/>
           </a:xfrm>
           <a:prstGeom prst="rect">
             <a:avLst/>
@@ -8194,12 +8349,12 @@
           </a:ln>
         </p:spPr>
         <p:txBody>
-          <a:bodyPr anchorCtr="0" anchor="t" bIns="91425" lIns="91425" spcFirstLastPara="1" rIns="91425" wrap="square" tIns="91425">
+          <a:bodyPr spcFirstLastPara="1" wrap="square" lIns="91425" tIns="91425" rIns="91425" bIns="91425" anchor="t" anchorCtr="0">
             <a:spAutoFit/>
           </a:bodyPr>
           <a:lstStyle/>
           <a:p>
-            <a:pPr indent="0" lvl="0" marL="0" rtl="0" algn="l">
+            <a:pPr marL="0" lvl="0" indent="0" algn="l" rtl="0">
               <a:lnSpc>
                 <a:spcPct val="115000"/>
               </a:lnSpc>
@@ -8212,7 +8367,7 @@
               <a:buNone/>
             </a:pPr>
             <a:r>
-              <a:rPr b="1" lang="es" sz="1200">
+              <a:rPr lang="es" sz="1200" b="1" dirty="0">
                 <a:solidFill>
                   <a:schemeClr val="accent2"/>
                 </a:solidFill>
@@ -8226,7 +8381,7 @@
               </a:rPr>
               <a:t>Se puede notar que:</a:t>
             </a:r>
-            <a:endParaRPr b="1" sz="1200">
+            <a:endParaRPr sz="1200" b="1" dirty="0">
               <a:solidFill>
                 <a:schemeClr val="accent2"/>
               </a:solidFill>
@@ -8240,7 +8395,7 @@
             </a:endParaRPr>
           </a:p>
           <a:p>
-            <a:pPr indent="0" lvl="0" marL="0" rtl="0" algn="just">
+            <a:pPr marL="0" lvl="0" indent="0" algn="just" rtl="0">
               <a:lnSpc>
                 <a:spcPct val="115000"/>
               </a:lnSpc>
@@ -8253,7 +8408,7 @@
               <a:buNone/>
             </a:pPr>
             <a:r>
-              <a:rPr lang="es" sz="1200">
+              <a:rPr lang="es" sz="1200" dirty="0">
                 <a:solidFill>
                   <a:schemeClr val="accent2"/>
                 </a:solidFill>
@@ -8265,39 +8420,9 @@
                 <a:cs typeface="Roboto"/>
                 <a:sym typeface="Roboto"/>
               </a:rPr>
-              <a:t>Los dos principales medios de pago poseen </a:t>
+              <a:t>Los dos principales medios de pago poseen financiación, un punto a tener en cuenta para analizar posibles promociones para los medios de pago.</a:t>
             </a:r>
-            <a:r>
-              <a:rPr lang="es" sz="1200">
-                <a:solidFill>
-                  <a:schemeClr val="accent2"/>
-                </a:solidFill>
-                <a:highlight>
-                  <a:srgbClr val="FFFFFF"/>
-                </a:highlight>
-                <a:latin typeface="Roboto"/>
-                <a:ea typeface="Roboto"/>
-                <a:cs typeface="Roboto"/>
-                <a:sym typeface="Roboto"/>
-              </a:rPr>
-              <a:t>financiación, un punto a tener en cuenta para analizar posibles promociones para los medios de pago</a:t>
-            </a:r>
-            <a:r>
-              <a:rPr lang="es" sz="1200">
-                <a:solidFill>
-                  <a:schemeClr val="accent2"/>
-                </a:solidFill>
-                <a:highlight>
-                  <a:srgbClr val="FFFFFF"/>
-                </a:highlight>
-                <a:latin typeface="Roboto"/>
-                <a:ea typeface="Roboto"/>
-                <a:cs typeface="Roboto"/>
-                <a:sym typeface="Roboto"/>
-              </a:rPr>
-              <a:t>.</a:t>
-            </a:r>
-            <a:endParaRPr sz="1200">
+            <a:endParaRPr sz="1200" dirty="0">
               <a:solidFill>
                 <a:schemeClr val="accent2"/>
               </a:solidFill>
@@ -8311,7 +8436,7 @@
             </a:endParaRPr>
           </a:p>
           <a:p>
-            <a:pPr indent="0" lvl="0" marL="0" rtl="0" algn="l">
+            <a:pPr marL="0" lvl="0" indent="0" algn="l" rtl="0">
               <a:spcBef>
                 <a:spcPts val="500"/>
               </a:spcBef>
@@ -8320,10 +8445,7 @@
               </a:spcAft>
               <a:buNone/>
             </a:pPr>
-            <a:r>
-              <a:t/>
-            </a:r>
-            <a:endParaRPr/>
+            <a:endParaRPr dirty="0"/>
           </a:p>
         </p:txBody>
       </p:sp>
@@ -8336,11 +8458,11 @@
 </file>
 
 <file path=ppt/slides/slide14.xml><?xml version="1.0" encoding="utf-8"?>
-<p:sld xmlns:a="http://schemas.openxmlformats.org/drawingml/2006/main" xmlns:r="http://schemas.openxmlformats.org/officeDocument/2006/relationships" xmlns:mc="http://schemas.openxmlformats.org/markup-compatibility/2006" xmlns:mv="urn:schemas-microsoft-com:mac:vml" xmlns:p="http://schemas.openxmlformats.org/presentationml/2006/main" xmlns:c="http://schemas.openxmlformats.org/drawingml/2006/chart" xmlns:dgm="http://schemas.openxmlformats.org/drawingml/2006/diagram" xmlns:o="urn:schemas-microsoft-com:office:office" xmlns:v="urn:schemas-microsoft-com:vml" xmlns:pvml="urn:schemas-microsoft-com:office:powerpoint" xmlns:com="http://schemas.openxmlformats.org/drawingml/2006/compatibility" xmlns:p14="http://schemas.microsoft.com/office/powerpoint/2010/main" xmlns:p15="http://schemas.microsoft.com/office/powerpoint/2012/main" xmlns:ahyp="http://schemas.microsoft.com/office/drawing/2018/hyperlinkcolor">
+<p:sld xmlns:a="http://schemas.openxmlformats.org/drawingml/2006/main" xmlns:r="http://schemas.openxmlformats.org/officeDocument/2006/relationships" xmlns:p="http://schemas.openxmlformats.org/presentationml/2006/main">
   <p:cSld>
     <p:spTree>
       <p:nvGrpSpPr>
-        <p:cNvPr id="164" name="Shape 164"/>
+        <p:cNvPr id="1" name="Shape 164"/>
         <p:cNvGrpSpPr/>
         <p:nvPr/>
       </p:nvGrpSpPr>
@@ -8355,7 +8477,9 @@
       <p:sp>
         <p:nvSpPr>
           <p:cNvPr id="165" name="Google Shape;165;p26"/>
-          <p:cNvSpPr txBox="1"/>
+          <p:cNvSpPr txBox="1">
+            <a:spLocks noGrp="1"/>
+          </p:cNvSpPr>
           <p:nvPr>
             <p:ph type="ctrTitle"/>
           </p:nvPr>
@@ -8370,12 +8494,12 @@
           </a:prstGeom>
         </p:spPr>
         <p:txBody>
-          <a:bodyPr anchorCtr="0" anchor="b" bIns="91425" lIns="91425" spcFirstLastPara="1" rIns="91425" wrap="square" tIns="91425">
+          <a:bodyPr spcFirstLastPara="1" wrap="square" lIns="91425" tIns="91425" rIns="91425" bIns="91425" anchor="b" anchorCtr="0">
             <a:noAutofit/>
           </a:bodyPr>
           <a:lstStyle/>
           <a:p>
-            <a:pPr indent="0" lvl="0" marL="0" rtl="0" algn="l">
+            <a:pPr marL="0" lvl="0" indent="0" algn="l" rtl="0">
               <a:spcBef>
                 <a:spcPts val="0"/>
               </a:spcBef>
@@ -8458,11 +8582,11 @@
 </file>
 
 <file path=ppt/slides/slide15.xml><?xml version="1.0" encoding="utf-8"?>
-<p:sld xmlns:a="http://schemas.openxmlformats.org/drawingml/2006/main" xmlns:r="http://schemas.openxmlformats.org/officeDocument/2006/relationships" xmlns:mc="http://schemas.openxmlformats.org/markup-compatibility/2006" xmlns:mv="urn:schemas-microsoft-com:mac:vml" xmlns:p="http://schemas.openxmlformats.org/presentationml/2006/main" xmlns:c="http://schemas.openxmlformats.org/drawingml/2006/chart" xmlns:dgm="http://schemas.openxmlformats.org/drawingml/2006/diagram" xmlns:o="urn:schemas-microsoft-com:office:office" xmlns:v="urn:schemas-microsoft-com:vml" xmlns:pvml="urn:schemas-microsoft-com:office:powerpoint" xmlns:com="http://schemas.openxmlformats.org/drawingml/2006/compatibility" xmlns:p14="http://schemas.microsoft.com/office/powerpoint/2010/main" xmlns:p15="http://schemas.microsoft.com/office/powerpoint/2012/main" xmlns:ahyp="http://schemas.microsoft.com/office/drawing/2018/hyperlinkcolor">
+<p:sld xmlns:a="http://schemas.openxmlformats.org/drawingml/2006/main" xmlns:r="http://schemas.openxmlformats.org/officeDocument/2006/relationships" xmlns:p="http://schemas.openxmlformats.org/presentationml/2006/main">
   <p:cSld>
     <p:spTree>
       <p:nvGrpSpPr>
-        <p:cNvPr id="171" name="Shape 171"/>
+        <p:cNvPr id="1" name="Shape 171"/>
         <p:cNvGrpSpPr/>
         <p:nvPr/>
       </p:nvGrpSpPr>
@@ -8477,7 +8601,9 @@
       <p:sp>
         <p:nvSpPr>
           <p:cNvPr id="172" name="Google Shape;172;p27"/>
-          <p:cNvSpPr txBox="1"/>
+          <p:cNvSpPr txBox="1">
+            <a:spLocks noGrp="1"/>
+          </p:cNvSpPr>
           <p:nvPr>
             <p:ph type="ctrTitle"/>
           </p:nvPr>
@@ -8492,12 +8618,12 @@
           </a:prstGeom>
         </p:spPr>
         <p:txBody>
-          <a:bodyPr anchorCtr="0" anchor="b" bIns="91425" lIns="91425" spcFirstLastPara="1" rIns="91425" wrap="square" tIns="91425">
+          <a:bodyPr spcFirstLastPara="1" wrap="square" lIns="91425" tIns="91425" rIns="91425" bIns="91425" anchor="b" anchorCtr="0">
             <a:noAutofit/>
           </a:bodyPr>
           <a:lstStyle/>
           <a:p>
-            <a:pPr indent="0" lvl="0" marL="0" rtl="0" algn="l">
+            <a:pPr marL="0" lvl="0" indent="0" algn="l" rtl="0">
               <a:spcBef>
                 <a:spcPts val="0"/>
               </a:spcBef>
@@ -8580,11 +8706,11 @@
 </file>
 
 <file path=ppt/slides/slide2.xml><?xml version="1.0" encoding="utf-8"?>
-<p:sld xmlns:a="http://schemas.openxmlformats.org/drawingml/2006/main" xmlns:r="http://schemas.openxmlformats.org/officeDocument/2006/relationships" xmlns:mc="http://schemas.openxmlformats.org/markup-compatibility/2006" xmlns:mv="urn:schemas-microsoft-com:mac:vml" xmlns:p="http://schemas.openxmlformats.org/presentationml/2006/main" xmlns:c="http://schemas.openxmlformats.org/drawingml/2006/chart" xmlns:dgm="http://schemas.openxmlformats.org/drawingml/2006/diagram" xmlns:o="urn:schemas-microsoft-com:office:office" xmlns:v="urn:schemas-microsoft-com:vml" xmlns:pvml="urn:schemas-microsoft-com:office:powerpoint" xmlns:com="http://schemas.openxmlformats.org/drawingml/2006/compatibility" xmlns:p14="http://schemas.microsoft.com/office/powerpoint/2010/main" xmlns:p15="http://schemas.microsoft.com/office/powerpoint/2012/main" xmlns:ahyp="http://schemas.microsoft.com/office/drawing/2018/hyperlinkcolor">
+<p:sld xmlns:a="http://schemas.openxmlformats.org/drawingml/2006/main" xmlns:r="http://schemas.openxmlformats.org/officeDocument/2006/relationships" xmlns:p="http://schemas.openxmlformats.org/presentationml/2006/main">
   <p:cSld>
     <p:spTree>
       <p:nvGrpSpPr>
-        <p:cNvPr id="64" name="Shape 64"/>
+        <p:cNvPr id="1" name="Shape 64"/>
         <p:cNvGrpSpPr/>
         <p:nvPr/>
       </p:nvGrpSpPr>
@@ -8599,7 +8725,9 @@
       <p:sp>
         <p:nvSpPr>
           <p:cNvPr id="65" name="Google Shape;65;p14"/>
-          <p:cNvSpPr txBox="1"/>
+          <p:cNvSpPr txBox="1">
+            <a:spLocks noGrp="1"/>
+          </p:cNvSpPr>
           <p:nvPr>
             <p:ph type="ctrTitle"/>
           </p:nvPr>
@@ -8614,12 +8742,12 @@
           </a:prstGeom>
         </p:spPr>
         <p:txBody>
-          <a:bodyPr anchorCtr="0" anchor="b" bIns="91425" lIns="91425" spcFirstLastPara="1" rIns="91425" wrap="square" tIns="91425">
+          <a:bodyPr spcFirstLastPara="1" wrap="square" lIns="91425" tIns="91425" rIns="91425" bIns="91425" anchor="b" anchorCtr="0">
             <a:noAutofit/>
           </a:bodyPr>
           <a:lstStyle/>
           <a:p>
-            <a:pPr indent="0" lvl="0" marL="0" rtl="0" algn="l">
+            <a:pPr marL="0" lvl="0" indent="0" algn="l" rtl="0">
               <a:spcBef>
                 <a:spcPts val="0"/>
               </a:spcBef>
@@ -8668,9 +8796,11 @@
       <p:sp>
         <p:nvSpPr>
           <p:cNvPr id="67" name="Google Shape;67;p14"/>
-          <p:cNvSpPr txBox="1"/>
+          <p:cNvSpPr txBox="1">
+            <a:spLocks noGrp="1"/>
+          </p:cNvSpPr>
           <p:nvPr>
-            <p:ph idx="1" type="subTitle"/>
+            <p:ph type="subTitle" idx="1"/>
           </p:nvPr>
         </p:nvSpPr>
         <p:spPr>
@@ -8683,12 +8813,12 @@
           </a:prstGeom>
         </p:spPr>
         <p:txBody>
-          <a:bodyPr anchorCtr="0" anchor="t" bIns="91425" lIns="91425" spcFirstLastPara="1" rIns="91425" wrap="square" tIns="91425">
+          <a:bodyPr spcFirstLastPara="1" wrap="square" lIns="91425" tIns="91425" rIns="91425" bIns="91425" anchor="t" anchorCtr="0">
             <a:normAutofit lnSpcReduction="20000"/>
           </a:bodyPr>
           <a:lstStyle/>
           <a:p>
-            <a:pPr indent="0" lvl="0" marL="0" rtl="0" algn="l">
+            <a:pPr marL="0" lvl="0" indent="0" algn="l" rtl="0">
               <a:spcBef>
                 <a:spcPts val="0"/>
               </a:spcBef>
@@ -8699,15 +8829,7 @@
             </a:pPr>
             <a:r>
               <a:rPr lang="es"/>
-              <a:t>Distribución</a:t>
-            </a:r>
-            <a:r>
-              <a:rPr lang="es"/>
-              <a:t> de ventas del Primer trimestre 2021</a:t>
-            </a:r>
-            <a:r>
-              <a:rPr lang="es"/>
-              <a:t>:</a:t>
+              <a:t>Distribución de ventas del Primer trimestre 2021:</a:t>
             </a:r>
             <a:endParaRPr/>
           </a:p>
@@ -8778,11 +8900,11 @@
 </file>
 
 <file path=ppt/slides/slide3.xml><?xml version="1.0" encoding="utf-8"?>
-<p:sld xmlns:a="http://schemas.openxmlformats.org/drawingml/2006/main" xmlns:r="http://schemas.openxmlformats.org/officeDocument/2006/relationships" xmlns:mc="http://schemas.openxmlformats.org/markup-compatibility/2006" xmlns:mv="urn:schemas-microsoft-com:mac:vml" xmlns:p="http://schemas.openxmlformats.org/presentationml/2006/main" xmlns:c="http://schemas.openxmlformats.org/drawingml/2006/chart" xmlns:dgm="http://schemas.openxmlformats.org/drawingml/2006/diagram" xmlns:o="urn:schemas-microsoft-com:office:office" xmlns:v="urn:schemas-microsoft-com:vml" xmlns:pvml="urn:schemas-microsoft-com:office:powerpoint" xmlns:com="http://schemas.openxmlformats.org/drawingml/2006/compatibility" xmlns:p14="http://schemas.microsoft.com/office/powerpoint/2010/main" xmlns:p15="http://schemas.microsoft.com/office/powerpoint/2012/main" xmlns:ahyp="http://schemas.microsoft.com/office/drawing/2018/hyperlinkcolor">
+<p:sld xmlns:a="http://schemas.openxmlformats.org/drawingml/2006/main" xmlns:r="http://schemas.openxmlformats.org/officeDocument/2006/relationships" xmlns:p="http://schemas.openxmlformats.org/presentationml/2006/main">
   <p:cSld>
     <p:spTree>
       <p:nvGrpSpPr>
-        <p:cNvPr id="73" name="Shape 73"/>
+        <p:cNvPr id="1" name="Shape 73"/>
         <p:cNvGrpSpPr/>
         <p:nvPr/>
       </p:nvGrpSpPr>
@@ -8797,7 +8919,9 @@
       <p:sp>
         <p:nvSpPr>
           <p:cNvPr id="74" name="Google Shape;74;p15"/>
-          <p:cNvSpPr txBox="1"/>
+          <p:cNvSpPr txBox="1">
+            <a:spLocks noGrp="1"/>
+          </p:cNvSpPr>
           <p:nvPr>
             <p:ph type="ctrTitle"/>
           </p:nvPr>
@@ -8812,12 +8936,12 @@
           </a:prstGeom>
         </p:spPr>
         <p:txBody>
-          <a:bodyPr anchorCtr="0" anchor="b" bIns="91425" lIns="91425" spcFirstLastPara="1" rIns="91425" wrap="square" tIns="91425">
+          <a:bodyPr spcFirstLastPara="1" wrap="square" lIns="91425" tIns="91425" rIns="91425" bIns="91425" anchor="b" anchorCtr="0">
             <a:noAutofit/>
           </a:bodyPr>
           <a:lstStyle/>
           <a:p>
-            <a:pPr indent="0" lvl="0" marL="0" rtl="0" algn="l">
+            <a:pPr marL="0" lvl="0" indent="0" algn="l" rtl="0">
               <a:spcBef>
                 <a:spcPts val="0"/>
               </a:spcBef>
@@ -8866,9 +8990,11 @@
       <p:sp>
         <p:nvSpPr>
           <p:cNvPr id="76" name="Google Shape;76;p15"/>
-          <p:cNvSpPr txBox="1"/>
+          <p:cNvSpPr txBox="1">
+            <a:spLocks noGrp="1"/>
+          </p:cNvSpPr>
           <p:nvPr>
-            <p:ph idx="1" type="subTitle"/>
+            <p:ph type="subTitle" idx="1"/>
           </p:nvPr>
         </p:nvSpPr>
         <p:spPr>
@@ -8881,12 +9007,12 @@
           </a:prstGeom>
         </p:spPr>
         <p:txBody>
-          <a:bodyPr anchorCtr="0" anchor="t" bIns="91425" lIns="91425" spcFirstLastPara="1" rIns="91425" wrap="square" tIns="91425">
+          <a:bodyPr spcFirstLastPara="1" wrap="square" lIns="91425" tIns="91425" rIns="91425" bIns="91425" anchor="t" anchorCtr="0">
             <a:normAutofit lnSpcReduction="20000"/>
           </a:bodyPr>
           <a:lstStyle/>
           <a:p>
-            <a:pPr indent="0" lvl="0" marL="0" rtl="0" algn="l">
+            <a:pPr marL="0" lvl="0" indent="0" algn="l" rtl="0">
               <a:spcBef>
                 <a:spcPts val="0"/>
               </a:spcBef>
@@ -8897,11 +9023,7 @@
             </a:pPr>
             <a:r>
               <a:rPr lang="es"/>
-              <a:t>G</a:t>
-            </a:r>
-            <a:r>
-              <a:rPr lang="es"/>
-              <a:t>anancias por Tienda:</a:t>
+              <a:t>Ganancias por Tienda:</a:t>
             </a:r>
             <a:endParaRPr/>
           </a:p>
@@ -8955,12 +9077,12 @@
           </a:ln>
         </p:spPr>
         <p:txBody>
-          <a:bodyPr anchorCtr="0" anchor="t" bIns="91425" lIns="91425" spcFirstLastPara="1" rIns="91425" wrap="square" tIns="91425">
+          <a:bodyPr spcFirstLastPara="1" wrap="square" lIns="91425" tIns="91425" rIns="91425" bIns="91425" anchor="t" anchorCtr="0">
             <a:spAutoFit/>
           </a:bodyPr>
           <a:lstStyle/>
           <a:p>
-            <a:pPr indent="0" lvl="0" marL="0" rtl="0" algn="l">
+            <a:pPr marL="0" lvl="0" indent="0" algn="l" rtl="0">
               <a:spcBef>
                 <a:spcPts val="0"/>
               </a:spcBef>
@@ -8971,39 +9093,7 @@
             </a:pPr>
             <a:r>
               <a:rPr lang="es"/>
-              <a:t>Grid con 4 años de </a:t>
-            </a:r>
-            <a:r>
-              <a:rPr lang="es"/>
-              <a:t>antigüedad</a:t>
-            </a:r>
-            <a:r>
-              <a:rPr lang="es"/>
-              <a:t> es la marca que mejor se </a:t>
-            </a:r>
-            <a:r>
-              <a:rPr lang="es"/>
-              <a:t>posicionó</a:t>
-            </a:r>
-            <a:r>
-              <a:rPr lang="es"/>
-              <a:t> en el canal online obteniendo ganancias superiores a Dash que es la marca </a:t>
-            </a:r>
-            <a:r>
-              <a:rPr lang="es"/>
-              <a:t>histórica</a:t>
-            </a:r>
-            <a:r>
-              <a:rPr lang="es"/>
-              <a:t> de la empresa, teniendo en cuenta que GRID suele manejar lanzamientos exclusivos evidencia la </a:t>
-            </a:r>
-            <a:r>
-              <a:rPr lang="es"/>
-              <a:t>respuesta</a:t>
-            </a:r>
-            <a:r>
-              <a:rPr lang="es"/>
-              <a:t> del mercado en ese sentido</a:t>
+              <a:t>Grid con 4 años de antigüedad es la marca que mejor se posicionó en el canal online obteniendo ganancias superiores a Dash que es la marca histórica de la empresa, teniendo en cuenta que GRID suele manejar lanzamientos exclusivos evidencia la respuesta del mercado en ese sentido</a:t>
             </a:r>
             <a:endParaRPr/>
           </a:p>
@@ -9018,11 +9108,11 @@
 </file>
 
 <file path=ppt/slides/slide4.xml><?xml version="1.0" encoding="utf-8"?>
-<p:sld xmlns:a="http://schemas.openxmlformats.org/drawingml/2006/main" xmlns:r="http://schemas.openxmlformats.org/officeDocument/2006/relationships" xmlns:mc="http://schemas.openxmlformats.org/markup-compatibility/2006" xmlns:mv="urn:schemas-microsoft-com:mac:vml" xmlns:p="http://schemas.openxmlformats.org/presentationml/2006/main" xmlns:c="http://schemas.openxmlformats.org/drawingml/2006/chart" xmlns:dgm="http://schemas.openxmlformats.org/drawingml/2006/diagram" xmlns:o="urn:schemas-microsoft-com:office:office" xmlns:v="urn:schemas-microsoft-com:vml" xmlns:pvml="urn:schemas-microsoft-com:office:powerpoint" xmlns:com="http://schemas.openxmlformats.org/drawingml/2006/compatibility" xmlns:p14="http://schemas.microsoft.com/office/powerpoint/2010/main" xmlns:p15="http://schemas.microsoft.com/office/powerpoint/2012/main" xmlns:ahyp="http://schemas.microsoft.com/office/drawing/2018/hyperlinkcolor">
+<p:sld xmlns:a="http://schemas.openxmlformats.org/drawingml/2006/main" xmlns:r="http://schemas.openxmlformats.org/officeDocument/2006/relationships" xmlns:p="http://schemas.openxmlformats.org/presentationml/2006/main">
   <p:cSld>
     <p:spTree>
       <p:nvGrpSpPr>
-        <p:cNvPr id="82" name="Shape 82"/>
+        <p:cNvPr id="1" name="Shape 82"/>
         <p:cNvGrpSpPr/>
         <p:nvPr/>
       </p:nvGrpSpPr>
@@ -9037,7 +9127,9 @@
       <p:sp>
         <p:nvSpPr>
           <p:cNvPr id="83" name="Google Shape;83;p16"/>
-          <p:cNvSpPr txBox="1"/>
+          <p:cNvSpPr txBox="1">
+            <a:spLocks noGrp="1"/>
+          </p:cNvSpPr>
           <p:nvPr>
             <p:ph type="ctrTitle"/>
           </p:nvPr>
@@ -9052,12 +9144,12 @@
           </a:prstGeom>
         </p:spPr>
         <p:txBody>
-          <a:bodyPr anchorCtr="0" anchor="b" bIns="91425" lIns="91425" spcFirstLastPara="1" rIns="91425" wrap="square" tIns="91425">
+          <a:bodyPr spcFirstLastPara="1" wrap="square" lIns="91425" tIns="91425" rIns="91425" bIns="91425" anchor="b" anchorCtr="0">
             <a:noAutofit/>
           </a:bodyPr>
           <a:lstStyle/>
           <a:p>
-            <a:pPr indent="0" lvl="0" marL="0" rtl="0" algn="l">
+            <a:pPr marL="0" lvl="0" indent="0" algn="l" rtl="0">
               <a:spcBef>
                 <a:spcPts val="0"/>
               </a:spcBef>
@@ -9139,8 +9231,8 @@
         </p:nvSpPr>
         <p:spPr>
           <a:xfrm>
-            <a:off x="81450" y="3663575"/>
-            <a:ext cx="8981100" cy="1518600"/>
+            <a:off x="81450" y="3596337"/>
+            <a:ext cx="8981100" cy="1595278"/>
           </a:xfrm>
           <a:prstGeom prst="rect">
             <a:avLst/>
@@ -9151,12 +9243,12 @@
           </a:ln>
         </p:spPr>
         <p:txBody>
-          <a:bodyPr anchorCtr="0" anchor="t" bIns="91425" lIns="91425" spcFirstLastPara="1" rIns="91425" wrap="square" tIns="91425">
+          <a:bodyPr spcFirstLastPara="1" wrap="square" lIns="91425" tIns="91425" rIns="91425" bIns="91425" anchor="t" anchorCtr="0">
             <a:spAutoFit/>
           </a:bodyPr>
           <a:lstStyle/>
           <a:p>
-            <a:pPr indent="0" lvl="0" marL="0" rtl="0" algn="l">
+            <a:pPr marL="0" lvl="0" indent="0" algn="l" rtl="0">
               <a:lnSpc>
                 <a:spcPct val="115000"/>
               </a:lnSpc>
@@ -9174,7 +9266,7 @@
               <a:buNone/>
             </a:pPr>
             <a:r>
-              <a:rPr b="1" lang="es" sz="1000">
+              <a:rPr lang="es" sz="1000" b="1" dirty="0">
                 <a:solidFill>
                   <a:schemeClr val="accent2"/>
                 </a:solidFill>
@@ -9188,7 +9280,7 @@
               </a:rPr>
               <a:t>Se puede notar que:</a:t>
             </a:r>
-            <a:endParaRPr b="1" sz="1000">
+            <a:endParaRPr sz="1000" b="1" dirty="0">
               <a:solidFill>
                 <a:schemeClr val="accent2"/>
               </a:solidFill>
@@ -9202,7 +9294,7 @@
             </a:endParaRPr>
           </a:p>
           <a:p>
-            <a:pPr indent="0" lvl="0" marL="0" rtl="0" algn="l">
+            <a:pPr marL="0" lvl="0" indent="0" algn="l" rtl="0">
               <a:lnSpc>
                 <a:spcPct val="115000"/>
               </a:lnSpc>
@@ -9220,7 +9312,7 @@
               <a:buNone/>
             </a:pPr>
             <a:r>
-              <a:rPr lang="es" sz="1000">
+              <a:rPr lang="es" sz="1000" dirty="0">
                 <a:solidFill>
                   <a:schemeClr val="accent2"/>
                 </a:solidFill>
@@ -9232,39 +9324,9 @@
                 <a:cs typeface="Roboto"/>
                 <a:sym typeface="Roboto"/>
               </a:rPr>
-              <a:t>La tienda "Grid" tal como vimos </a:t>
+              <a:t>La tienda "Grid" tal como vimos anteriormente es la que mayor ganancia genera. La segunda que mayor ganancia genera es "Dash", pero de acuerdo al boxplot tiene en promedio ganancias menores a varias de las tiendas y algunos outliers a analizar. También es la que mayor cantidad de ventas tiene.Ambas tienen pérdidas probablemente por las promociones que ofrecen. "Nike" tiene un caso de pérdida mayor a 5000 que habría que analizar en detalle para ver si corresponde a un error de datos o hubo realmente una venta con esa pérdida.</a:t>
             </a:r>
-            <a:r>
-              <a:rPr lang="es" sz="1000">
-                <a:solidFill>
-                  <a:schemeClr val="accent2"/>
-                </a:solidFill>
-                <a:highlight>
-                  <a:srgbClr val="FFFFFF"/>
-                </a:highlight>
-                <a:latin typeface="Roboto"/>
-                <a:ea typeface="Roboto"/>
-                <a:cs typeface="Roboto"/>
-                <a:sym typeface="Roboto"/>
-              </a:rPr>
-              <a:t>anteriormente</a:t>
-            </a:r>
-            <a:r>
-              <a:rPr lang="es" sz="1000">
-                <a:solidFill>
-                  <a:schemeClr val="accent2"/>
-                </a:solidFill>
-                <a:highlight>
-                  <a:srgbClr val="FFFFFF"/>
-                </a:highlight>
-                <a:latin typeface="Roboto"/>
-                <a:ea typeface="Roboto"/>
-                <a:cs typeface="Roboto"/>
-                <a:sym typeface="Roboto"/>
-              </a:rPr>
-              <a:t> es la que mayor ganancia genera. La segunda que mayor ganancia genera es "Dash", pero de acuerdo al boxplot tiene en promedio ganancias menores a varias de las tiendas y algunos outliers a analizar. También es la que mayor cantidad de ventas tiene.Ambas tienen pérdidas probablemente por las promociones que ofrecen. "Nike" tiene un caso de pérdida mayor a 5000 que habría que analizar en detalle para ver si corresponde a un error de datos o hubo realmente una venta con esa pérdida.</a:t>
-            </a:r>
-            <a:endParaRPr sz="1000">
+            <a:endParaRPr sz="1000" dirty="0">
               <a:solidFill>
                 <a:schemeClr val="accent2"/>
               </a:solidFill>
@@ -9278,7 +9340,7 @@
             </a:endParaRPr>
           </a:p>
           <a:p>
-            <a:pPr indent="0" lvl="0" marL="0" rtl="0" algn="l">
+            <a:pPr marL="0" lvl="0" indent="0" algn="l" rtl="0">
               <a:spcBef>
                 <a:spcPts val="500"/>
               </a:spcBef>
@@ -9288,34 +9350,10 @@
               <a:buNone/>
             </a:pPr>
             <a:r>
-              <a:rPr lang="es" sz="1000"/>
-              <a:t>Comercialmente</a:t>
+              <a:rPr lang="es" sz="1000" dirty="0"/>
+              <a:t>Comercialmente hablando este gráfico muestra la importancia del manejo de las tiendas oficiales de las marcas dentro de Meli, más si se tiene en cuenta la gráfica inicial que compara las ventas de Vtex con Meli</a:t>
             </a:r>
-            <a:r>
-              <a:rPr lang="es" sz="1000"/>
-              <a:t> hablando e</a:t>
-            </a:r>
-            <a:r>
-              <a:rPr lang="es" sz="1000"/>
-              <a:t>ste </a:t>
-            </a:r>
-            <a:r>
-              <a:rPr lang="es" sz="1000"/>
-              <a:t>gráfico</a:t>
-            </a:r>
-            <a:r>
-              <a:rPr lang="es" sz="1000"/>
-              <a:t> muestra la importancia del manejo de las tiendas oficiales de las marcas dentro de Meli, mas si se tiene en cuenta la </a:t>
-            </a:r>
-            <a:r>
-              <a:rPr lang="es" sz="1000"/>
-              <a:t>gráfica</a:t>
-            </a:r>
-            <a:r>
-              <a:rPr lang="es" sz="1000"/>
-              <a:t> inicial que compara las ventas de Vtex con Meli</a:t>
-            </a:r>
-            <a:endParaRPr sz="1000"/>
+            <a:endParaRPr sz="1000" dirty="0"/>
           </a:p>
         </p:txBody>
       </p:sp>
@@ -9328,11 +9366,11 @@
 </file>
 
 <file path=ppt/slides/slide5.xml><?xml version="1.0" encoding="utf-8"?>
-<p:sld xmlns:a="http://schemas.openxmlformats.org/drawingml/2006/main" xmlns:r="http://schemas.openxmlformats.org/officeDocument/2006/relationships" xmlns:mc="http://schemas.openxmlformats.org/markup-compatibility/2006" xmlns:mv="urn:schemas-microsoft-com:mac:vml" xmlns:p="http://schemas.openxmlformats.org/presentationml/2006/main" xmlns:c="http://schemas.openxmlformats.org/drawingml/2006/chart" xmlns:dgm="http://schemas.openxmlformats.org/drawingml/2006/diagram" xmlns:o="urn:schemas-microsoft-com:office:office" xmlns:v="urn:schemas-microsoft-com:vml" xmlns:pvml="urn:schemas-microsoft-com:office:powerpoint" xmlns:com="http://schemas.openxmlformats.org/drawingml/2006/compatibility" xmlns:p14="http://schemas.microsoft.com/office/powerpoint/2010/main" xmlns:p15="http://schemas.microsoft.com/office/powerpoint/2012/main" xmlns:ahyp="http://schemas.microsoft.com/office/drawing/2018/hyperlinkcolor">
+<p:sld xmlns:a="http://schemas.openxmlformats.org/drawingml/2006/main" xmlns:r="http://schemas.openxmlformats.org/officeDocument/2006/relationships" xmlns:p="http://schemas.openxmlformats.org/presentationml/2006/main">
   <p:cSld>
     <p:spTree>
       <p:nvGrpSpPr>
-        <p:cNvPr id="90" name="Shape 90"/>
+        <p:cNvPr id="1" name="Shape 90"/>
         <p:cNvGrpSpPr/>
         <p:nvPr/>
       </p:nvGrpSpPr>
@@ -9347,7 +9385,9 @@
       <p:sp>
         <p:nvSpPr>
           <p:cNvPr id="91" name="Google Shape;91;p17"/>
-          <p:cNvSpPr txBox="1"/>
+          <p:cNvSpPr txBox="1">
+            <a:spLocks noGrp="1"/>
+          </p:cNvSpPr>
           <p:nvPr>
             <p:ph type="ctrTitle"/>
           </p:nvPr>
@@ -9362,12 +9402,12 @@
           </a:prstGeom>
         </p:spPr>
         <p:txBody>
-          <a:bodyPr anchorCtr="0" anchor="b" bIns="91425" lIns="91425" spcFirstLastPara="1" rIns="91425" wrap="square" tIns="91425">
+          <a:bodyPr spcFirstLastPara="1" wrap="square" lIns="91425" tIns="91425" rIns="91425" bIns="91425" anchor="b" anchorCtr="0">
             <a:noAutofit/>
           </a:bodyPr>
           <a:lstStyle/>
           <a:p>
-            <a:pPr indent="0" lvl="0" marL="0" rtl="0" algn="l">
+            <a:pPr marL="0" lvl="0" indent="0" algn="l" rtl="0">
               <a:spcBef>
                 <a:spcPts val="0"/>
               </a:spcBef>
@@ -9416,9 +9456,11 @@
       <p:sp>
         <p:nvSpPr>
           <p:cNvPr id="93" name="Google Shape;93;p17"/>
-          <p:cNvSpPr txBox="1"/>
+          <p:cNvSpPr txBox="1">
+            <a:spLocks noGrp="1"/>
+          </p:cNvSpPr>
           <p:nvPr>
-            <p:ph idx="1" type="subTitle"/>
+            <p:ph type="subTitle" idx="1"/>
           </p:nvPr>
         </p:nvSpPr>
         <p:spPr>
@@ -9431,12 +9473,12 @@
           </a:prstGeom>
         </p:spPr>
         <p:txBody>
-          <a:bodyPr anchorCtr="0" anchor="t" bIns="91425" lIns="91425" spcFirstLastPara="1" rIns="91425" wrap="square" tIns="91425">
+          <a:bodyPr spcFirstLastPara="1" wrap="square" lIns="91425" tIns="91425" rIns="91425" bIns="91425" anchor="t" anchorCtr="0">
             <a:normAutofit lnSpcReduction="20000"/>
           </a:bodyPr>
           <a:lstStyle/>
           <a:p>
-            <a:pPr indent="0" lvl="0" marL="0" rtl="0" algn="l">
+            <a:pPr marL="0" lvl="0" indent="0" algn="l" rtl="0">
               <a:spcBef>
                 <a:spcPts val="0"/>
               </a:spcBef>
@@ -9447,11 +9489,7 @@
             </a:pPr>
             <a:r>
               <a:rPr lang="es"/>
-              <a:t>V</a:t>
-            </a:r>
-            <a:r>
-              <a:rPr lang="es"/>
-              <a:t>entas por Tienda:</a:t>
+              <a:t>Ventas por Tienda:</a:t>
             </a:r>
             <a:endParaRPr/>
           </a:p>
@@ -9505,12 +9543,12 @@
           </a:ln>
         </p:spPr>
         <p:txBody>
-          <a:bodyPr anchorCtr="0" anchor="t" bIns="91425" lIns="91425" spcFirstLastPara="1" rIns="91425" wrap="square" tIns="91425">
+          <a:bodyPr spcFirstLastPara="1" wrap="square" lIns="91425" tIns="91425" rIns="91425" bIns="91425" anchor="t" anchorCtr="0">
             <a:spAutoFit/>
           </a:bodyPr>
           <a:lstStyle/>
           <a:p>
-            <a:pPr indent="0" lvl="0" marL="0" rtl="0" algn="just">
+            <a:pPr marL="0" lvl="0" indent="0" algn="just" rtl="0">
               <a:spcBef>
                 <a:spcPts val="0"/>
               </a:spcBef>
@@ -9521,27 +9559,7 @@
             </a:pPr>
             <a:r>
               <a:rPr lang="es"/>
-              <a:t>Teniendo en cuenta los </a:t>
-            </a:r>
-            <a:r>
-              <a:rPr lang="es"/>
-              <a:t>gráficos</a:t>
-            </a:r>
-            <a:r>
-              <a:rPr lang="es"/>
-              <a:t> anteriores se puede notar que el mayor </a:t>
-            </a:r>
-            <a:r>
-              <a:rPr lang="es"/>
-              <a:t>volumen no</a:t>
-            </a:r>
-            <a:r>
-              <a:rPr lang="es"/>
-              <a:t> representa mayor ganancia ya que en este caso Dash es la tienda con mayor volumen de la empresa</a:t>
-            </a:r>
-            <a:r>
-              <a:rPr lang="es"/>
-              <a:t>.</a:t>
+              <a:t>Teniendo en cuenta los gráficos anteriores se puede notar que el mayor volumen no representa mayor ganancia ya que en este caso Dash es la tienda con mayor volumen de la empresa.</a:t>
             </a:r>
             <a:endParaRPr/>
           </a:p>
@@ -9556,11 +9574,11 @@
 </file>
 
 <file path=ppt/slides/slide6.xml><?xml version="1.0" encoding="utf-8"?>
-<p:sld xmlns:a="http://schemas.openxmlformats.org/drawingml/2006/main" xmlns:r="http://schemas.openxmlformats.org/officeDocument/2006/relationships" xmlns:mc="http://schemas.openxmlformats.org/markup-compatibility/2006" xmlns:mv="urn:schemas-microsoft-com:mac:vml" xmlns:p="http://schemas.openxmlformats.org/presentationml/2006/main" xmlns:c="http://schemas.openxmlformats.org/drawingml/2006/chart" xmlns:dgm="http://schemas.openxmlformats.org/drawingml/2006/diagram" xmlns:o="urn:schemas-microsoft-com:office:office" xmlns:v="urn:schemas-microsoft-com:vml" xmlns:pvml="urn:schemas-microsoft-com:office:powerpoint" xmlns:com="http://schemas.openxmlformats.org/drawingml/2006/compatibility" xmlns:p14="http://schemas.microsoft.com/office/powerpoint/2010/main" xmlns:p15="http://schemas.microsoft.com/office/powerpoint/2012/main" xmlns:ahyp="http://schemas.microsoft.com/office/drawing/2018/hyperlinkcolor">
+<p:sld xmlns:a="http://schemas.openxmlformats.org/drawingml/2006/main" xmlns:r="http://schemas.openxmlformats.org/officeDocument/2006/relationships" xmlns:p="http://schemas.openxmlformats.org/presentationml/2006/main">
   <p:cSld>
     <p:spTree>
       <p:nvGrpSpPr>
-        <p:cNvPr id="99" name="Shape 99"/>
+        <p:cNvPr id="1" name="Shape 99"/>
         <p:cNvGrpSpPr/>
         <p:nvPr/>
       </p:nvGrpSpPr>
@@ -9575,7 +9593,9 @@
       <p:sp>
         <p:nvSpPr>
           <p:cNvPr id="100" name="Google Shape;100;p18"/>
-          <p:cNvSpPr txBox="1"/>
+          <p:cNvSpPr txBox="1">
+            <a:spLocks noGrp="1"/>
+          </p:cNvSpPr>
           <p:nvPr>
             <p:ph type="ctrTitle"/>
           </p:nvPr>
@@ -9590,12 +9610,12 @@
           </a:prstGeom>
         </p:spPr>
         <p:txBody>
-          <a:bodyPr anchorCtr="0" anchor="b" bIns="91425" lIns="91425" spcFirstLastPara="1" rIns="91425" wrap="square" tIns="91425">
+          <a:bodyPr spcFirstLastPara="1" wrap="square" lIns="91425" tIns="91425" rIns="91425" bIns="91425" anchor="b" anchorCtr="0">
             <a:noAutofit/>
           </a:bodyPr>
           <a:lstStyle/>
           <a:p>
-            <a:pPr indent="0" lvl="0" marL="0" rtl="0" algn="l">
+            <a:pPr marL="0" lvl="0" indent="0" algn="l" rtl="0">
               <a:spcBef>
                 <a:spcPts val="0"/>
               </a:spcBef>
@@ -9689,12 +9709,12 @@
           </a:ln>
         </p:spPr>
         <p:txBody>
-          <a:bodyPr anchorCtr="0" anchor="t" bIns="91425" lIns="91425" spcFirstLastPara="1" rIns="91425" wrap="square" tIns="91425">
+          <a:bodyPr spcFirstLastPara="1" wrap="square" lIns="91425" tIns="91425" rIns="91425" bIns="91425" anchor="t" anchorCtr="0">
             <a:spAutoFit/>
           </a:bodyPr>
           <a:lstStyle/>
           <a:p>
-            <a:pPr indent="0" lvl="0" marL="0" rtl="0" algn="l">
+            <a:pPr marL="0" lvl="0" indent="0" algn="l" rtl="0">
               <a:spcBef>
                 <a:spcPts val="0"/>
               </a:spcBef>
@@ -9705,15 +9725,7 @@
             </a:pPr>
             <a:r>
               <a:rPr lang="es"/>
-              <a:t>Como se puede observar el grueso del negocio es calzado, pero no hay que descuidar las otras </a:t>
-            </a:r>
-            <a:r>
-              <a:rPr lang="es"/>
-              <a:t>líneas</a:t>
-            </a:r>
-            <a:r>
-              <a:rPr lang="es"/>
-              <a:t> ya que brindan variedad de productos en tienda y pueden derivar en sumar al valor de ticket promedio</a:t>
+              <a:t>Como se puede observar el grueso del negocio es calzado, pero no hay que descuidar las otras líneas ya que brindan variedad de productos en tienda y pueden derivar en sumar al valor de ticket promedio</a:t>
             </a:r>
             <a:endParaRPr/>
           </a:p>
@@ -9728,11 +9740,11 @@
 </file>
 
 <file path=ppt/slides/slide7.xml><?xml version="1.0" encoding="utf-8"?>
-<p:sld xmlns:a="http://schemas.openxmlformats.org/drawingml/2006/main" xmlns:r="http://schemas.openxmlformats.org/officeDocument/2006/relationships" xmlns:mc="http://schemas.openxmlformats.org/markup-compatibility/2006" xmlns:mv="urn:schemas-microsoft-com:mac:vml" xmlns:p="http://schemas.openxmlformats.org/presentationml/2006/main" xmlns:c="http://schemas.openxmlformats.org/drawingml/2006/chart" xmlns:dgm="http://schemas.openxmlformats.org/drawingml/2006/diagram" xmlns:o="urn:schemas-microsoft-com:office:office" xmlns:v="urn:schemas-microsoft-com:vml" xmlns:pvml="urn:schemas-microsoft-com:office:powerpoint" xmlns:com="http://schemas.openxmlformats.org/drawingml/2006/compatibility" xmlns:p14="http://schemas.microsoft.com/office/powerpoint/2010/main" xmlns:p15="http://schemas.microsoft.com/office/powerpoint/2012/main" xmlns:ahyp="http://schemas.microsoft.com/office/drawing/2018/hyperlinkcolor">
+<p:sld xmlns:a="http://schemas.openxmlformats.org/drawingml/2006/main" xmlns:r="http://schemas.openxmlformats.org/officeDocument/2006/relationships" xmlns:p="http://schemas.openxmlformats.org/presentationml/2006/main">
   <p:cSld>
     <p:spTree>
       <p:nvGrpSpPr>
-        <p:cNvPr id="107" name="Shape 107"/>
+        <p:cNvPr id="1" name="Shape 107"/>
         <p:cNvGrpSpPr/>
         <p:nvPr/>
       </p:nvGrpSpPr>
@@ -9747,7 +9759,9 @@
       <p:sp>
         <p:nvSpPr>
           <p:cNvPr id="108" name="Google Shape;108;p19"/>
-          <p:cNvSpPr txBox="1"/>
+          <p:cNvSpPr txBox="1">
+            <a:spLocks noGrp="1"/>
+          </p:cNvSpPr>
           <p:nvPr>
             <p:ph type="ctrTitle"/>
           </p:nvPr>
@@ -9762,12 +9776,12 @@
           </a:prstGeom>
         </p:spPr>
         <p:txBody>
-          <a:bodyPr anchorCtr="0" anchor="b" bIns="91425" lIns="91425" spcFirstLastPara="1" rIns="91425" wrap="square" tIns="91425">
+          <a:bodyPr spcFirstLastPara="1" wrap="square" lIns="91425" tIns="91425" rIns="91425" bIns="91425" anchor="b" anchorCtr="0">
             <a:noAutofit/>
           </a:bodyPr>
           <a:lstStyle/>
           <a:p>
-            <a:pPr indent="0" lvl="0" marL="0" rtl="0" algn="l">
+            <a:pPr marL="0" lvl="0" indent="0" algn="l" rtl="0">
               <a:spcBef>
                 <a:spcPts val="0"/>
               </a:spcBef>
@@ -9861,12 +9875,12 @@
           </a:ln>
         </p:spPr>
         <p:txBody>
-          <a:bodyPr anchorCtr="0" anchor="t" bIns="91425" lIns="91425" spcFirstLastPara="1" rIns="91425" wrap="square" tIns="91425">
+          <a:bodyPr spcFirstLastPara="1" wrap="square" lIns="91425" tIns="91425" rIns="91425" bIns="91425" anchor="t" anchorCtr="0">
             <a:spAutoFit/>
           </a:bodyPr>
           <a:lstStyle/>
           <a:p>
-            <a:pPr indent="0" lvl="0" marL="0" rtl="0" algn="l">
+            <a:pPr marL="0" lvl="0" indent="0" algn="l" rtl="0">
               <a:spcBef>
                 <a:spcPts val="0"/>
               </a:spcBef>
@@ -9904,7 +9918,7 @@
             </a:endParaRPr>
           </a:p>
           <a:p>
-            <a:pPr indent="0" lvl="0" marL="0" rtl="0" algn="l">
+            <a:pPr marL="0" lvl="0" indent="0" algn="l" rtl="0">
               <a:spcBef>
                 <a:spcPts val="0"/>
               </a:spcBef>
@@ -9964,11 +9978,11 @@
 </file>
 
 <file path=ppt/slides/slide8.xml><?xml version="1.0" encoding="utf-8"?>
-<p:sld xmlns:a="http://schemas.openxmlformats.org/drawingml/2006/main" xmlns:r="http://schemas.openxmlformats.org/officeDocument/2006/relationships" xmlns:mc="http://schemas.openxmlformats.org/markup-compatibility/2006" xmlns:mv="urn:schemas-microsoft-com:mac:vml" xmlns:p="http://schemas.openxmlformats.org/presentationml/2006/main" xmlns:c="http://schemas.openxmlformats.org/drawingml/2006/chart" xmlns:dgm="http://schemas.openxmlformats.org/drawingml/2006/diagram" xmlns:o="urn:schemas-microsoft-com:office:office" xmlns:v="urn:schemas-microsoft-com:vml" xmlns:pvml="urn:schemas-microsoft-com:office:powerpoint" xmlns:com="http://schemas.openxmlformats.org/drawingml/2006/compatibility" xmlns:p14="http://schemas.microsoft.com/office/powerpoint/2010/main" xmlns:p15="http://schemas.microsoft.com/office/powerpoint/2012/main" xmlns:ahyp="http://schemas.microsoft.com/office/drawing/2018/hyperlinkcolor">
+<p:sld xmlns:a="http://schemas.openxmlformats.org/drawingml/2006/main" xmlns:r="http://schemas.openxmlformats.org/officeDocument/2006/relationships" xmlns:p="http://schemas.openxmlformats.org/presentationml/2006/main">
   <p:cSld>
     <p:spTree>
       <p:nvGrpSpPr>
-        <p:cNvPr id="115" name="Shape 115"/>
+        <p:cNvPr id="1" name="Shape 115"/>
         <p:cNvGrpSpPr/>
         <p:nvPr/>
       </p:nvGrpSpPr>
@@ -9983,7 +9997,9 @@
       <p:sp>
         <p:nvSpPr>
           <p:cNvPr id="116" name="Google Shape;116;p20"/>
-          <p:cNvSpPr txBox="1"/>
+          <p:cNvSpPr txBox="1">
+            <a:spLocks noGrp="1"/>
+          </p:cNvSpPr>
           <p:nvPr>
             <p:ph type="ctrTitle"/>
           </p:nvPr>
@@ -9998,12 +10014,12 @@
           </a:prstGeom>
         </p:spPr>
         <p:txBody>
-          <a:bodyPr anchorCtr="0" anchor="b" bIns="91425" lIns="91425" spcFirstLastPara="1" rIns="91425" wrap="square" tIns="91425">
+          <a:bodyPr spcFirstLastPara="1" wrap="square" lIns="91425" tIns="91425" rIns="91425" bIns="91425" anchor="b" anchorCtr="0">
             <a:noAutofit/>
           </a:bodyPr>
           <a:lstStyle/>
           <a:p>
-            <a:pPr indent="0" lvl="0" marL="0" rtl="0" algn="l">
+            <a:pPr marL="0" lvl="0" indent="0" algn="l" rtl="0">
               <a:spcBef>
                 <a:spcPts val="0"/>
               </a:spcBef>
@@ -10097,12 +10113,12 @@
           </a:ln>
         </p:spPr>
         <p:txBody>
-          <a:bodyPr anchorCtr="0" anchor="t" bIns="91425" lIns="91425" spcFirstLastPara="1" rIns="91425" wrap="square" tIns="91425">
+          <a:bodyPr spcFirstLastPara="1" wrap="square" lIns="91425" tIns="91425" rIns="91425" bIns="91425" anchor="t" anchorCtr="0">
             <a:spAutoFit/>
           </a:bodyPr>
           <a:lstStyle/>
           <a:p>
-            <a:pPr indent="0" lvl="0" marL="0" rtl="0" algn="l">
+            <a:pPr marL="0" lvl="0" indent="0" algn="l" rtl="0">
               <a:spcBef>
                 <a:spcPts val="0"/>
               </a:spcBef>
@@ -10113,27 +10129,7 @@
             </a:pPr>
             <a:r>
               <a:rPr lang="es"/>
-              <a:t>Es interesante ver como las tiendas oficiales marcan la </a:t>
-            </a:r>
-            <a:r>
-              <a:rPr lang="es"/>
-              <a:t>segmentación</a:t>
-            </a:r>
-            <a:r>
-              <a:rPr lang="es"/>
-              <a:t> de preferencia del </a:t>
-            </a:r>
-            <a:r>
-              <a:rPr lang="es"/>
-              <a:t>público</a:t>
-            </a:r>
-            <a:r>
-              <a:rPr lang="es"/>
-              <a:t> sobre las marcas y en las tiendas propias que </a:t>
-            </a:r>
-            <a:r>
-              <a:rPr lang="es"/>
-              <a:t>están las mismas marcas juntas con otras esa preferencia no es tan marcada.</a:t>
+              <a:t>Es interesante ver como las tiendas oficiales marcan la segmentación de preferencia del público sobre las marcas y en las tiendas propias que están las mismas marcas juntas con otras esa preferencia no es tan marcada.</a:t>
             </a:r>
             <a:endParaRPr/>
           </a:p>
@@ -10148,11 +10144,11 @@
 </file>
 
 <file path=ppt/slides/slide9.xml><?xml version="1.0" encoding="utf-8"?>
-<p:sld xmlns:a="http://schemas.openxmlformats.org/drawingml/2006/main" xmlns:r="http://schemas.openxmlformats.org/officeDocument/2006/relationships" xmlns:mc="http://schemas.openxmlformats.org/markup-compatibility/2006" xmlns:mv="urn:schemas-microsoft-com:mac:vml" xmlns:p="http://schemas.openxmlformats.org/presentationml/2006/main" xmlns:c="http://schemas.openxmlformats.org/drawingml/2006/chart" xmlns:dgm="http://schemas.openxmlformats.org/drawingml/2006/diagram" xmlns:o="urn:schemas-microsoft-com:office:office" xmlns:v="urn:schemas-microsoft-com:vml" xmlns:pvml="urn:schemas-microsoft-com:office:powerpoint" xmlns:com="http://schemas.openxmlformats.org/drawingml/2006/compatibility" xmlns:p14="http://schemas.microsoft.com/office/powerpoint/2010/main" xmlns:p15="http://schemas.microsoft.com/office/powerpoint/2012/main" xmlns:ahyp="http://schemas.microsoft.com/office/drawing/2018/hyperlinkcolor">
+<p:sld xmlns:a="http://schemas.openxmlformats.org/drawingml/2006/main" xmlns:r="http://schemas.openxmlformats.org/officeDocument/2006/relationships" xmlns:p="http://schemas.openxmlformats.org/presentationml/2006/main">
   <p:cSld>
     <p:spTree>
       <p:nvGrpSpPr>
-        <p:cNvPr id="123" name="Shape 123"/>
+        <p:cNvPr id="1" name="Shape 123"/>
         <p:cNvGrpSpPr/>
         <p:nvPr/>
       </p:nvGrpSpPr>
@@ -10167,7 +10163,9 @@
       <p:sp>
         <p:nvSpPr>
           <p:cNvPr id="124" name="Google Shape;124;p21"/>
-          <p:cNvSpPr txBox="1"/>
+          <p:cNvSpPr txBox="1">
+            <a:spLocks noGrp="1"/>
+          </p:cNvSpPr>
           <p:nvPr>
             <p:ph type="ctrTitle"/>
           </p:nvPr>
@@ -10182,12 +10180,12 @@
           </a:prstGeom>
         </p:spPr>
         <p:txBody>
-          <a:bodyPr anchorCtr="0" anchor="b" bIns="91425" lIns="91425" spcFirstLastPara="1" rIns="91425" wrap="square" tIns="91425">
+          <a:bodyPr spcFirstLastPara="1" wrap="square" lIns="91425" tIns="91425" rIns="91425" bIns="91425" anchor="b" anchorCtr="0">
             <a:noAutofit/>
           </a:bodyPr>
           <a:lstStyle/>
           <a:p>
-            <a:pPr indent="0" lvl="0" marL="0" rtl="0" algn="l">
+            <a:pPr marL="0" lvl="0" indent="0" algn="l" rtl="0">
               <a:spcBef>
                 <a:spcPts val="0"/>
               </a:spcBef>
@@ -10281,12 +10279,12 @@
           </a:ln>
         </p:spPr>
         <p:txBody>
-          <a:bodyPr anchorCtr="0" anchor="t" bIns="91425" lIns="91425" spcFirstLastPara="1" rIns="91425" wrap="square" tIns="91425">
+          <a:bodyPr spcFirstLastPara="1" wrap="square" lIns="91425" tIns="91425" rIns="91425" bIns="91425" anchor="t" anchorCtr="0">
             <a:spAutoFit/>
           </a:bodyPr>
           <a:lstStyle/>
           <a:p>
-            <a:pPr indent="0" lvl="0" marL="0" rtl="0" algn="just">
+            <a:pPr marL="0" lvl="0" indent="0" algn="just" rtl="0">
               <a:spcBef>
                 <a:spcPts val="0"/>
               </a:spcBef>
@@ -10308,37 +10306,7 @@
                 <a:cs typeface="Roboto"/>
                 <a:sym typeface="Roboto"/>
               </a:rPr>
-              <a:t>Se puede notar que todas las variables de precio y costo están altamente correlacionadas positivamente (si una crece la otra también), lo cual da sentido al </a:t>
-            </a:r>
-            <a:r>
-              <a:rPr lang="es" sz="1200">
-                <a:solidFill>
-                  <a:schemeClr val="accent2"/>
-                </a:solidFill>
-                <a:highlight>
-                  <a:srgbClr val="FFFFFF"/>
-                </a:highlight>
-                <a:latin typeface="Roboto"/>
-                <a:ea typeface="Roboto"/>
-                <a:cs typeface="Roboto"/>
-                <a:sym typeface="Roboto"/>
-              </a:rPr>
-              <a:t>análisis</a:t>
-            </a:r>
-            <a:r>
-              <a:rPr lang="es" sz="1200">
-                <a:solidFill>
-                  <a:schemeClr val="accent2"/>
-                </a:solidFill>
-                <a:highlight>
-                  <a:srgbClr val="FFFFFF"/>
-                </a:highlight>
-                <a:latin typeface="Roboto"/>
-                <a:ea typeface="Roboto"/>
-                <a:cs typeface="Roboto"/>
-                <a:sym typeface="Roboto"/>
-              </a:rPr>
-              <a:t> ya que la ganancia se genera vendiendo a un precio superior al costo</a:t>
+              <a:t>Se puede notar que todas las variables de precio y costo están altamente correlacionadas positivamente (si una crece la otra también), lo cual da sentido al análisis ya que la ganancia se genera vendiendo a un precio superior al costo</a:t>
             </a:r>
             <a:endParaRPr/>
           </a:p>
@@ -10353,7 +10321,288 @@
 </file>
 
 <file path=ppt/theme/theme1.xml><?xml version="1.0" encoding="utf-8"?>
-<a:theme xmlns:a="http://schemas.openxmlformats.org/drawingml/2006/main" xmlns:r="http://schemas.openxmlformats.org/officeDocument/2006/relationships">
+<a:theme xmlns:a="http://schemas.openxmlformats.org/drawingml/2006/main" name="Simple Light">
+  <a:themeElements>
+    <a:clrScheme name="Simple Light">
+      <a:dk1>
+        <a:srgbClr val="000000"/>
+      </a:dk1>
+      <a:lt1>
+        <a:srgbClr val="FFFFFF"/>
+      </a:lt1>
+      <a:dk2>
+        <a:srgbClr val="595959"/>
+      </a:dk2>
+      <a:lt2>
+        <a:srgbClr val="EEEEEE"/>
+      </a:lt2>
+      <a:accent1>
+        <a:srgbClr val="4285F4"/>
+      </a:accent1>
+      <a:accent2>
+        <a:srgbClr val="212121"/>
+      </a:accent2>
+      <a:accent3>
+        <a:srgbClr val="78909C"/>
+      </a:accent3>
+      <a:accent4>
+        <a:srgbClr val="FFAB40"/>
+      </a:accent4>
+      <a:accent5>
+        <a:srgbClr val="0097A7"/>
+      </a:accent5>
+      <a:accent6>
+        <a:srgbClr val="EEFF41"/>
+      </a:accent6>
+      <a:hlink>
+        <a:srgbClr val="0097A7"/>
+      </a:hlink>
+      <a:folHlink>
+        <a:srgbClr val="0097A7"/>
+      </a:folHlink>
+    </a:clrScheme>
+    <a:fontScheme name="Office">
+      <a:majorFont>
+        <a:latin typeface="Arial"/>
+        <a:ea typeface=""/>
+        <a:cs typeface=""/>
+        <a:font script="Jpan" typeface="ＭＳ Ｐゴシック"/>
+        <a:font script="Hang" typeface="맑은 고딕"/>
+        <a:font script="Hans" typeface="宋体"/>
+        <a:font script="Hant" typeface="新細明體"/>
+        <a:font script="Arab" typeface="Times New Roman"/>
+        <a:font script="Hebr" typeface="Times New Roman"/>
+        <a:font script="Thai" typeface="Angsana New"/>
+        <a:font script="Ethi" typeface="Nyala"/>
+        <a:font script="Beng" typeface="Vrinda"/>
+        <a:font script="Gujr" typeface="Shruti"/>
+        <a:font script="Khmr" typeface="MoolBoran"/>
+        <a:font script="Knda" typeface="Tunga"/>
+        <a:font script="Guru" typeface="Raavi"/>
+        <a:font script="Cans" typeface="Euphemia"/>
+        <a:font script="Cher" typeface="Plantagenet Cherokee"/>
+        <a:font script="Yiii" typeface="Microsoft Yi Baiti"/>
+        <a:font script="Tibt" typeface="Microsoft Himalaya"/>
+        <a:font script="Thaa" typeface="MV Boli"/>
+        <a:font script="Deva" typeface="Mangal"/>
+        <a:font script="Telu" typeface="Gautami"/>
+        <a:font script="Taml" typeface="Latha"/>
+        <a:font script="Syrc" typeface="Estrangelo Edessa"/>
+        <a:font script="Orya" typeface="Kalinga"/>
+        <a:font script="Mlym" typeface="Kartika"/>
+        <a:font script="Laoo" typeface="DokChampa"/>
+        <a:font script="Sinh" typeface="Iskoola Pota"/>
+        <a:font script="Mong" typeface="Mongolian Baiti"/>
+        <a:font script="Viet" typeface="Times New Roman"/>
+        <a:font script="Uigh" typeface="Microsoft Uighur"/>
+        <a:font script="Geor" typeface="Sylfaen"/>
+      </a:majorFont>
+      <a:minorFont>
+        <a:latin typeface="Arial"/>
+        <a:ea typeface=""/>
+        <a:cs typeface=""/>
+        <a:font script="Jpan" typeface="ＭＳ Ｐゴシック"/>
+        <a:font script="Hang" typeface="맑은 고딕"/>
+        <a:font script="Hans" typeface="宋体"/>
+        <a:font script="Hant" typeface="新細明體"/>
+        <a:font script="Arab" typeface="Arial"/>
+        <a:font script="Hebr" typeface="Arial"/>
+        <a:font script="Thai" typeface="Cordia New"/>
+        <a:font script="Ethi" typeface="Nyala"/>
+        <a:font script="Beng" typeface="Vrinda"/>
+        <a:font script="Gujr" typeface="Shruti"/>
+        <a:font script="Khmr" typeface="DaunPenh"/>
+        <a:font script="Knda" typeface="Tunga"/>
+        <a:font script="Guru" typeface="Raavi"/>
+        <a:font script="Cans" typeface="Euphemia"/>
+        <a:font script="Cher" typeface="Plantagenet Cherokee"/>
+        <a:font script="Yiii" typeface="Microsoft Yi Baiti"/>
+        <a:font script="Tibt" typeface="Microsoft Himalaya"/>
+        <a:font script="Thaa" typeface="MV Boli"/>
+        <a:font script="Deva" typeface="Mangal"/>
+        <a:font script="Telu" typeface="Gautami"/>
+        <a:font script="Taml" typeface="Latha"/>
+        <a:font script="Syrc" typeface="Estrangelo Edessa"/>
+        <a:font script="Orya" typeface="Kalinga"/>
+        <a:font script="Mlym" typeface="Kartika"/>
+        <a:font script="Laoo" typeface="DokChampa"/>
+        <a:font script="Sinh" typeface="Iskoola Pota"/>
+        <a:font script="Mong" typeface="Mongolian Baiti"/>
+        <a:font script="Viet" typeface="Arial"/>
+        <a:font script="Uigh" typeface="Microsoft Uighur"/>
+        <a:font script="Geor" typeface="Sylfaen"/>
+      </a:minorFont>
+    </a:fontScheme>
+    <a:fmtScheme name="Office">
+      <a:fillStyleLst>
+        <a:solidFill>
+          <a:schemeClr val="phClr"/>
+        </a:solidFill>
+        <a:gradFill rotWithShape="1">
+          <a:gsLst>
+            <a:gs pos="0">
+              <a:schemeClr val="phClr">
+                <a:tint val="50000"/>
+                <a:satMod val="300000"/>
+              </a:schemeClr>
+            </a:gs>
+            <a:gs pos="35000">
+              <a:schemeClr val="phClr">
+                <a:tint val="37000"/>
+                <a:satMod val="300000"/>
+              </a:schemeClr>
+            </a:gs>
+            <a:gs pos="100000">
+              <a:schemeClr val="phClr">
+                <a:tint val="15000"/>
+                <a:satMod val="350000"/>
+              </a:schemeClr>
+            </a:gs>
+          </a:gsLst>
+          <a:lin ang="16200000" scaled="1"/>
+        </a:gradFill>
+        <a:gradFill rotWithShape="1">
+          <a:gsLst>
+            <a:gs pos="0">
+              <a:schemeClr val="phClr">
+                <a:tint val="100000"/>
+                <a:shade val="100000"/>
+                <a:satMod val="130000"/>
+              </a:schemeClr>
+            </a:gs>
+            <a:gs pos="100000">
+              <a:schemeClr val="phClr">
+                <a:tint val="50000"/>
+                <a:shade val="100000"/>
+                <a:satMod val="350000"/>
+              </a:schemeClr>
+            </a:gs>
+          </a:gsLst>
+          <a:lin ang="16200000" scaled="0"/>
+        </a:gradFill>
+      </a:fillStyleLst>
+      <a:lnStyleLst>
+        <a:ln w="9525" cap="flat" cmpd="sng" algn="ctr">
+          <a:solidFill>
+            <a:schemeClr val="phClr">
+              <a:shade val="95000"/>
+              <a:satMod val="105000"/>
+            </a:schemeClr>
+          </a:solidFill>
+          <a:prstDash val="solid"/>
+        </a:ln>
+        <a:ln w="25400" cap="flat" cmpd="sng" algn="ctr">
+          <a:solidFill>
+            <a:schemeClr val="phClr"/>
+          </a:solidFill>
+          <a:prstDash val="solid"/>
+        </a:ln>
+        <a:ln w="38100" cap="flat" cmpd="sng" algn="ctr">
+          <a:solidFill>
+            <a:schemeClr val="phClr"/>
+          </a:solidFill>
+          <a:prstDash val="solid"/>
+        </a:ln>
+      </a:lnStyleLst>
+      <a:effectStyleLst>
+        <a:effectStyle>
+          <a:effectLst>
+            <a:outerShdw blurRad="40000" dist="20000" dir="5400000" rotWithShape="0">
+              <a:srgbClr val="000000">
+                <a:alpha val="38000"/>
+              </a:srgbClr>
+            </a:outerShdw>
+          </a:effectLst>
+        </a:effectStyle>
+        <a:effectStyle>
+          <a:effectLst>
+            <a:outerShdw blurRad="40000" dist="23000" dir="5400000" rotWithShape="0">
+              <a:srgbClr val="000000">
+                <a:alpha val="35000"/>
+              </a:srgbClr>
+            </a:outerShdw>
+          </a:effectLst>
+        </a:effectStyle>
+        <a:effectStyle>
+          <a:effectLst>
+            <a:outerShdw blurRad="40000" dist="23000" dir="5400000" rotWithShape="0">
+              <a:srgbClr val="000000">
+                <a:alpha val="35000"/>
+              </a:srgbClr>
+            </a:outerShdw>
+          </a:effectLst>
+          <a:scene3d>
+            <a:camera prst="orthographicFront">
+              <a:rot lat="0" lon="0" rev="0"/>
+            </a:camera>
+            <a:lightRig rig="threePt" dir="t">
+              <a:rot lat="0" lon="0" rev="1200000"/>
+            </a:lightRig>
+          </a:scene3d>
+          <a:sp3d>
+            <a:bevelT w="63500" h="25400"/>
+          </a:sp3d>
+        </a:effectStyle>
+      </a:effectStyleLst>
+      <a:bgFillStyleLst>
+        <a:solidFill>
+          <a:schemeClr val="phClr"/>
+        </a:solidFill>
+        <a:gradFill rotWithShape="1">
+          <a:gsLst>
+            <a:gs pos="0">
+              <a:schemeClr val="phClr">
+                <a:tint val="40000"/>
+                <a:satMod val="350000"/>
+              </a:schemeClr>
+            </a:gs>
+            <a:gs pos="40000">
+              <a:schemeClr val="phClr">
+                <a:tint val="45000"/>
+                <a:shade val="99000"/>
+                <a:satMod val="350000"/>
+              </a:schemeClr>
+            </a:gs>
+            <a:gs pos="100000">
+              <a:schemeClr val="phClr">
+                <a:shade val="20000"/>
+                <a:satMod val="255000"/>
+              </a:schemeClr>
+            </a:gs>
+          </a:gsLst>
+          <a:path path="circle">
+            <a:fillToRect l="50000" t="-80000" r="50000" b="180000"/>
+          </a:path>
+        </a:gradFill>
+        <a:gradFill rotWithShape="1">
+          <a:gsLst>
+            <a:gs pos="0">
+              <a:schemeClr val="phClr">
+                <a:tint val="80000"/>
+                <a:satMod val="300000"/>
+              </a:schemeClr>
+            </a:gs>
+            <a:gs pos="100000">
+              <a:schemeClr val="phClr">
+                <a:shade val="30000"/>
+                <a:satMod val="200000"/>
+              </a:schemeClr>
+            </a:gs>
+          </a:gsLst>
+          <a:path path="circle">
+            <a:fillToRect l="50000" t="50000" r="50000" b="50000"/>
+          </a:path>
+        </a:gradFill>
+      </a:bgFillStyleLst>
+    </a:fmtScheme>
+  </a:themeElements>
+  <a:objectDefaults/>
+  <a:extraClrSchemeLst/>
+</a:theme>
+</file>
+
+<file path=ppt/theme/theme2.xml><?xml version="1.0" encoding="utf-8"?>
+<a:theme xmlns:a="http://schemas.openxmlformats.org/drawingml/2006/main">
   <a:themeElements>
     <a:clrScheme name="Default">
       <a:dk1>
@@ -10628,284 +10877,7 @@
       </a:bgFillStyleLst>
     </a:fmtScheme>
   </a:themeElements>
-</a:theme>
-</file>
-
-<file path=ppt/theme/theme2.xml><?xml version="1.0" encoding="utf-8"?>
-<a:theme xmlns:a="http://schemas.openxmlformats.org/drawingml/2006/main" xmlns:r="http://schemas.openxmlformats.org/officeDocument/2006/relationships" name="Simple Light">
-  <a:themeElements>
-    <a:clrScheme name="Simple Light">
-      <a:dk1>
-        <a:srgbClr val="000000"/>
-      </a:dk1>
-      <a:lt1>
-        <a:srgbClr val="FFFFFF"/>
-      </a:lt1>
-      <a:dk2>
-        <a:srgbClr val="595959"/>
-      </a:dk2>
-      <a:lt2>
-        <a:srgbClr val="EEEEEE"/>
-      </a:lt2>
-      <a:accent1>
-        <a:srgbClr val="4285F4"/>
-      </a:accent1>
-      <a:accent2>
-        <a:srgbClr val="212121"/>
-      </a:accent2>
-      <a:accent3>
-        <a:srgbClr val="78909C"/>
-      </a:accent3>
-      <a:accent4>
-        <a:srgbClr val="FFAB40"/>
-      </a:accent4>
-      <a:accent5>
-        <a:srgbClr val="0097A7"/>
-      </a:accent5>
-      <a:accent6>
-        <a:srgbClr val="EEFF41"/>
-      </a:accent6>
-      <a:hlink>
-        <a:srgbClr val="0097A7"/>
-      </a:hlink>
-      <a:folHlink>
-        <a:srgbClr val="0097A7"/>
-      </a:folHlink>
-    </a:clrScheme>
-    <a:fontScheme name="Office">
-      <a:majorFont>
-        <a:latin typeface="Arial"/>
-        <a:ea typeface=""/>
-        <a:cs typeface=""/>
-        <a:font script="Jpan" typeface="ＭＳ Ｐゴシック"/>
-        <a:font script="Hang" typeface="맑은 고딕"/>
-        <a:font script="Hans" typeface="宋体"/>
-        <a:font script="Hant" typeface="新細明體"/>
-        <a:font script="Arab" typeface="Times New Roman"/>
-        <a:font script="Hebr" typeface="Times New Roman"/>
-        <a:font script="Thai" typeface="Angsana New"/>
-        <a:font script="Ethi" typeface="Nyala"/>
-        <a:font script="Beng" typeface="Vrinda"/>
-        <a:font script="Gujr" typeface="Shruti"/>
-        <a:font script="Khmr" typeface="MoolBoran"/>
-        <a:font script="Knda" typeface="Tunga"/>
-        <a:font script="Guru" typeface="Raavi"/>
-        <a:font script="Cans" typeface="Euphemia"/>
-        <a:font script="Cher" typeface="Plantagenet Cherokee"/>
-        <a:font script="Yiii" typeface="Microsoft Yi Baiti"/>
-        <a:font script="Tibt" typeface="Microsoft Himalaya"/>
-        <a:font script="Thaa" typeface="MV Boli"/>
-        <a:font script="Deva" typeface="Mangal"/>
-        <a:font script="Telu" typeface="Gautami"/>
-        <a:font script="Taml" typeface="Latha"/>
-        <a:font script="Syrc" typeface="Estrangelo Edessa"/>
-        <a:font script="Orya" typeface="Kalinga"/>
-        <a:font script="Mlym" typeface="Kartika"/>
-        <a:font script="Laoo" typeface="DokChampa"/>
-        <a:font script="Sinh" typeface="Iskoola Pota"/>
-        <a:font script="Mong" typeface="Mongolian Baiti"/>
-        <a:font script="Viet" typeface="Times New Roman"/>
-        <a:font script="Uigh" typeface="Microsoft Uighur"/>
-        <a:font script="Geor" typeface="Sylfaen"/>
-      </a:majorFont>
-      <a:minorFont>
-        <a:latin typeface="Arial"/>
-        <a:ea typeface=""/>
-        <a:cs typeface=""/>
-        <a:font script="Jpan" typeface="ＭＳ Ｐゴシック"/>
-        <a:font script="Hang" typeface="맑은 고딕"/>
-        <a:font script="Hans" typeface="宋体"/>
-        <a:font script="Hant" typeface="新細明體"/>
-        <a:font script="Arab" typeface="Arial"/>
-        <a:font script="Hebr" typeface="Arial"/>
-        <a:font script="Thai" typeface="Cordia New"/>
-        <a:font script="Ethi" typeface="Nyala"/>
-        <a:font script="Beng" typeface="Vrinda"/>
-        <a:font script="Gujr" typeface="Shruti"/>
-        <a:font script="Khmr" typeface="DaunPenh"/>
-        <a:font script="Knda" typeface="Tunga"/>
-        <a:font script="Guru" typeface="Raavi"/>
-        <a:font script="Cans" typeface="Euphemia"/>
-        <a:font script="Cher" typeface="Plantagenet Cherokee"/>
-        <a:font script="Yiii" typeface="Microsoft Yi Baiti"/>
-        <a:font script="Tibt" typeface="Microsoft Himalaya"/>
-        <a:font script="Thaa" typeface="MV Boli"/>
-        <a:font script="Deva" typeface="Mangal"/>
-        <a:font script="Telu" typeface="Gautami"/>
-        <a:font script="Taml" typeface="Latha"/>
-        <a:font script="Syrc" typeface="Estrangelo Edessa"/>
-        <a:font script="Orya" typeface="Kalinga"/>
-        <a:font script="Mlym" typeface="Kartika"/>
-        <a:font script="Laoo" typeface="DokChampa"/>
-        <a:font script="Sinh" typeface="Iskoola Pota"/>
-        <a:font script="Mong" typeface="Mongolian Baiti"/>
-        <a:font script="Viet" typeface="Arial"/>
-        <a:font script="Uigh" typeface="Microsoft Uighur"/>
-        <a:font script="Geor" typeface="Sylfaen"/>
-      </a:minorFont>
-    </a:fontScheme>
-    <a:fmtScheme name="Office">
-      <a:fillStyleLst>
-        <a:solidFill>
-          <a:schemeClr val="phClr"/>
-        </a:solidFill>
-        <a:gradFill rotWithShape="1">
-          <a:gsLst>
-            <a:gs pos="0">
-              <a:schemeClr val="phClr">
-                <a:tint val="50000"/>
-                <a:satMod val="300000"/>
-              </a:schemeClr>
-            </a:gs>
-            <a:gs pos="35000">
-              <a:schemeClr val="phClr">
-                <a:tint val="37000"/>
-                <a:satMod val="300000"/>
-              </a:schemeClr>
-            </a:gs>
-            <a:gs pos="100000">
-              <a:schemeClr val="phClr">
-                <a:tint val="15000"/>
-                <a:satMod val="350000"/>
-              </a:schemeClr>
-            </a:gs>
-          </a:gsLst>
-          <a:lin ang="16200000" scaled="1"/>
-        </a:gradFill>
-        <a:gradFill rotWithShape="1">
-          <a:gsLst>
-            <a:gs pos="0">
-              <a:schemeClr val="phClr">
-                <a:tint val="100000"/>
-                <a:shade val="100000"/>
-                <a:satMod val="130000"/>
-              </a:schemeClr>
-            </a:gs>
-            <a:gs pos="100000">
-              <a:schemeClr val="phClr">
-                <a:tint val="50000"/>
-                <a:shade val="100000"/>
-                <a:satMod val="350000"/>
-              </a:schemeClr>
-            </a:gs>
-          </a:gsLst>
-          <a:lin ang="16200000" scaled="0"/>
-        </a:gradFill>
-      </a:fillStyleLst>
-      <a:lnStyleLst>
-        <a:ln w="9525" cap="flat" cmpd="sng" algn="ctr">
-          <a:solidFill>
-            <a:schemeClr val="phClr">
-              <a:shade val="95000"/>
-              <a:satMod val="105000"/>
-            </a:schemeClr>
-          </a:solidFill>
-          <a:prstDash val="solid"/>
-        </a:ln>
-        <a:ln w="25400" cap="flat" cmpd="sng" algn="ctr">
-          <a:solidFill>
-            <a:schemeClr val="phClr"/>
-          </a:solidFill>
-          <a:prstDash val="solid"/>
-        </a:ln>
-        <a:ln w="38100" cap="flat" cmpd="sng" algn="ctr">
-          <a:solidFill>
-            <a:schemeClr val="phClr"/>
-          </a:solidFill>
-          <a:prstDash val="solid"/>
-        </a:ln>
-      </a:lnStyleLst>
-      <a:effectStyleLst>
-        <a:effectStyle>
-          <a:effectLst>
-            <a:outerShdw blurRad="40000" dist="20000" dir="5400000" rotWithShape="0">
-              <a:srgbClr val="000000">
-                <a:alpha val="38000"/>
-              </a:srgbClr>
-            </a:outerShdw>
-          </a:effectLst>
-        </a:effectStyle>
-        <a:effectStyle>
-          <a:effectLst>
-            <a:outerShdw blurRad="40000" dist="23000" dir="5400000" rotWithShape="0">
-              <a:srgbClr val="000000">
-                <a:alpha val="35000"/>
-              </a:srgbClr>
-            </a:outerShdw>
-          </a:effectLst>
-        </a:effectStyle>
-        <a:effectStyle>
-          <a:effectLst>
-            <a:outerShdw blurRad="40000" dist="23000" dir="5400000" rotWithShape="0">
-              <a:srgbClr val="000000">
-                <a:alpha val="35000"/>
-              </a:srgbClr>
-            </a:outerShdw>
-          </a:effectLst>
-          <a:scene3d>
-            <a:camera prst="orthographicFront">
-              <a:rot lat="0" lon="0" rev="0"/>
-            </a:camera>
-            <a:lightRig rig="threePt" dir="t">
-              <a:rot lat="0" lon="0" rev="1200000"/>
-            </a:lightRig>
-          </a:scene3d>
-          <a:sp3d>
-            <a:bevelT w="63500" h="25400"/>
-          </a:sp3d>
-        </a:effectStyle>
-      </a:effectStyleLst>
-      <a:bgFillStyleLst>
-        <a:solidFill>
-          <a:schemeClr val="phClr"/>
-        </a:solidFill>
-        <a:gradFill rotWithShape="1">
-          <a:gsLst>
-            <a:gs pos="0">
-              <a:schemeClr val="phClr">
-                <a:tint val="40000"/>
-                <a:satMod val="350000"/>
-              </a:schemeClr>
-            </a:gs>
-            <a:gs pos="40000">
-              <a:schemeClr val="phClr">
-                <a:tint val="45000"/>
-                <a:shade val="99000"/>
-                <a:satMod val="350000"/>
-              </a:schemeClr>
-            </a:gs>
-            <a:gs pos="100000">
-              <a:schemeClr val="phClr">
-                <a:shade val="20000"/>
-                <a:satMod val="255000"/>
-              </a:schemeClr>
-            </a:gs>
-          </a:gsLst>
-          <a:path path="circle">
-            <a:fillToRect l="50000" t="-80000" r="50000" b="180000"/>
-          </a:path>
-        </a:gradFill>
-        <a:gradFill rotWithShape="1">
-          <a:gsLst>
-            <a:gs pos="0">
-              <a:schemeClr val="phClr">
-                <a:tint val="80000"/>
-                <a:satMod val="300000"/>
-              </a:schemeClr>
-            </a:gs>
-            <a:gs pos="100000">
-              <a:schemeClr val="phClr">
-                <a:shade val="30000"/>
-                <a:satMod val="200000"/>
-              </a:schemeClr>
-            </a:gs>
-          </a:gsLst>
-          <a:path path="circle">
-            <a:fillToRect l="50000" t="50000" r="50000" b="50000"/>
-          </a:path>
-        </a:gradFill>
-      </a:bgFillStyleLst>
-    </a:fmtScheme>
-  </a:themeElements>
+  <a:objectDefaults/>
+  <a:extraClrSchemeLst/>
 </a:theme>
 </file>